--- a/UM_DataManagementClass/Lessons/04/04_FirstMeeting.pptx
+++ b/UM_DataManagementClass/Lessons/04/04_FirstMeeting.pptx
@@ -5,7 +5,7 @@
     <p:sldMasterId id="2147483756" r:id="rId1"/>
   </p:sldMasterIdLst>
   <p:notesMasterIdLst>
-    <p:notesMasterId r:id="rId41"/>
+    <p:notesMasterId r:id="rId40"/>
   </p:notesMasterIdLst>
   <p:sldIdLst>
     <p:sldId id="256" r:id="rId2"/>
@@ -38,15 +38,14 @@
     <p:sldId id="305" r:id="rId29"/>
     <p:sldId id="310" r:id="rId30"/>
     <p:sldId id="316" r:id="rId31"/>
-    <p:sldId id="291" r:id="rId32"/>
-    <p:sldId id="317" r:id="rId33"/>
-    <p:sldId id="292" r:id="rId34"/>
-    <p:sldId id="293" r:id="rId35"/>
+    <p:sldId id="317" r:id="rId32"/>
+    <p:sldId id="292" r:id="rId33"/>
+    <p:sldId id="293" r:id="rId34"/>
+    <p:sldId id="278" r:id="rId35"/>
     <p:sldId id="308" r:id="rId36"/>
     <p:sldId id="309" r:id="rId37"/>
     <p:sldId id="306" r:id="rId38"/>
     <p:sldId id="307" r:id="rId39"/>
-    <p:sldId id="278" r:id="rId40"/>
   </p:sldIdLst>
   <p:sldSz cx="12192000" cy="6858000"/>
   <p:notesSz cx="7010400" cy="9296400"/>
@@ -147,7 +146,7 @@
   </p:defaultTextStyle>
   <p:extLst>
     <p:ext uri="{EFAFB233-063F-42B5-8137-9DF3F51BA10A}">
-      <p15:sldGuideLst xmlns:p15="http://schemas.microsoft.com/office/powerpoint/2012/main" xmlns="">
+      <p15:sldGuideLst xmlns="" xmlns:p15="http://schemas.microsoft.com/office/powerpoint/2012/main">
         <p15:guide id="1" orient="horz" pos="2160" userDrawn="1">
           <p15:clr>
             <a:srgbClr val="A4A3A4"/>
@@ -247,7 +246,7 @@
             <a:fld id="{0B10C68B-4B56-4C57-A100-1112E8D05063}" type="datetimeFigureOut">
               <a:rPr lang="en-US" smtClean="0"/>
               <a:pPr/>
-              <a:t>1/29/2016</a:t>
+              <a:t>1/31/16</a:t>
             </a:fld>
             <a:endParaRPr lang="en-US"/>
           </a:p>
@@ -416,7 +415,7 @@
     </p:spTree>
     <p:extLst>
       <p:ext uri="{BB962C8B-B14F-4D97-AF65-F5344CB8AC3E}">
-        <p14:creationId xmlns:p14="http://schemas.microsoft.com/office/powerpoint/2010/main" xmlns="" val="2616926588"/>
+        <p14:creationId xmlns:p14="http://schemas.microsoft.com/office/powerpoint/2010/main" val="2616926588"/>
       </p:ext>
     </p:extLst>
   </p:cSld>
@@ -591,7 +590,7 @@
     </p:spTree>
     <p:extLst>
       <p:ext uri="{BB962C8B-B14F-4D97-AF65-F5344CB8AC3E}">
-        <p14:creationId xmlns:p14="http://schemas.microsoft.com/office/powerpoint/2010/main" xmlns="" val="111020371"/>
+        <p14:creationId xmlns:p14="http://schemas.microsoft.com/office/powerpoint/2010/main" val="111020371"/>
       </p:ext>
     </p:extLst>
   </p:cSld>
@@ -684,7 +683,7 @@
     </p:spTree>
     <p:extLst>
       <p:ext uri="{BB962C8B-B14F-4D97-AF65-F5344CB8AC3E}">
-        <p14:creationId xmlns:p14="http://schemas.microsoft.com/office/powerpoint/2010/main" xmlns="" val="1214568317"/>
+        <p14:creationId xmlns:p14="http://schemas.microsoft.com/office/powerpoint/2010/main" val="1214568317"/>
       </p:ext>
     </p:extLst>
   </p:cSld>
@@ -789,7 +788,7 @@
     </p:spTree>
     <p:extLst>
       <p:ext uri="{BB962C8B-B14F-4D97-AF65-F5344CB8AC3E}">
-        <p14:creationId xmlns:p14="http://schemas.microsoft.com/office/powerpoint/2010/main" xmlns="" val="2233036527"/>
+        <p14:creationId xmlns:p14="http://schemas.microsoft.com/office/powerpoint/2010/main" val="2233036527"/>
       </p:ext>
     </p:extLst>
   </p:cSld>
@@ -845,7 +844,15 @@
           <a:p>
             <a:r>
               <a:rPr lang="en-US" dirty="0" smtClean="0"/>
-              <a:t>If you know of these, make sure to get </a:t>
+              <a:t>Note that my favorite is </a:t>
+            </a:r>
+            <a:r>
+              <a:rPr lang="en-US" dirty="0" err="1" smtClean="0"/>
+              <a:t>git</a:t>
+            </a:r>
+            <a:r>
+              <a:rPr lang="en-US" baseline="0" dirty="0" smtClean="0"/>
+              <a:t> (for now), but I have heard a lot about SVN, </a:t>
             </a:r>
             <a:endParaRPr lang="en-US" dirty="0"/>
           </a:p>
@@ -869,7 +876,7 @@
             <a:fld id="{BD1BE559-B438-492B-8B25-996CFA6FE800}" type="slidenum">
               <a:rPr lang="en-US" smtClean="0"/>
               <a:pPr/>
-              <a:t>31</a:t>
+              <a:t>29</a:t>
             </a:fld>
             <a:endParaRPr lang="en-US"/>
           </a:p>
@@ -878,7 +885,7 @@
     </p:spTree>
     <p:extLst>
       <p:ext uri="{BB962C8B-B14F-4D97-AF65-F5344CB8AC3E}">
-        <p14:creationId xmlns="" xmlns:p14="http://schemas.microsoft.com/office/powerpoint/2010/main" val="2168064235"/>
+        <p14:creationId xmlns:p14="http://schemas.microsoft.com/office/powerpoint/2010/main" val="1673628171"/>
       </p:ext>
     </p:extLst>
   </p:cSld>
@@ -958,7 +965,7 @@
             <a:fld id="{BD1BE559-B438-492B-8B25-996CFA6FE800}" type="slidenum">
               <a:rPr lang="en-US" smtClean="0"/>
               <a:pPr/>
-              <a:t>33</a:t>
+              <a:t>32</a:t>
             </a:fld>
             <a:endParaRPr lang="en-US"/>
           </a:p>
@@ -967,7 +974,7 @@
     </p:spTree>
     <p:extLst>
       <p:ext uri="{BB962C8B-B14F-4D97-AF65-F5344CB8AC3E}">
-        <p14:creationId xmlns="" xmlns:p14="http://schemas.microsoft.com/office/powerpoint/2010/main" val="2168064235"/>
+        <p14:creationId xmlns:p14="http://schemas.microsoft.com/office/powerpoint/2010/main" val="2168064235"/>
       </p:ext>
     </p:extLst>
   </p:cSld>
@@ -1043,7 +1050,7 @@
             <a:fld id="{BD1BE559-B438-492B-8B25-996CFA6FE800}" type="slidenum">
               <a:rPr lang="en-US" smtClean="0"/>
               <a:pPr/>
-              <a:t>34</a:t>
+              <a:t>33</a:t>
             </a:fld>
             <a:endParaRPr lang="en-US"/>
           </a:p>
@@ -1052,7 +1059,7 @@
     </p:spTree>
     <p:extLst>
       <p:ext uri="{BB962C8B-B14F-4D97-AF65-F5344CB8AC3E}">
-        <p14:creationId xmlns="" xmlns:p14="http://schemas.microsoft.com/office/powerpoint/2010/main" val="3850637182"/>
+        <p14:creationId xmlns:p14="http://schemas.microsoft.com/office/powerpoint/2010/main" val="3850637182"/>
       </p:ext>
     </p:extLst>
   </p:cSld>
@@ -1106,6 +1113,46 @@
           <a:bodyPr/>
           <a:lstStyle/>
           <a:p>
+            <a:r>
+              <a:rPr lang="en-US" b="1" i="1" dirty="0" smtClean="0"/>
+              <a:t>g</a:t>
+            </a:r>
+            <a:r>
+              <a:rPr lang="en-US" i="1" dirty="0" smtClean="0"/>
+              <a:t>lobally search a</a:t>
+            </a:r>
+            <a:r>
+              <a:rPr lang="en-US" dirty="0" smtClean="0"/>
+              <a:t> </a:t>
+            </a:r>
+            <a:r>
+              <a:rPr lang="en-US" b="1" i="1" dirty="0" smtClean="0"/>
+              <a:t>r</a:t>
+            </a:r>
+            <a:r>
+              <a:rPr lang="en-US" i="1" dirty="0" smtClean="0"/>
+              <a:t>egular </a:t>
+            </a:r>
+            <a:r>
+              <a:rPr lang="en-US" b="1" i="1" dirty="0" smtClean="0"/>
+              <a:t>e</a:t>
+            </a:r>
+            <a:r>
+              <a:rPr lang="en-US" i="1" dirty="0" smtClean="0"/>
+              <a:t>xpression</a:t>
+            </a:r>
+            <a:r>
+              <a:rPr lang="en-US" dirty="0" smtClean="0"/>
+              <a:t> and </a:t>
+            </a:r>
+            <a:r>
+              <a:rPr lang="en-US" b="1" i="1" dirty="0" smtClean="0"/>
+              <a:t>p</a:t>
+            </a:r>
+            <a:r>
+              <a:rPr lang="en-US" i="1" dirty="0" smtClean="0"/>
+              <a:t>rint</a:t>
+            </a:r>
             <a:endParaRPr lang="en-US" dirty="0"/>
           </a:p>
         </p:txBody>
@@ -1137,7 +1184,7 @@
     </p:spTree>
     <p:extLst>
       <p:ext uri="{BB962C8B-B14F-4D97-AF65-F5344CB8AC3E}">
-        <p14:creationId xmlns="" xmlns:p14="http://schemas.microsoft.com/office/powerpoint/2010/main" val="3633018203"/>
+        <p14:creationId xmlns:p14="http://schemas.microsoft.com/office/powerpoint/2010/main" val="3633018203"/>
       </p:ext>
     </p:extLst>
   </p:cSld>
@@ -1222,7 +1269,7 @@
     </p:spTree>
     <p:extLst>
       <p:ext uri="{BB962C8B-B14F-4D97-AF65-F5344CB8AC3E}">
-        <p14:creationId xmlns="" xmlns:p14="http://schemas.microsoft.com/office/powerpoint/2010/main" val="469845863"/>
+        <p14:creationId xmlns:p14="http://schemas.microsoft.com/office/powerpoint/2010/main" val="469845863"/>
       </p:ext>
     </p:extLst>
   </p:cSld>
@@ -1319,7 +1366,7 @@
     </p:spTree>
     <p:extLst>
       <p:ext uri="{BB962C8B-B14F-4D97-AF65-F5344CB8AC3E}">
-        <p14:creationId xmlns:p14="http://schemas.microsoft.com/office/powerpoint/2010/main" xmlns="" val="390379272"/>
+        <p14:creationId xmlns:p14="http://schemas.microsoft.com/office/powerpoint/2010/main" val="390379272"/>
       </p:ext>
     </p:extLst>
   </p:cSld>
@@ -1404,7 +1451,7 @@
     </p:spTree>
     <p:extLst>
       <p:ext uri="{BB962C8B-B14F-4D97-AF65-F5344CB8AC3E}">
-        <p14:creationId xmlns="" xmlns:p14="http://schemas.microsoft.com/office/powerpoint/2010/main" val="2954931761"/>
+        <p14:creationId xmlns:p14="http://schemas.microsoft.com/office/powerpoint/2010/main" val="2954931761"/>
       </p:ext>
     </p:extLst>
   </p:cSld>
@@ -1508,7 +1555,7 @@
     </p:spTree>
     <p:extLst>
       <p:ext uri="{BB962C8B-B14F-4D97-AF65-F5344CB8AC3E}">
-        <p14:creationId xmlns="" xmlns:p14="http://schemas.microsoft.com/office/powerpoint/2010/main" val="771351121"/>
+        <p14:creationId xmlns:p14="http://schemas.microsoft.com/office/powerpoint/2010/main" val="771351121"/>
       </p:ext>
     </p:extLst>
   </p:cSld>
@@ -1612,7 +1659,7 @@
     </p:spTree>
     <p:extLst>
       <p:ext uri="{BB962C8B-B14F-4D97-AF65-F5344CB8AC3E}">
-        <p14:creationId xmlns="" xmlns:p14="http://schemas.microsoft.com/office/powerpoint/2010/main" val="771351121"/>
+        <p14:creationId xmlns:p14="http://schemas.microsoft.com/office/powerpoint/2010/main" val="771351121"/>
       </p:ext>
     </p:extLst>
   </p:cSld>
@@ -1705,7 +1752,7 @@
     </p:spTree>
     <p:extLst>
       <p:ext uri="{BB962C8B-B14F-4D97-AF65-F5344CB8AC3E}">
-        <p14:creationId xmlns:p14="http://schemas.microsoft.com/office/powerpoint/2010/main" xmlns="" val="3360870633"/>
+        <p14:creationId xmlns:p14="http://schemas.microsoft.com/office/powerpoint/2010/main" val="3360870633"/>
       </p:ext>
     </p:extLst>
   </p:cSld>
@@ -1816,7 +1863,7 @@
     </p:spTree>
     <p:extLst>
       <p:ext uri="{BB962C8B-B14F-4D97-AF65-F5344CB8AC3E}">
-        <p14:creationId xmlns:p14="http://schemas.microsoft.com/office/powerpoint/2010/main" xmlns="" val="1696276712"/>
+        <p14:creationId xmlns:p14="http://schemas.microsoft.com/office/powerpoint/2010/main" val="1696276712"/>
       </p:ext>
     </p:extLst>
   </p:cSld>
@@ -1909,7 +1956,7 @@
     </p:spTree>
     <p:extLst>
       <p:ext uri="{BB962C8B-B14F-4D97-AF65-F5344CB8AC3E}">
-        <p14:creationId xmlns:p14="http://schemas.microsoft.com/office/powerpoint/2010/main" xmlns="" val="1861884742"/>
+        <p14:creationId xmlns:p14="http://schemas.microsoft.com/office/powerpoint/2010/main" val="1861884742"/>
       </p:ext>
     </p:extLst>
   </p:cSld>
@@ -2002,7 +2049,7 @@
     </p:spTree>
     <p:extLst>
       <p:ext uri="{BB962C8B-B14F-4D97-AF65-F5344CB8AC3E}">
-        <p14:creationId xmlns:p14="http://schemas.microsoft.com/office/powerpoint/2010/main" xmlns="" val="1632383171"/>
+        <p14:creationId xmlns:p14="http://schemas.microsoft.com/office/powerpoint/2010/main" val="1632383171"/>
       </p:ext>
     </p:extLst>
   </p:cSld>
@@ -2155,7 +2202,7 @@
               <a:pPr>
                 <a:defRPr/>
               </a:pPr>
-              <a:t>1/29/2016</a:t>
+              <a:t>1/31/16</a:t>
             </a:fld>
             <a:endParaRPr lang="en-US">
               <a:solidFill>
@@ -2239,7 +2286,7 @@
     </p:spTree>
     <p:extLst>
       <p:ext uri="{BB962C8B-B14F-4D97-AF65-F5344CB8AC3E}">
-        <p14:creationId xmlns:p14="http://schemas.microsoft.com/office/powerpoint/2010/main" xmlns="" val="588844449"/>
+        <p14:creationId xmlns:p14="http://schemas.microsoft.com/office/powerpoint/2010/main" val="588844449"/>
       </p:ext>
     </p:extLst>
   </p:cSld>
@@ -2370,7 +2417,7 @@
               <a:pPr>
                 <a:defRPr/>
               </a:pPr>
-              <a:t>1/29/2016</a:t>
+              <a:t>1/31/16</a:t>
             </a:fld>
             <a:endParaRPr lang="en-US">
               <a:solidFill>
@@ -2454,7 +2501,7 @@
     </p:spTree>
     <p:extLst>
       <p:ext uri="{BB962C8B-B14F-4D97-AF65-F5344CB8AC3E}">
-        <p14:creationId xmlns:p14="http://schemas.microsoft.com/office/powerpoint/2010/main" xmlns="" val="2374176888"/>
+        <p14:creationId xmlns:p14="http://schemas.microsoft.com/office/powerpoint/2010/main" val="2374176888"/>
       </p:ext>
     </p:extLst>
   </p:cSld>
@@ -2595,7 +2642,7 @@
               <a:pPr>
                 <a:defRPr/>
               </a:pPr>
-              <a:t>1/29/2016</a:t>
+              <a:t>1/31/16</a:t>
             </a:fld>
             <a:endParaRPr lang="en-US">
               <a:solidFill>
@@ -2679,7 +2726,7 @@
     </p:spTree>
     <p:extLst>
       <p:ext uri="{BB962C8B-B14F-4D97-AF65-F5344CB8AC3E}">
-        <p14:creationId xmlns:p14="http://schemas.microsoft.com/office/powerpoint/2010/main" xmlns="" val="991584953"/>
+        <p14:creationId xmlns:p14="http://schemas.microsoft.com/office/powerpoint/2010/main" val="991584953"/>
       </p:ext>
     </p:extLst>
   </p:cSld>
@@ -2836,7 +2883,7 @@
               <a:pPr>
                 <a:defRPr/>
               </a:pPr>
-              <a:t>1/29/2016</a:t>
+              <a:t>1/31/16</a:t>
             </a:fld>
             <a:endParaRPr lang="en-US">
               <a:solidFill>
@@ -2920,7 +2967,7 @@
     </p:spTree>
     <p:extLst>
       <p:ext uri="{BB962C8B-B14F-4D97-AF65-F5344CB8AC3E}">
-        <p14:creationId xmlns:p14="http://schemas.microsoft.com/office/powerpoint/2010/main" xmlns="" val="379613614"/>
+        <p14:creationId xmlns:p14="http://schemas.microsoft.com/office/powerpoint/2010/main" val="379613614"/>
       </p:ext>
     </p:extLst>
   </p:cSld>
@@ -3125,7 +3172,7 @@
               <a:pPr>
                 <a:defRPr/>
               </a:pPr>
-              <a:t>1/29/2016</a:t>
+              <a:t>1/31/16</a:t>
             </a:fld>
             <a:endParaRPr lang="en-US">
               <a:solidFill>
@@ -3209,7 +3256,7 @@
     </p:spTree>
     <p:extLst>
       <p:ext uri="{BB962C8B-B14F-4D97-AF65-F5344CB8AC3E}">
-        <p14:creationId xmlns:p14="http://schemas.microsoft.com/office/powerpoint/2010/main" xmlns="" val="1749530271"/>
+        <p14:creationId xmlns:p14="http://schemas.microsoft.com/office/powerpoint/2010/main" val="1749530271"/>
       </p:ext>
     </p:extLst>
   </p:cSld>
@@ -3446,7 +3493,7 @@
               <a:pPr>
                 <a:defRPr/>
               </a:pPr>
-              <a:t>1/29/2016</a:t>
+              <a:t>1/31/16</a:t>
             </a:fld>
             <a:endParaRPr lang="en-US">
               <a:solidFill>
@@ -3530,7 +3577,7 @@
     </p:spTree>
     <p:extLst>
       <p:ext uri="{BB962C8B-B14F-4D97-AF65-F5344CB8AC3E}">
-        <p14:creationId xmlns:p14="http://schemas.microsoft.com/office/powerpoint/2010/main" xmlns="" val="4117643888"/>
+        <p14:creationId xmlns:p14="http://schemas.microsoft.com/office/powerpoint/2010/main" val="4117643888"/>
       </p:ext>
     </p:extLst>
   </p:cSld>
@@ -3906,7 +3953,7 @@
               <a:pPr>
                 <a:defRPr/>
               </a:pPr>
-              <a:t>1/29/2016</a:t>
+              <a:t>1/31/16</a:t>
             </a:fld>
             <a:endParaRPr lang="en-US">
               <a:solidFill>
@@ -3990,7 +4037,7 @@
     </p:spTree>
     <p:extLst>
       <p:ext uri="{BB962C8B-B14F-4D97-AF65-F5344CB8AC3E}">
-        <p14:creationId xmlns:p14="http://schemas.microsoft.com/office/powerpoint/2010/main" xmlns="" val="3305394207"/>
+        <p14:creationId xmlns:p14="http://schemas.microsoft.com/office/powerpoint/2010/main" val="3305394207"/>
       </p:ext>
     </p:extLst>
   </p:cSld>
@@ -4077,7 +4124,7 @@
               <a:pPr>
                 <a:defRPr/>
               </a:pPr>
-              <a:t>1/29/2016</a:t>
+              <a:t>1/31/16</a:t>
             </a:fld>
             <a:endParaRPr lang="en-US">
               <a:solidFill>
@@ -4161,7 +4208,7 @@
     </p:spTree>
     <p:extLst>
       <p:ext uri="{BB962C8B-B14F-4D97-AF65-F5344CB8AC3E}">
-        <p14:creationId xmlns:p14="http://schemas.microsoft.com/office/powerpoint/2010/main" xmlns="" val="2564282291"/>
+        <p14:creationId xmlns:p14="http://schemas.microsoft.com/office/powerpoint/2010/main" val="2564282291"/>
       </p:ext>
     </p:extLst>
   </p:cSld>
@@ -4217,7 +4264,7 @@
               <a:pPr>
                 <a:defRPr/>
               </a:pPr>
-              <a:t>1/29/2016</a:t>
+              <a:t>1/31/16</a:t>
             </a:fld>
             <a:endParaRPr lang="en-US">
               <a:solidFill>
@@ -4301,7 +4348,7 @@
     </p:spTree>
     <p:extLst>
       <p:ext uri="{BB962C8B-B14F-4D97-AF65-F5344CB8AC3E}">
-        <p14:creationId xmlns:p14="http://schemas.microsoft.com/office/powerpoint/2010/main" xmlns="" val="2633152322"/>
+        <p14:creationId xmlns:p14="http://schemas.microsoft.com/office/powerpoint/2010/main" val="2633152322"/>
       </p:ext>
     </p:extLst>
   </p:cSld>
@@ -4539,7 +4586,7 @@
               <a:pPr>
                 <a:defRPr/>
               </a:pPr>
-              <a:t>1/29/2016</a:t>
+              <a:t>1/31/16</a:t>
             </a:fld>
             <a:endParaRPr lang="en-US">
               <a:solidFill>
@@ -4623,7 +4670,7 @@
     </p:spTree>
     <p:extLst>
       <p:ext uri="{BB962C8B-B14F-4D97-AF65-F5344CB8AC3E}">
-        <p14:creationId xmlns:p14="http://schemas.microsoft.com/office/powerpoint/2010/main" xmlns="" val="4283600683"/>
+        <p14:creationId xmlns:p14="http://schemas.microsoft.com/office/powerpoint/2010/main" val="4283600683"/>
       </p:ext>
     </p:extLst>
   </p:cSld>
@@ -4841,7 +4888,7 @@
               <a:pPr>
                 <a:defRPr/>
               </a:pPr>
-              <a:t>1/29/2016</a:t>
+              <a:t>1/31/16</a:t>
             </a:fld>
             <a:endParaRPr lang="en-US">
               <a:solidFill>
@@ -4925,7 +4972,7 @@
     </p:spTree>
     <p:extLst>
       <p:ext uri="{BB962C8B-B14F-4D97-AF65-F5344CB8AC3E}">
-        <p14:creationId xmlns:p14="http://schemas.microsoft.com/office/powerpoint/2010/main" xmlns="" val="3406240267"/>
+        <p14:creationId xmlns:p14="http://schemas.microsoft.com/office/powerpoint/2010/main" val="3406240267"/>
       </p:ext>
     </p:extLst>
   </p:cSld>
@@ -5099,7 +5146,7 @@
               <a:pPr>
                 <a:defRPr/>
               </a:pPr>
-              <a:t>1/29/2016</a:t>
+              <a:t>1/31/16</a:t>
             </a:fld>
             <a:endParaRPr lang="en-US">
               <a:solidFill>
@@ -5219,7 +5266,7 @@
     </p:spTree>
     <p:extLst>
       <p:ext uri="{BB962C8B-B14F-4D97-AF65-F5344CB8AC3E}">
-        <p14:creationId xmlns:p14="http://schemas.microsoft.com/office/powerpoint/2010/main" xmlns="" val="1652920772"/>
+        <p14:creationId xmlns:p14="http://schemas.microsoft.com/office/powerpoint/2010/main" val="1652920772"/>
       </p:ext>
     </p:extLst>
   </p:cSld>
@@ -5549,7 +5596,7 @@
           <a:blip r:embed="rId3" cstate="print">
             <a:extLst>
               <a:ext uri="{28A0092B-C50C-407E-A947-70E740481C1C}">
-                <a14:useLocalDpi xmlns:a14="http://schemas.microsoft.com/office/drawing/2010/main" xmlns="" val="0"/>
+                <a14:useLocalDpi xmlns:a14="http://schemas.microsoft.com/office/drawing/2010/main" val="0"/>
               </a:ext>
             </a:extLst>
           </a:blip>
@@ -5712,7 +5759,7 @@
     </p:spTree>
     <p:extLst>
       <p:ext uri="{BB962C8B-B14F-4D97-AF65-F5344CB8AC3E}">
-        <p14:creationId xmlns:p14="http://schemas.microsoft.com/office/powerpoint/2010/main" xmlns="" val="1875680063"/>
+        <p14:creationId xmlns:p14="http://schemas.microsoft.com/office/powerpoint/2010/main" val="1875680063"/>
       </p:ext>
     </p:extLst>
   </p:cSld>
@@ -5722,7 +5769,7 @@
   <p:timing>
     <p:tnLst>
       <p:par>
-        <p:cTn id="1" dur="indefinite" restart="never" nodeType="tmRoot"/>
+        <p:cTn xmlns:p14="http://schemas.microsoft.com/office/powerpoint/2010/main" id="1" dur="indefinite" restart="never" nodeType="tmRoot"/>
       </p:par>
     </p:tnLst>
   </p:timing>
@@ -5761,7 +5808,11 @@
           <a:bodyPr/>
           <a:lstStyle/>
           <a:p>
-            <a:endParaRPr lang="en-US"/>
+            <a:r>
+              <a:rPr lang="en-US" dirty="0" smtClean="0"/>
+              <a:t>So . . .</a:t>
+            </a:r>
+            <a:endParaRPr lang="en-US" dirty="0"/>
           </a:p>
         </p:txBody>
       </p:sp>
@@ -5782,14 +5833,68 @@
           <a:p>
             <a:r>
               <a:rPr lang="en-US" dirty="0" smtClean="0"/>
-              <a:t>Take a moment, think about your file naming for your articles that you save</a:t>
-            </a:r>
-          </a:p>
-          <a:p>
+              <a:t>Take a moment, think about your file naming for your articles that you </a:t>
+            </a:r>
             <a:r>
               <a:rPr lang="en-US" dirty="0" smtClean="0"/>
-              <a:t>Your file structure?</a:t>
-            </a:r>
+              <a:t>save</a:t>
+            </a:r>
+          </a:p>
+          <a:p>
+            <a:pPr lvl="1"/>
+            <a:r>
+              <a:rPr lang="en-US" dirty="0" smtClean="0"/>
+              <a:t>Are you consistent?</a:t>
+            </a:r>
+          </a:p>
+          <a:p>
+            <a:pPr lvl="1"/>
+            <a:r>
+              <a:rPr lang="en-US" dirty="0" smtClean="0"/>
+              <a:t>Is it easy to find what you want several months later?</a:t>
+            </a:r>
+          </a:p>
+          <a:p>
+            <a:pPr lvl="1"/>
+            <a:endParaRPr lang="en-US" dirty="0" smtClean="0"/>
+          </a:p>
+          <a:p>
+            <a:r>
+              <a:rPr lang="en-US" dirty="0" smtClean="0"/>
+              <a:t>Now think about your </a:t>
+            </a:r>
+            <a:r>
+              <a:rPr lang="en-US" dirty="0" smtClean="0"/>
+              <a:t>file </a:t>
+            </a:r>
+            <a:r>
+              <a:rPr lang="en-US" dirty="0" smtClean="0"/>
+              <a:t>structure for your downloaded articles</a:t>
+            </a:r>
+          </a:p>
+          <a:p>
+            <a:pPr lvl="1"/>
+            <a:r>
+              <a:rPr lang="en-US" dirty="0" smtClean="0"/>
+              <a:t>Where are the actual files on the computer?</a:t>
+            </a:r>
+          </a:p>
+          <a:p>
+            <a:pPr lvl="1"/>
+            <a:r>
+              <a:rPr lang="en-US" dirty="0" smtClean="0"/>
+              <a:t>How many folders are you using?</a:t>
+            </a:r>
+          </a:p>
+          <a:p>
+            <a:pPr lvl="1"/>
+            <a:r>
+              <a:rPr lang="en-US" dirty="0" smtClean="0"/>
+              <a:t>Are they logically organized?</a:t>
+            </a:r>
+          </a:p>
+          <a:p>
+            <a:pPr lvl="1"/>
             <a:endParaRPr lang="en-US" dirty="0"/>
           </a:p>
         </p:txBody>
@@ -5799,6 +5904,13 @@
   <p:clrMapOvr>
     <a:masterClrMapping/>
   </p:clrMapOvr>
+  <p:timing>
+    <p:tnLst>
+      <p:par>
+        <p:cTn xmlns:p14="http://schemas.microsoft.com/office/powerpoint/2010/main" id="1" dur="indefinite" restart="never" nodeType="tmRoot"/>
+      </p:par>
+    </p:tnLst>
+  </p:timing>
 </p:sld>
 </file>
 
@@ -5831,7 +5943,7 @@
           <a:blip r:embed="rId2" cstate="print">
             <a:extLst>
               <a:ext uri="{28A0092B-C50C-407E-A947-70E740481C1C}">
-                <a14:useLocalDpi xmlns:a14="http://schemas.microsoft.com/office/drawing/2010/main" xmlns="" val="0"/>
+                <a14:useLocalDpi xmlns:a14="http://schemas.microsoft.com/office/drawing/2010/main" val="0"/>
               </a:ext>
             </a:extLst>
           </a:blip>
@@ -5898,6 +6010,13 @@
   <p:clrMapOvr>
     <a:masterClrMapping/>
   </p:clrMapOvr>
+  <p:timing>
+    <p:tnLst>
+      <p:par>
+        <p:cTn xmlns:p14="http://schemas.microsoft.com/office/powerpoint/2010/main" id="1" dur="indefinite" restart="never" nodeType="tmRoot"/>
+      </p:par>
+    </p:tnLst>
+  </p:timing>
 </p:sld>
 </file>
 
@@ -5971,18 +6090,7 @@
                   </a:schemeClr>
                 </a:solidFill>
               </a:rPr>
-              <a:t>http</a:t>
-            </a:r>
-            <a:r>
-              <a:rPr lang="en-US" sz="1400" dirty="0" smtClean="0">
-                <a:solidFill>
-                  <a:schemeClr val="tx1">
-                    <a:lumMod val="65000"/>
-                    <a:lumOff val="35000"/>
-                  </a:schemeClr>
-                </a:solidFill>
-              </a:rPr>
-              <a:t>://phdcomics.com/comics.php?f=1531</a:t>
+              <a:t>http://phdcomics.com/comics.php?f=1531</a:t>
             </a:r>
             <a:endParaRPr lang="en-US" sz="1400" dirty="0">
               <a:solidFill>
@@ -6000,6 +6108,13 @@
   <p:clrMapOvr>
     <a:masterClrMapping/>
   </p:clrMapOvr>
+  <p:timing>
+    <p:tnLst>
+      <p:par>
+        <p:cTn xmlns:p14="http://schemas.microsoft.com/office/powerpoint/2010/main" id="1" dur="indefinite" restart="never" nodeType="tmRoot"/>
+      </p:par>
+    </p:tnLst>
+  </p:timing>
 </p:sld>
 </file>
 
@@ -6063,11 +6178,7 @@
             </a:pPr>
             <a:r>
               <a:rPr lang="en-US" dirty="0" smtClean="0"/>
-              <a:t>“A </a:t>
-            </a:r>
-            <a:r>
-              <a:rPr lang="en-US" dirty="0" smtClean="0"/>
-              <a:t>problem with a malfunctioning  computer and image storage and </a:t>
+              <a:t>“A problem with a malfunctioning  computer and image storage and </a:t>
             </a:r>
             <a:r>
               <a:rPr lang="en-US" dirty="0" smtClean="0">
@@ -6079,11 +6190,7 @@
             </a:r>
             <a:r>
               <a:rPr lang="en-US" dirty="0" smtClean="0"/>
-              <a:t> led to the assembling by one of the co-authors of images that were previously published by our research group. I didn’t detect the problem when the manuscript was sent for publication. Although the conclusions were not compromised in any of the two papers, we retract the papers precisely because some images were wrongly used</a:t>
-            </a:r>
-            <a:r>
-              <a:rPr lang="en-US" dirty="0" smtClean="0"/>
-              <a:t>.”</a:t>
+              <a:t> led to the assembling by one of the co-authors of images that were previously published by our research group. I didn’t detect the problem when the manuscript was sent for publication. Although the conclusions were not compromised in any of the two papers, we retract the papers precisely because some images were wrongly used.”</a:t>
             </a:r>
           </a:p>
           <a:p>
@@ -6098,23 +6205,13 @@
             </a:pPr>
             <a:r>
               <a:rPr lang="pt-BR" dirty="0" smtClean="0"/>
-              <a:t>Principal </a:t>
-            </a:r>
-            <a:r>
-              <a:rPr lang="pt-BR" dirty="0" smtClean="0"/>
-              <a:t>investigator </a:t>
+              <a:t>Principal investigator </a:t>
             </a:r>
             <a:r>
               <a:rPr lang="pt-BR" dirty="0" smtClean="0">
                 <a:hlinkClick r:id="rId2"/>
               </a:rPr>
-              <a:t>Jorge </a:t>
-            </a:r>
-            <a:r>
-              <a:rPr lang="pt-BR" dirty="0" smtClean="0">
-                <a:hlinkClick r:id="rId2"/>
-              </a:rPr>
-              <a:t>Leitão</a:t>
+              <a:t>Jorge Leitão</a:t>
             </a:r>
             <a:endParaRPr lang="en-US" dirty="0"/>
           </a:p>
@@ -6168,6 +6265,13 @@
   <p:clrMapOvr>
     <a:masterClrMapping/>
   </p:clrMapOvr>
+  <p:timing>
+    <p:tnLst>
+      <p:par>
+        <p:cTn xmlns:p14="http://schemas.microsoft.com/office/powerpoint/2010/main" id="1" dur="indefinite" restart="never" nodeType="tmRoot"/>
+      </p:par>
+    </p:tnLst>
+  </p:timing>
 </p:sld>
 </file>
 
@@ -6215,11 +6319,7 @@
             </a:pPr>
             <a:r>
               <a:rPr lang="en-US" dirty="0" smtClean="0"/>
-              <a:t>“I </a:t>
-            </a:r>
-            <a:r>
-              <a:rPr lang="en-US" dirty="0" smtClean="0"/>
-              <a:t>the 2011 paper (</a:t>
+              <a:t>“I the 2011 paper (</a:t>
             </a:r>
             <a:r>
               <a:rPr lang="en-US" dirty="0" smtClean="0">
@@ -6277,11 +6377,7 @@
             </a:r>
             <a:r>
               <a:rPr lang="en-US" dirty="0" smtClean="0"/>
-              <a:t>in the source files, and I did not realize that some images where duplicated in the experiment that was being represented, neither that parts of the image had already been published. I should stress that that the images were produced in our lab and represent our data</a:t>
-            </a:r>
-            <a:r>
-              <a:rPr lang="en-US" dirty="0" smtClean="0"/>
-              <a:t>.”</a:t>
+              <a:t>in the source files, and I did not realize that some images where duplicated in the experiment that was being represented, neither that parts of the image had already been published. I should stress that that the images were produced in our lab and represent our data.”</a:t>
             </a:r>
           </a:p>
           <a:p>
@@ -6299,23 +6395,13 @@
             </a:pPr>
             <a:r>
               <a:rPr lang="en-US" dirty="0" smtClean="0"/>
-              <a:t>				First </a:t>
-            </a:r>
-            <a:r>
-              <a:rPr lang="en-US" dirty="0" smtClean="0"/>
-              <a:t>author </a:t>
+              <a:t>				First author </a:t>
             </a:r>
             <a:r>
               <a:rPr lang="en-US" dirty="0" smtClean="0">
                 <a:hlinkClick r:id="rId3"/>
               </a:rPr>
-              <a:t>Christian </a:t>
-            </a:r>
-            <a:r>
-              <a:rPr lang="en-US" dirty="0" smtClean="0">
-                <a:hlinkClick r:id="rId3"/>
-              </a:rPr>
-              <a:t>Ramos</a:t>
+              <a:t>Christian Ramos</a:t>
             </a:r>
             <a:endParaRPr lang="en-US" dirty="0"/>
           </a:p>
@@ -6369,6 +6455,13 @@
   <p:clrMapOvr>
     <a:masterClrMapping/>
   </p:clrMapOvr>
+  <p:timing>
+    <p:tnLst>
+      <p:par>
+        <p:cTn xmlns:p14="http://schemas.microsoft.com/office/powerpoint/2010/main" id="1" dur="indefinite" restart="never" nodeType="tmRoot"/>
+      </p:par>
+    </p:tnLst>
+  </p:timing>
 </p:sld>
 </file>
 
@@ -6521,11 +6614,7 @@
           <a:p>
             <a:r>
               <a:rPr lang="en-US" sz="1600" dirty="0" smtClean="0"/>
-              <a:t>January 5 2015 Samples with the month </a:t>
-            </a:r>
-            <a:r>
-              <a:rPr lang="en-US" sz="1600" dirty="0" smtClean="0"/>
-              <a:t>first.xls</a:t>
+              <a:t>January 5 2015 Samples with the month first.xls</a:t>
             </a:r>
           </a:p>
           <a:p>
@@ -6537,15 +6626,7 @@
           <a:p>
             <a:r>
               <a:rPr lang="en-US" sz="1600" dirty="0" smtClean="0"/>
-              <a:t>special </a:t>
-            </a:r>
-            <a:r>
-              <a:rPr lang="en-US" sz="1600" dirty="0" smtClean="0"/>
-              <a:t>characters: &amp; , * % # ; * ( ) ! @$ ^ ~ ' { } [ ] ? &lt; &gt; - + </a:t>
-            </a:r>
-            <a:r>
-              <a:rPr lang="en-US" sz="1600" dirty="0" smtClean="0"/>
-              <a:t>/</a:t>
+              <a:t>special characters: &amp; , * % # ; * ( ) ! @$ ^ ~ ' { } [ ] ? &lt; &gt; - + /</a:t>
             </a:r>
           </a:p>
           <a:p>
@@ -6553,7 +6634,6 @@
               <a:rPr lang="en-US" sz="1600" dirty="0" smtClean="0"/>
               <a:t>No more than about 25 characters</a:t>
             </a:r>
-            <a:endParaRPr lang="en-US" sz="1600" dirty="0" smtClean="0"/>
           </a:p>
           <a:p>
             <a:endParaRPr lang="en-US" sz="1600" dirty="0" smtClean="0"/>
@@ -6610,7 +6690,7 @@
           <a:blip r:embed="rId3" cstate="print">
             <a:extLst>
               <a:ext uri="{28A0092B-C50C-407E-A947-70E740481C1C}">
-                <a14:useLocalDpi xmlns="" xmlns:a14="http://schemas.microsoft.com/office/drawing/2010/main" val="0"/>
+                <a14:useLocalDpi xmlns:a14="http://schemas.microsoft.com/office/drawing/2010/main" val="0"/>
               </a:ext>
             </a:extLst>
           </a:blip>
@@ -6774,11 +6854,7 @@
             </a:r>
             <a:r>
               <a:rPr lang="en-US" sz="1400" dirty="0" smtClean="0"/>
-              <a:t>extensions (check</a:t>
-            </a:r>
-            <a:r>
-              <a:rPr lang="en-US" sz="1400" dirty="0" smtClean="0"/>
-              <a:t>)</a:t>
+              <a:t>extensions (check)</a:t>
             </a:r>
             <a:endParaRPr lang="en-US" sz="1400" dirty="0"/>
           </a:p>
@@ -6818,11 +6894,7 @@
           <a:p>
             <a:r>
               <a:rPr lang="en-US" sz="1400" dirty="0" smtClean="0"/>
-              <a:t>explorer-</a:t>
-            </a:r>
-            <a:r>
-              <a:rPr lang="en-US" sz="1400" dirty="0" smtClean="0"/>
-              <a:t>&gt;organize-&gt;folder and search options: </a:t>
+              <a:t>explorer-&gt;organize-&gt;folder and search options: </a:t>
             </a:r>
           </a:p>
           <a:p>
@@ -6830,16 +6902,11 @@
               <a:rPr lang="en-US" sz="1400" dirty="0" smtClean="0"/>
               <a:t>                                   </a:t>
             </a:r>
-            <a:endParaRPr lang="en-US" sz="1400" dirty="0" smtClean="0"/>
           </a:p>
           <a:p>
             <a:r>
               <a:rPr lang="en-US" sz="1400" dirty="0" smtClean="0"/>
-              <a:t>View </a:t>
-            </a:r>
-            <a:r>
-              <a:rPr lang="en-US" sz="1400" dirty="0" smtClean="0"/>
-              <a:t>tab: Hide Extensions for known file types (uncheck)</a:t>
+              <a:t>View tab: Hide Extensions for known file types (uncheck)</a:t>
             </a:r>
             <a:endParaRPr lang="en-US" sz="1400" dirty="0"/>
           </a:p>
@@ -6848,7 +6915,7 @@
     </p:spTree>
     <p:extLst>
       <p:ext uri="{BB962C8B-B14F-4D97-AF65-F5344CB8AC3E}">
-        <p14:creationId xmlns="" xmlns:p14="http://schemas.microsoft.com/office/powerpoint/2010/main" val="3685091312"/>
+        <p14:creationId xmlns:p14="http://schemas.microsoft.com/office/powerpoint/2010/main" val="3685091312"/>
       </p:ext>
     </p:extLst>
   </p:cSld>
@@ -6858,7 +6925,7 @@
   <p:timing>
     <p:tnLst>
       <p:par>
-        <p:cTn id="1" dur="indefinite" restart="never" nodeType="tmRoot">
+        <p:cTn xmlns:p14="http://schemas.microsoft.com/office/powerpoint/2010/main" id="1" dur="indefinite" restart="never" nodeType="tmRoot">
           <p:childTnLst>
             <p:seq concurrent="1" nextAc="seek">
               <p:cTn id="2" dur="indefinite" nodeType="mainSeq">
@@ -7995,7 +8062,7 @@
           <a:blip r:embed="rId3" cstate="print">
             <a:extLst>
               <a:ext uri="{28A0092B-C50C-407E-A947-70E740481C1C}">
-                <a14:useLocalDpi xmlns="" xmlns:a14="http://schemas.microsoft.com/office/drawing/2010/main" val="0"/>
+                <a14:useLocalDpi xmlns:a14="http://schemas.microsoft.com/office/drawing/2010/main" val="0"/>
               </a:ext>
             </a:extLst>
           </a:blip>
@@ -8227,7 +8294,7 @@
     </p:spTree>
     <p:extLst>
       <p:ext uri="{BB962C8B-B14F-4D97-AF65-F5344CB8AC3E}">
-        <p14:creationId xmlns="" xmlns:p14="http://schemas.microsoft.com/office/powerpoint/2010/main" val="3685091312"/>
+        <p14:creationId xmlns:p14="http://schemas.microsoft.com/office/powerpoint/2010/main" val="3685091312"/>
       </p:ext>
     </p:extLst>
   </p:cSld>
@@ -8237,7 +8304,7 @@
   <p:timing>
     <p:tnLst>
       <p:par>
-        <p:cTn id="1" dur="indefinite" restart="never" nodeType="tmRoot">
+        <p:cTn xmlns:p14="http://schemas.microsoft.com/office/powerpoint/2010/main" id="1" dur="indefinite" restart="never" nodeType="tmRoot">
           <p:childTnLst>
             <p:seq concurrent="1" nextAc="seek">
               <p:cTn id="2" dur="indefinite" nodeType="mainSeq">
@@ -9187,6 +9254,13 @@
   <p:clrMapOvr>
     <a:masterClrMapping/>
   </p:clrMapOvr>
+  <p:timing>
+    <p:tnLst>
+      <p:par>
+        <p:cTn xmlns:p14="http://schemas.microsoft.com/office/powerpoint/2010/main" id="1" dur="indefinite" restart="never" nodeType="tmRoot"/>
+      </p:par>
+    </p:tnLst>
+  </p:timing>
 </p:sld>
 </file>
 
@@ -9305,6 +9379,13 @@
   <p:clrMapOvr>
     <a:masterClrMapping/>
   </p:clrMapOvr>
+  <p:timing>
+    <p:tnLst>
+      <p:par>
+        <p:cTn xmlns:p14="http://schemas.microsoft.com/office/powerpoint/2010/main" id="1" dur="indefinite" restart="never" nodeType="tmRoot"/>
+      </p:par>
+    </p:tnLst>
+  </p:timing>
 </p:sld>
 </file>
 
@@ -9358,7 +9439,7 @@
           <a:blip r:embed="rId2" cstate="print">
             <a:extLst>
               <a:ext uri="{28A0092B-C50C-407E-A947-70E740481C1C}">
-                <a14:useLocalDpi xmlns="" xmlns:a14="http://schemas.microsoft.com/office/drawing/2010/main" val="0"/>
+                <a14:useLocalDpi xmlns:a14="http://schemas.microsoft.com/office/drawing/2010/main" val="0"/>
               </a:ext>
             </a:extLst>
           </a:blip>
@@ -9376,7 +9457,7 @@
     </p:spTree>
     <p:extLst>
       <p:ext uri="{BB962C8B-B14F-4D97-AF65-F5344CB8AC3E}">
-        <p14:creationId xmlns="" xmlns:p14="http://schemas.microsoft.com/office/powerpoint/2010/main" val="103526934"/>
+        <p14:creationId xmlns:p14="http://schemas.microsoft.com/office/powerpoint/2010/main" val="103526934"/>
       </p:ext>
     </p:extLst>
   </p:cSld>
@@ -9386,7 +9467,7 @@
   <p:timing>
     <p:tnLst>
       <p:par>
-        <p:cTn id="1" dur="indefinite" restart="never" nodeType="tmRoot"/>
+        <p:cTn xmlns:p14="http://schemas.microsoft.com/office/powerpoint/2010/main" id="1" dur="indefinite" restart="never" nodeType="tmRoot"/>
       </p:par>
     </p:tnLst>
   </p:timing>
@@ -9445,7 +9526,7 @@
         </p:nvSpPr>
         <p:spPr>
           <a:xfrm>
-            <a:off x="4596384" y="2130425"/>
+            <a:off x="4399088" y="2130425"/>
             <a:ext cx="4011168" cy="4351338"/>
           </a:xfrm>
         </p:spPr>
@@ -9455,9 +9536,18 @@
           <a:p>
             <a:r>
               <a:rPr lang="en-US" dirty="0" smtClean="0"/>
-              <a:t>File System Organization</a:t>
-            </a:r>
-            <a:endParaRPr lang="en-US" dirty="0" smtClean="0"/>
+              <a:t>Quick Review</a:t>
+            </a:r>
+          </a:p>
+          <a:p>
+            <a:r>
+              <a:rPr lang="en-US" dirty="0" smtClean="0"/>
+              <a:t>File </a:t>
+            </a:r>
+            <a:r>
+              <a:rPr lang="en-US" dirty="0" smtClean="0"/>
+              <a:t>System Organization</a:t>
+            </a:r>
           </a:p>
           <a:p>
             <a:r>
@@ -9474,14 +9564,11 @@
           <a:p>
             <a:r>
               <a:rPr lang="en-US" dirty="0" smtClean="0"/>
-              <a:t>Documentation</a:t>
-            </a:r>
-            <a:endParaRPr lang="en-US" dirty="0" smtClean="0"/>
-          </a:p>
-          <a:p>
+              <a:t>Command </a:t>
+            </a:r>
             <a:r>
               <a:rPr lang="en-US" dirty="0" smtClean="0"/>
-              <a:t>Command Line </a:t>
+              <a:t>Line </a:t>
             </a:r>
             <a:endParaRPr lang="en-US" dirty="0"/>
           </a:p>
@@ -9490,7 +9577,7 @@
     </p:spTree>
     <p:extLst>
       <p:ext uri="{BB962C8B-B14F-4D97-AF65-F5344CB8AC3E}">
-        <p14:creationId xmlns:p14="http://schemas.microsoft.com/office/powerpoint/2010/main" xmlns="" val="4075626601"/>
+        <p14:creationId xmlns:p14="http://schemas.microsoft.com/office/powerpoint/2010/main" val="4075626601"/>
       </p:ext>
     </p:extLst>
   </p:cSld>
@@ -9500,7 +9587,7 @@
   <p:timing>
     <p:tnLst>
       <p:par>
-        <p:cTn id="1" dur="indefinite" restart="never" nodeType="tmRoot"/>
+        <p:cTn xmlns:p14="http://schemas.microsoft.com/office/powerpoint/2010/main" id="1" dur="indefinite" restart="never" nodeType="tmRoot"/>
       </p:par>
     </p:tnLst>
   </p:timing>
@@ -9557,7 +9644,7 @@
           <a:blip r:embed="rId2" cstate="print">
             <a:extLst>
               <a:ext uri="{28A0092B-C50C-407E-A947-70E740481C1C}">
-                <a14:useLocalDpi xmlns="" xmlns:a14="http://schemas.microsoft.com/office/drawing/2010/main" val="0"/>
+                <a14:useLocalDpi xmlns:a14="http://schemas.microsoft.com/office/drawing/2010/main" val="0"/>
               </a:ext>
             </a:extLst>
           </a:blip>
@@ -9575,7 +9662,7 @@
     </p:spTree>
     <p:extLst>
       <p:ext uri="{BB962C8B-B14F-4D97-AF65-F5344CB8AC3E}">
-        <p14:creationId xmlns="" xmlns:p14="http://schemas.microsoft.com/office/powerpoint/2010/main" val="2681831660"/>
+        <p14:creationId xmlns:p14="http://schemas.microsoft.com/office/powerpoint/2010/main" val="2681831660"/>
       </p:ext>
     </p:extLst>
   </p:cSld>
@@ -9585,7 +9672,7 @@
   <p:timing>
     <p:tnLst>
       <p:par>
-        <p:cTn id="1" dur="indefinite" restart="never" nodeType="tmRoot"/>
+        <p:cTn xmlns:p14="http://schemas.microsoft.com/office/powerpoint/2010/main" id="1" dur="indefinite" restart="never" nodeType="tmRoot"/>
       </p:par>
     </p:tnLst>
   </p:timing>
@@ -9642,7 +9729,7 @@
           <a:blip r:embed="rId2" cstate="print">
             <a:extLst>
               <a:ext uri="{28A0092B-C50C-407E-A947-70E740481C1C}">
-                <a14:useLocalDpi xmlns="" xmlns:a14="http://schemas.microsoft.com/office/drawing/2010/main" val="0"/>
+                <a14:useLocalDpi xmlns:a14="http://schemas.microsoft.com/office/drawing/2010/main" val="0"/>
               </a:ext>
             </a:extLst>
           </a:blip>
@@ -9660,7 +9747,7 @@
     </p:spTree>
     <p:extLst>
       <p:ext uri="{BB962C8B-B14F-4D97-AF65-F5344CB8AC3E}">
-        <p14:creationId xmlns="" xmlns:p14="http://schemas.microsoft.com/office/powerpoint/2010/main" val="3538705512"/>
+        <p14:creationId xmlns:p14="http://schemas.microsoft.com/office/powerpoint/2010/main" val="3538705512"/>
       </p:ext>
     </p:extLst>
   </p:cSld>
@@ -9670,7 +9757,7 @@
   <p:timing>
     <p:tnLst>
       <p:par>
-        <p:cTn id="1" dur="indefinite" restart="never" nodeType="tmRoot"/>
+        <p:cTn xmlns:p14="http://schemas.microsoft.com/office/powerpoint/2010/main" id="1" dur="indefinite" restart="never" nodeType="tmRoot"/>
       </p:par>
     </p:tnLst>
   </p:timing>
@@ -9727,7 +9814,7 @@
           <a:blip r:embed="rId2" cstate="print">
             <a:extLst>
               <a:ext uri="{28A0092B-C50C-407E-A947-70E740481C1C}">
-                <a14:useLocalDpi xmlns="" xmlns:a14="http://schemas.microsoft.com/office/drawing/2010/main" val="0"/>
+                <a14:useLocalDpi xmlns:a14="http://schemas.microsoft.com/office/drawing/2010/main" val="0"/>
               </a:ext>
             </a:extLst>
           </a:blip>
@@ -9745,7 +9832,7 @@
     </p:spTree>
     <p:extLst>
       <p:ext uri="{BB962C8B-B14F-4D97-AF65-F5344CB8AC3E}">
-        <p14:creationId xmlns="" xmlns:p14="http://schemas.microsoft.com/office/powerpoint/2010/main" val="2967652158"/>
+        <p14:creationId xmlns:p14="http://schemas.microsoft.com/office/powerpoint/2010/main" val="2967652158"/>
       </p:ext>
     </p:extLst>
   </p:cSld>
@@ -9755,7 +9842,7 @@
   <p:timing>
     <p:tnLst>
       <p:par>
-        <p:cTn id="1" dur="indefinite" restart="never" nodeType="tmRoot"/>
+        <p:cTn xmlns:p14="http://schemas.microsoft.com/office/powerpoint/2010/main" id="1" dur="indefinite" restart="never" nodeType="tmRoot"/>
       </p:par>
     </p:tnLst>
   </p:timing>
@@ -10089,9 +10176,6 @@
               <a:spcBef>
                 <a:spcPts val="600"/>
               </a:spcBef>
-              <a:spcAft>
-                <a:spcPts val="200"/>
-              </a:spcAft>
               <a:buNone/>
             </a:pPr>
             <a:r>
@@ -10108,9 +10192,6 @@
               <a:spcBef>
                 <a:spcPts val="600"/>
               </a:spcBef>
-              <a:spcAft>
-                <a:spcPts val="200"/>
-              </a:spcAft>
               <a:buNone/>
             </a:pPr>
             <a:r>
@@ -10127,9 +10208,6 @@
               <a:spcBef>
                 <a:spcPts val="600"/>
               </a:spcBef>
-              <a:spcAft>
-                <a:spcPts val="200"/>
-              </a:spcAft>
               <a:buNone/>
             </a:pPr>
             <a:r>
@@ -10146,9 +10224,6 @@
               <a:spcBef>
                 <a:spcPts val="600"/>
               </a:spcBef>
-              <a:spcAft>
-                <a:spcPts val="200"/>
-              </a:spcAft>
               <a:buNone/>
             </a:pPr>
             <a:r>
@@ -10198,15 +10273,7 @@
             </a:r>
             <a:r>
               <a:rPr lang="en-US" sz="1400" dirty="0" smtClean="0"/>
-              <a:t>, Amanda L. (2014). Research Data Management Curriculum, Lecture </a:t>
-            </a:r>
-            <a:r>
-              <a:rPr lang="en-US" sz="1400" dirty="0" smtClean="0"/>
-              <a:t>4: Data Organization </a:t>
-            </a:r>
-            <a:r>
-              <a:rPr lang="en-US" sz="1400" dirty="0" smtClean="0"/>
-              <a:t>Oregon State University Libraries. Retrieved 11/04/2015 from: </a:t>
+              <a:t>, Amanda L. (2014). Research Data Management Curriculum, Lecture 4: Data Organization Oregon State University Libraries. Retrieved 11/04/2015 from: </a:t>
             </a:r>
             <a:r>
               <a:rPr lang="en-US" sz="1400" u="sng" dirty="0" smtClean="0">
@@ -10221,7 +10288,7 @@
     </p:spTree>
     <p:extLst>
       <p:ext uri="{BB962C8B-B14F-4D97-AF65-F5344CB8AC3E}">
-        <p14:creationId xmlns:p14="http://schemas.microsoft.com/office/powerpoint/2010/main" xmlns="" val="971149483"/>
+        <p14:creationId xmlns:p14="http://schemas.microsoft.com/office/powerpoint/2010/main" val="971149483"/>
       </p:ext>
     </p:extLst>
   </p:cSld>
@@ -10231,7 +10298,7 @@
   <p:timing>
     <p:tnLst>
       <p:par>
-        <p:cTn id="1" dur="indefinite" restart="never" nodeType="tmRoot"/>
+        <p:cTn xmlns:p14="http://schemas.microsoft.com/office/powerpoint/2010/main" id="1" dur="indefinite" restart="never" nodeType="tmRoot"/>
       </p:par>
     </p:tnLst>
   </p:timing>
@@ -10264,7 +10331,7 @@
           <p:nvPr>
             <p:extLst>
               <p:ext uri="{D42A27DB-BD31-4B8C-83A1-F6EECF244321}">
-                <p14:modId xmlns:p14="http://schemas.microsoft.com/office/powerpoint/2010/main" xmlns="" val="3513484322"/>
+                <p14:modId xmlns:p14="http://schemas.microsoft.com/office/powerpoint/2010/main" val="3513484322"/>
               </p:ext>
             </p:extLst>
           </p:nvPr>
@@ -15525,7 +15592,7 @@
     </p:spTree>
     <p:extLst>
       <p:ext uri="{BB962C8B-B14F-4D97-AF65-F5344CB8AC3E}">
-        <p14:creationId xmlns:p14="http://schemas.microsoft.com/office/powerpoint/2010/main" xmlns="" val="686520366"/>
+        <p14:creationId xmlns:p14="http://schemas.microsoft.com/office/powerpoint/2010/main" val="686520366"/>
       </p:ext>
     </p:extLst>
   </p:cSld>
@@ -15535,7 +15602,7 @@
   <p:timing>
     <p:tnLst>
       <p:par>
-        <p:cTn id="1" dur="indefinite" restart="never" nodeType="tmRoot"/>
+        <p:cTn xmlns:p14="http://schemas.microsoft.com/office/powerpoint/2010/main" id="1" dur="indefinite" restart="never" nodeType="tmRoot"/>
       </p:par>
     </p:tnLst>
   </p:timing>
@@ -15568,7 +15635,7 @@
           <p:nvPr>
             <p:extLst>
               <p:ext uri="{D42A27DB-BD31-4B8C-83A1-F6EECF244321}">
-                <p14:modId xmlns:p14="http://schemas.microsoft.com/office/powerpoint/2010/main" xmlns="" val="336710148"/>
+                <p14:modId xmlns:p14="http://schemas.microsoft.com/office/powerpoint/2010/main" val="336710148"/>
               </p:ext>
             </p:extLst>
           </p:nvPr>
@@ -20814,7 +20881,7 @@
     </p:spTree>
     <p:extLst>
       <p:ext uri="{BB962C8B-B14F-4D97-AF65-F5344CB8AC3E}">
-        <p14:creationId xmlns:p14="http://schemas.microsoft.com/office/powerpoint/2010/main" xmlns="" val="3616459688"/>
+        <p14:creationId xmlns:p14="http://schemas.microsoft.com/office/powerpoint/2010/main" val="3616459688"/>
       </p:ext>
     </p:extLst>
   </p:cSld>
@@ -20824,7 +20891,7 @@
   <p:timing>
     <p:tnLst>
       <p:par>
-        <p:cTn id="1" dur="indefinite" restart="never" nodeType="tmRoot"/>
+        <p:cTn xmlns:p14="http://schemas.microsoft.com/office/powerpoint/2010/main" id="1" dur="indefinite" restart="never" nodeType="tmRoot"/>
       </p:par>
     </p:tnLst>
   </p:timing>
@@ -20857,7 +20924,7 @@
           <p:nvPr>
             <p:extLst>
               <p:ext uri="{D42A27DB-BD31-4B8C-83A1-F6EECF244321}">
-                <p14:modId xmlns:p14="http://schemas.microsoft.com/office/powerpoint/2010/main" xmlns="" val="1393859299"/>
+                <p14:modId xmlns:p14="http://schemas.microsoft.com/office/powerpoint/2010/main" val="1393859299"/>
               </p:ext>
             </p:extLst>
           </p:nvPr>
@@ -26103,7 +26170,7 @@
     </p:spTree>
     <p:extLst>
       <p:ext uri="{BB962C8B-B14F-4D97-AF65-F5344CB8AC3E}">
-        <p14:creationId xmlns:p14="http://schemas.microsoft.com/office/powerpoint/2010/main" xmlns="" val="2974007464"/>
+        <p14:creationId xmlns:p14="http://schemas.microsoft.com/office/powerpoint/2010/main" val="2974007464"/>
       </p:ext>
     </p:extLst>
   </p:cSld>
@@ -26113,7 +26180,7 @@
   <p:timing>
     <p:tnLst>
       <p:par>
-        <p:cTn id="1" dur="indefinite" restart="never" nodeType="tmRoot"/>
+        <p:cTn xmlns:p14="http://schemas.microsoft.com/office/powerpoint/2010/main" id="1" dur="indefinite" restart="never" nodeType="tmRoot"/>
       </p:par>
     </p:tnLst>
   </p:timing>
@@ -26146,7 +26213,7 @@
           <p:nvPr>
             <p:extLst>
               <p:ext uri="{D42A27DB-BD31-4B8C-83A1-F6EECF244321}">
-                <p14:modId xmlns:p14="http://schemas.microsoft.com/office/powerpoint/2010/main" xmlns="" val="4090914501"/>
+                <p14:modId xmlns:p14="http://schemas.microsoft.com/office/powerpoint/2010/main" val="4090914501"/>
               </p:ext>
             </p:extLst>
           </p:nvPr>
@@ -31437,7 +31504,7 @@
     </p:spTree>
     <p:extLst>
       <p:ext uri="{BB962C8B-B14F-4D97-AF65-F5344CB8AC3E}">
-        <p14:creationId xmlns:p14="http://schemas.microsoft.com/office/powerpoint/2010/main" xmlns="" val="151268023"/>
+        <p14:creationId xmlns:p14="http://schemas.microsoft.com/office/powerpoint/2010/main" val="151268023"/>
       </p:ext>
     </p:extLst>
   </p:cSld>
@@ -31447,7 +31514,7 @@
   <p:timing>
     <p:tnLst>
       <p:par>
-        <p:cTn id="1" dur="indefinite" restart="never" nodeType="tmRoot">
+        <p:cTn xmlns:p14="http://schemas.microsoft.com/office/powerpoint/2010/main" id="1" dur="indefinite" restart="never" nodeType="tmRoot">
           <p:childTnLst>
             <p:seq concurrent="1" nextAc="seek">
               <p:cTn id="2" dur="indefinite" nodeType="mainSeq">
@@ -31551,7 +31618,7 @@
           <p:nvPr>
             <p:extLst>
               <p:ext uri="{D42A27DB-BD31-4B8C-83A1-F6EECF244321}">
-                <p14:modId xmlns:p14="http://schemas.microsoft.com/office/powerpoint/2010/main" xmlns="" val="4156333109"/>
+                <p14:modId xmlns:p14="http://schemas.microsoft.com/office/powerpoint/2010/main" val="4156333109"/>
               </p:ext>
             </p:extLst>
           </p:nvPr>
@@ -31562,9 +31629,59 @@
         </p:xfrm>
         <a:graphic>
           <a:graphicData uri="http://schemas.openxmlformats.org/presentationml/2006/ole">
-            <p:oleObj spid="_x0000_s1026" name="Document" r:id="rId4" imgW="5638592" imgH="6464062" progId="Word.Document.12">
-              <p:embed/>
-            </p:oleObj>
+            <mc:AlternateContent xmlns:mc="http://schemas.openxmlformats.org/markup-compatibility/2006">
+              <mc:Choice xmlns:v="urn:schemas-microsoft-com:vml" Requires="v">
+                <p:oleObj spid="_x0000_s1029" name="Document" r:id="rId4" imgW="5638592" imgH="6464062" progId="Word.Document.12">
+                  <p:embed/>
+                </p:oleObj>
+              </mc:Choice>
+              <mc:Fallback>
+                <p:oleObj name="Document" r:id="rId4" imgW="5638592" imgH="6464062" progId="Word.Document.12">
+                  <p:embed/>
+                  <p:pic>
+                    <p:nvPicPr>
+                      <p:cNvPr id="0" name="Picture 2"/>
+                      <p:cNvPicPr>
+                        <a:picLocks noChangeAspect="1" noChangeArrowheads="1"/>
+                      </p:cNvPicPr>
+                      <p:nvPr/>
+                    </p:nvPicPr>
+                    <p:blipFill>
+                      <a:blip r:embed="rId5">
+                        <a:extLst>
+                          <a:ext uri="{28A0092B-C50C-407E-A947-70E740481C1C}">
+                            <a14:useLocalDpi xmlns:a14="http://schemas.microsoft.com/office/drawing/2010/main" val="0"/>
+                          </a:ext>
+                        </a:extLst>
+                      </a:blip>
+                      <a:srcRect/>
+                      <a:stretch>
+                        <a:fillRect/>
+                      </a:stretch>
+                    </p:blipFill>
+                    <p:spPr bwMode="auto">
+                      <a:xfrm>
+                        <a:off x="5015904" y="55950"/>
+                        <a:ext cx="7976299" cy="6858000"/>
+                      </a:xfrm>
+                      <a:prstGeom prst="rect">
+                        <a:avLst/>
+                      </a:prstGeom>
+                      <a:noFill/>
+                      <a:extLst>
+                        <a:ext uri="{909E8E84-426E-40dd-AFC4-6F175D3DCCD1}">
+                          <a14:hiddenFill xmlns:a14="http://schemas.microsoft.com/office/drawing/2010/main">
+                            <a:solidFill>
+                              <a:srgbClr val="FFFFFF"/>
+                            </a:solidFill>
+                          </a14:hiddenFill>
+                        </a:ext>
+                      </a:extLst>
+                    </p:spPr>
+                  </p:pic>
+                </p:oleObj>
+              </mc:Fallback>
+            </mc:AlternateContent>
           </a:graphicData>
         </a:graphic>
       </p:graphicFrame>
@@ -31750,7 +31867,7 @@
     </p:spTree>
     <p:extLst>
       <p:ext uri="{BB962C8B-B14F-4D97-AF65-F5344CB8AC3E}">
-        <p14:creationId xmlns:p14="http://schemas.microsoft.com/office/powerpoint/2010/main" xmlns="" val="50583360"/>
+        <p14:creationId xmlns:p14="http://schemas.microsoft.com/office/powerpoint/2010/main" val="50583360"/>
       </p:ext>
     </p:extLst>
   </p:cSld>
@@ -31760,7 +31877,7 @@
   <p:timing>
     <p:tnLst>
       <p:par>
-        <p:cTn id="1" dur="indefinite" restart="never" nodeType="tmRoot">
+        <p:cTn xmlns:p14="http://schemas.microsoft.com/office/powerpoint/2010/main" id="1" dur="indefinite" restart="never" nodeType="tmRoot">
           <p:childTnLst>
             <p:seq concurrent="1" nextAc="seek">
               <p:cTn id="2" dur="indefinite" nodeType="mainSeq">
@@ -32019,17 +32136,58 @@
           <a:p>
             <a:r>
               <a:rPr lang="en-US" dirty="0" smtClean="0"/>
-              <a:t>Turn on versioning or tracking in collaborative documents or storage utilities such as Wikis, </a:t>
-            </a:r>
+              <a:t>Turn on versioning or tracking in collaborative </a:t>
+            </a:r>
+            <a:r>
+              <a:rPr lang="en-US" dirty="0" smtClean="0"/>
+              <a:t>documents</a:t>
+            </a:r>
+          </a:p>
+          <a:p>
+            <a:pPr lvl="1"/>
+            <a:r>
+              <a:rPr lang="en-US" dirty="0" smtClean="0"/>
+              <a:t>Word documents, excel, </a:t>
+            </a:r>
+            <a:r>
+              <a:rPr lang="en-US" dirty="0" err="1" smtClean="0"/>
+              <a:t>etc</a:t>
+            </a:r>
+            <a:endParaRPr lang="en-US" dirty="0" smtClean="0"/>
+          </a:p>
+          <a:p>
+            <a:pPr lvl="1"/>
+            <a:r>
+              <a:rPr lang="en-US" dirty="0" smtClean="0"/>
+              <a:t>Learn by doing!</a:t>
+            </a:r>
+            <a:endParaRPr lang="en-US" dirty="0"/>
+          </a:p>
+          <a:p>
+            <a:r>
+              <a:rPr lang="en-US" dirty="0" smtClean="0"/>
+              <a:t>Turn on versioning for storage </a:t>
+            </a:r>
+            <a:r>
+              <a:rPr lang="en-US" dirty="0" smtClean="0"/>
+              <a:t>utilities </a:t>
+            </a:r>
+            <a:endParaRPr lang="en-US" dirty="0" smtClean="0"/>
+          </a:p>
+          <a:p>
+            <a:pPr lvl="1"/>
+            <a:r>
+              <a:rPr lang="en-US" dirty="0" smtClean="0"/>
+              <a:t>Wikis</a:t>
+            </a:r>
+          </a:p>
+          <a:p>
+            <a:pPr lvl="1"/>
             <a:r>
               <a:rPr lang="en-US" dirty="0" err="1" smtClean="0"/>
               <a:t>GoogleDocs</a:t>
             </a:r>
-            <a:r>
-              <a:rPr lang="en-US" dirty="0" smtClean="0"/>
-              <a:t> etc </a:t>
-            </a:r>
-            <a:endParaRPr lang="en-US" dirty="0" smtClean="0"/>
+            <a:endParaRPr lang="en-US" dirty="0"/>
           </a:p>
           <a:p>
             <a:r>
@@ -32038,7 +32196,19 @@
             </a:r>
             <a:r>
               <a:rPr lang="en-US" dirty="0" smtClean="0"/>
-              <a:t>using version control software e.g. Subversion, </a:t>
+              <a:t>using version control software </a:t>
+            </a:r>
+            <a:endParaRPr lang="en-US" dirty="0"/>
+          </a:p>
+          <a:p>
+            <a:pPr lvl="1"/>
+            <a:r>
+              <a:rPr lang="en-US" dirty="0" smtClean="0"/>
+              <a:t>S</a:t>
+            </a:r>
+            <a:r>
+              <a:rPr lang="en-US" dirty="0" smtClean="0"/>
+              <a:t>ubversion (apache foundation), </a:t>
             </a:r>
             <a:r>
               <a:rPr lang="en-US" dirty="0" err="1" smtClean="0"/>
@@ -32046,12 +32216,66 @@
             </a:r>
             <a:r>
               <a:rPr lang="en-US" dirty="0" smtClean="0"/>
-              <a:t>, </a:t>
+              <a:t> (</a:t>
+            </a:r>
+            <a:r>
+              <a:rPr lang="en-US" dirty="0" err="1" smtClean="0"/>
+              <a:t>commerical</a:t>
+            </a:r>
+            <a:r>
+              <a:rPr lang="en-US" dirty="0" smtClean="0"/>
+              <a:t> subversion), </a:t>
             </a:r>
             <a:r>
               <a:rPr lang="en-US" dirty="0" err="1" smtClean="0"/>
               <a:t>git</a:t>
             </a:r>
+            <a:r>
+              <a:rPr lang="en-US" dirty="0" smtClean="0"/>
+              <a:t> (</a:t>
+            </a:r>
+            <a:r>
+              <a:rPr lang="en-US" dirty="0" err="1" smtClean="0"/>
+              <a:t>linux</a:t>
+            </a:r>
+            <a:r>
+              <a:rPr lang="en-US" dirty="0" smtClean="0"/>
+              <a:t> foundation), </a:t>
+            </a:r>
+            <a:r>
+              <a:rPr lang="en-US" dirty="0" err="1" smtClean="0"/>
+              <a:t>bitbukkit</a:t>
+            </a:r>
+            <a:r>
+              <a:rPr lang="en-US" dirty="0" smtClean="0"/>
+              <a:t> (really commercial </a:t>
+            </a:r>
+            <a:r>
+              <a:rPr lang="en-US" dirty="0" err="1" smtClean="0"/>
+              <a:t>git</a:t>
+            </a:r>
+            <a:r>
+              <a:rPr lang="en-US" dirty="0" smtClean="0"/>
+              <a:t>)</a:t>
+            </a:r>
+          </a:p>
+          <a:p>
+            <a:pPr lvl="1"/>
+            <a:r>
+              <a:rPr lang="en-US" dirty="0" smtClean="0"/>
+              <a:t>Mostly designed for collaborative coding, but . . . </a:t>
+            </a:r>
+          </a:p>
+          <a:p>
+            <a:pPr lvl="1"/>
+            <a:r>
+              <a:rPr lang="en-US" dirty="0" smtClean="0"/>
+              <a:t>Check with your lab/colleagues as to their preference</a:t>
+            </a:r>
+            <a:endParaRPr lang="en-US" dirty="0" smtClean="0"/>
+          </a:p>
+          <a:p>
+            <a:pPr lvl="1"/>
             <a:endParaRPr lang="en-US" dirty="0"/>
           </a:p>
         </p:txBody>
@@ -32061,6 +32285,574 @@
   <p:clrMapOvr>
     <a:masterClrMapping/>
   </p:clrMapOvr>
+  <p:timing>
+    <p:tnLst>
+      <p:par>
+        <p:cTn xmlns:p14="http://schemas.microsoft.com/office/powerpoint/2010/main" id="1" dur="indefinite" restart="never" nodeType="tmRoot">
+          <p:childTnLst>
+            <p:seq concurrent="1" nextAc="seek">
+              <p:cTn id="2" dur="indefinite" nodeType="mainSeq">
+                <p:childTnLst>
+                  <p:par>
+                    <p:cTn id="3" fill="hold">
+                      <p:stCondLst>
+                        <p:cond delay="indefinite"/>
+                      </p:stCondLst>
+                      <p:childTnLst>
+                        <p:par>
+                          <p:cTn id="4" fill="hold">
+                            <p:stCondLst>
+                              <p:cond delay="0"/>
+                            </p:stCondLst>
+                            <p:childTnLst>
+                              <p:par>
+                                <p:cTn id="5" presetID="10" presetClass="entr" presetSubtype="0" fill="hold" nodeType="clickEffect">
+                                  <p:stCondLst>
+                                    <p:cond delay="0"/>
+                                  </p:stCondLst>
+                                  <p:childTnLst>
+                                    <p:set>
+                                      <p:cBhvr>
+                                        <p:cTn id="6" dur="1" fill="hold">
+                                          <p:stCondLst>
+                                            <p:cond delay="0"/>
+                                          </p:stCondLst>
+                                        </p:cTn>
+                                        <p:tgtEl>
+                                          <p:spTgt spid="3">
+                                            <p:txEl>
+                                              <p:pRg st="0" end="0"/>
+                                            </p:txEl>
+                                          </p:spTgt>
+                                        </p:tgtEl>
+                                        <p:attrNameLst>
+                                          <p:attrName>style.visibility</p:attrName>
+                                        </p:attrNameLst>
+                                      </p:cBhvr>
+                                      <p:to>
+                                        <p:strVal val="visible"/>
+                                      </p:to>
+                                    </p:set>
+                                    <p:animEffect transition="in" filter="fade">
+                                      <p:cBhvr>
+                                        <p:cTn id="7" dur="500"/>
+                                        <p:tgtEl>
+                                          <p:spTgt spid="3">
+                                            <p:txEl>
+                                              <p:pRg st="0" end="0"/>
+                                            </p:txEl>
+                                          </p:spTgt>
+                                        </p:tgtEl>
+                                      </p:cBhvr>
+                                    </p:animEffect>
+                                  </p:childTnLst>
+                                </p:cTn>
+                              </p:par>
+                            </p:childTnLst>
+                          </p:cTn>
+                        </p:par>
+                      </p:childTnLst>
+                    </p:cTn>
+                  </p:par>
+                  <p:par>
+                    <p:cTn id="8" fill="hold">
+                      <p:stCondLst>
+                        <p:cond delay="indefinite"/>
+                      </p:stCondLst>
+                      <p:childTnLst>
+                        <p:par>
+                          <p:cTn id="9" fill="hold">
+                            <p:stCondLst>
+                              <p:cond delay="0"/>
+                            </p:stCondLst>
+                            <p:childTnLst>
+                              <p:par>
+                                <p:cTn id="10" presetID="10" presetClass="entr" presetSubtype="0" fill="hold" nodeType="clickEffect">
+                                  <p:stCondLst>
+                                    <p:cond delay="0"/>
+                                  </p:stCondLst>
+                                  <p:childTnLst>
+                                    <p:set>
+                                      <p:cBhvr>
+                                        <p:cTn id="11" dur="1" fill="hold">
+                                          <p:stCondLst>
+                                            <p:cond delay="0"/>
+                                          </p:stCondLst>
+                                        </p:cTn>
+                                        <p:tgtEl>
+                                          <p:spTgt spid="3">
+                                            <p:txEl>
+                                              <p:pRg st="1" end="1"/>
+                                            </p:txEl>
+                                          </p:spTgt>
+                                        </p:tgtEl>
+                                        <p:attrNameLst>
+                                          <p:attrName>style.visibility</p:attrName>
+                                        </p:attrNameLst>
+                                      </p:cBhvr>
+                                      <p:to>
+                                        <p:strVal val="visible"/>
+                                      </p:to>
+                                    </p:set>
+                                    <p:animEffect transition="in" filter="fade">
+                                      <p:cBhvr>
+                                        <p:cTn id="12" dur="500"/>
+                                        <p:tgtEl>
+                                          <p:spTgt spid="3">
+                                            <p:txEl>
+                                              <p:pRg st="1" end="1"/>
+                                            </p:txEl>
+                                          </p:spTgt>
+                                        </p:tgtEl>
+                                      </p:cBhvr>
+                                    </p:animEffect>
+                                  </p:childTnLst>
+                                </p:cTn>
+                              </p:par>
+                              <p:par>
+                                <p:cTn id="13" presetID="10" presetClass="entr" presetSubtype="0" fill="hold" nodeType="withEffect">
+                                  <p:stCondLst>
+                                    <p:cond delay="0"/>
+                                  </p:stCondLst>
+                                  <p:childTnLst>
+                                    <p:set>
+                                      <p:cBhvr>
+                                        <p:cTn id="14" dur="1" fill="hold">
+                                          <p:stCondLst>
+                                            <p:cond delay="0"/>
+                                          </p:stCondLst>
+                                        </p:cTn>
+                                        <p:tgtEl>
+                                          <p:spTgt spid="3">
+                                            <p:txEl>
+                                              <p:pRg st="2" end="2"/>
+                                            </p:txEl>
+                                          </p:spTgt>
+                                        </p:tgtEl>
+                                        <p:attrNameLst>
+                                          <p:attrName>style.visibility</p:attrName>
+                                        </p:attrNameLst>
+                                      </p:cBhvr>
+                                      <p:to>
+                                        <p:strVal val="visible"/>
+                                      </p:to>
+                                    </p:set>
+                                    <p:animEffect transition="in" filter="fade">
+                                      <p:cBhvr>
+                                        <p:cTn id="15" dur="500"/>
+                                        <p:tgtEl>
+                                          <p:spTgt spid="3">
+                                            <p:txEl>
+                                              <p:pRg st="2" end="2"/>
+                                            </p:txEl>
+                                          </p:spTgt>
+                                        </p:tgtEl>
+                                      </p:cBhvr>
+                                    </p:animEffect>
+                                  </p:childTnLst>
+                                </p:cTn>
+                              </p:par>
+                            </p:childTnLst>
+                          </p:cTn>
+                        </p:par>
+                      </p:childTnLst>
+                    </p:cTn>
+                  </p:par>
+                  <p:par>
+                    <p:cTn id="16" fill="hold">
+                      <p:stCondLst>
+                        <p:cond delay="indefinite"/>
+                      </p:stCondLst>
+                      <p:childTnLst>
+                        <p:par>
+                          <p:cTn id="17" fill="hold">
+                            <p:stCondLst>
+                              <p:cond delay="0"/>
+                            </p:stCondLst>
+                            <p:childTnLst>
+                              <p:par>
+                                <p:cTn id="18" presetID="10" presetClass="entr" presetSubtype="0" fill="hold" nodeType="clickEffect">
+                                  <p:stCondLst>
+                                    <p:cond delay="0"/>
+                                  </p:stCondLst>
+                                  <p:childTnLst>
+                                    <p:set>
+                                      <p:cBhvr>
+                                        <p:cTn id="19" dur="1" fill="hold">
+                                          <p:stCondLst>
+                                            <p:cond delay="0"/>
+                                          </p:stCondLst>
+                                        </p:cTn>
+                                        <p:tgtEl>
+                                          <p:spTgt spid="3">
+                                            <p:txEl>
+                                              <p:pRg st="3" end="3"/>
+                                            </p:txEl>
+                                          </p:spTgt>
+                                        </p:tgtEl>
+                                        <p:attrNameLst>
+                                          <p:attrName>style.visibility</p:attrName>
+                                        </p:attrNameLst>
+                                      </p:cBhvr>
+                                      <p:to>
+                                        <p:strVal val="visible"/>
+                                      </p:to>
+                                    </p:set>
+                                    <p:animEffect transition="in" filter="fade">
+                                      <p:cBhvr>
+                                        <p:cTn id="20" dur="500"/>
+                                        <p:tgtEl>
+                                          <p:spTgt spid="3">
+                                            <p:txEl>
+                                              <p:pRg st="3" end="3"/>
+                                            </p:txEl>
+                                          </p:spTgt>
+                                        </p:tgtEl>
+                                      </p:cBhvr>
+                                    </p:animEffect>
+                                  </p:childTnLst>
+                                </p:cTn>
+                              </p:par>
+                            </p:childTnLst>
+                          </p:cTn>
+                        </p:par>
+                      </p:childTnLst>
+                    </p:cTn>
+                  </p:par>
+                  <p:par>
+                    <p:cTn id="21" fill="hold">
+                      <p:stCondLst>
+                        <p:cond delay="indefinite"/>
+                      </p:stCondLst>
+                      <p:childTnLst>
+                        <p:par>
+                          <p:cTn id="22" fill="hold">
+                            <p:stCondLst>
+                              <p:cond delay="0"/>
+                            </p:stCondLst>
+                            <p:childTnLst>
+                              <p:par>
+                                <p:cTn id="23" presetID="10" presetClass="entr" presetSubtype="0" fill="hold" nodeType="clickEffect">
+                                  <p:stCondLst>
+                                    <p:cond delay="0"/>
+                                  </p:stCondLst>
+                                  <p:childTnLst>
+                                    <p:set>
+                                      <p:cBhvr>
+                                        <p:cTn id="24" dur="1" fill="hold">
+                                          <p:stCondLst>
+                                            <p:cond delay="0"/>
+                                          </p:stCondLst>
+                                        </p:cTn>
+                                        <p:tgtEl>
+                                          <p:spTgt spid="3">
+                                            <p:txEl>
+                                              <p:pRg st="4" end="4"/>
+                                            </p:txEl>
+                                          </p:spTgt>
+                                        </p:tgtEl>
+                                        <p:attrNameLst>
+                                          <p:attrName>style.visibility</p:attrName>
+                                        </p:attrNameLst>
+                                      </p:cBhvr>
+                                      <p:to>
+                                        <p:strVal val="visible"/>
+                                      </p:to>
+                                    </p:set>
+                                    <p:animEffect transition="in" filter="fade">
+                                      <p:cBhvr>
+                                        <p:cTn id="25" dur="500"/>
+                                        <p:tgtEl>
+                                          <p:spTgt spid="3">
+                                            <p:txEl>
+                                              <p:pRg st="4" end="4"/>
+                                            </p:txEl>
+                                          </p:spTgt>
+                                        </p:tgtEl>
+                                      </p:cBhvr>
+                                    </p:animEffect>
+                                  </p:childTnLst>
+                                </p:cTn>
+                              </p:par>
+                              <p:par>
+                                <p:cTn id="26" presetID="10" presetClass="entr" presetSubtype="0" fill="hold" nodeType="withEffect">
+                                  <p:stCondLst>
+                                    <p:cond delay="0"/>
+                                  </p:stCondLst>
+                                  <p:childTnLst>
+                                    <p:set>
+                                      <p:cBhvr>
+                                        <p:cTn id="27" dur="1" fill="hold">
+                                          <p:stCondLst>
+                                            <p:cond delay="0"/>
+                                          </p:stCondLst>
+                                        </p:cTn>
+                                        <p:tgtEl>
+                                          <p:spTgt spid="3">
+                                            <p:txEl>
+                                              <p:pRg st="5" end="5"/>
+                                            </p:txEl>
+                                          </p:spTgt>
+                                        </p:tgtEl>
+                                        <p:attrNameLst>
+                                          <p:attrName>style.visibility</p:attrName>
+                                        </p:attrNameLst>
+                                      </p:cBhvr>
+                                      <p:to>
+                                        <p:strVal val="visible"/>
+                                      </p:to>
+                                    </p:set>
+                                    <p:animEffect transition="in" filter="fade">
+                                      <p:cBhvr>
+                                        <p:cTn id="28" dur="500"/>
+                                        <p:tgtEl>
+                                          <p:spTgt spid="3">
+                                            <p:txEl>
+                                              <p:pRg st="5" end="5"/>
+                                            </p:txEl>
+                                          </p:spTgt>
+                                        </p:tgtEl>
+                                      </p:cBhvr>
+                                    </p:animEffect>
+                                  </p:childTnLst>
+                                </p:cTn>
+                              </p:par>
+                            </p:childTnLst>
+                          </p:cTn>
+                        </p:par>
+                      </p:childTnLst>
+                    </p:cTn>
+                  </p:par>
+                  <p:par>
+                    <p:cTn id="29" fill="hold">
+                      <p:stCondLst>
+                        <p:cond delay="indefinite"/>
+                      </p:stCondLst>
+                      <p:childTnLst>
+                        <p:par>
+                          <p:cTn id="30" fill="hold">
+                            <p:stCondLst>
+                              <p:cond delay="0"/>
+                            </p:stCondLst>
+                            <p:childTnLst>
+                              <p:par>
+                                <p:cTn id="31" presetID="10" presetClass="entr" presetSubtype="0" fill="hold" nodeType="clickEffect">
+                                  <p:stCondLst>
+                                    <p:cond delay="0"/>
+                                  </p:stCondLst>
+                                  <p:childTnLst>
+                                    <p:set>
+                                      <p:cBhvr>
+                                        <p:cTn id="32" dur="1" fill="hold">
+                                          <p:stCondLst>
+                                            <p:cond delay="0"/>
+                                          </p:stCondLst>
+                                        </p:cTn>
+                                        <p:tgtEl>
+                                          <p:spTgt spid="3">
+                                            <p:txEl>
+                                              <p:pRg st="6" end="6"/>
+                                            </p:txEl>
+                                          </p:spTgt>
+                                        </p:tgtEl>
+                                        <p:attrNameLst>
+                                          <p:attrName>style.visibility</p:attrName>
+                                        </p:attrNameLst>
+                                      </p:cBhvr>
+                                      <p:to>
+                                        <p:strVal val="visible"/>
+                                      </p:to>
+                                    </p:set>
+                                    <p:animEffect transition="in" filter="fade">
+                                      <p:cBhvr>
+                                        <p:cTn id="33" dur="500"/>
+                                        <p:tgtEl>
+                                          <p:spTgt spid="3">
+                                            <p:txEl>
+                                              <p:pRg st="6" end="6"/>
+                                            </p:txEl>
+                                          </p:spTgt>
+                                        </p:tgtEl>
+                                      </p:cBhvr>
+                                    </p:animEffect>
+                                  </p:childTnLst>
+                                </p:cTn>
+                              </p:par>
+                            </p:childTnLst>
+                          </p:cTn>
+                        </p:par>
+                      </p:childTnLst>
+                    </p:cTn>
+                  </p:par>
+                  <p:par>
+                    <p:cTn id="34" fill="hold">
+                      <p:stCondLst>
+                        <p:cond delay="indefinite"/>
+                      </p:stCondLst>
+                      <p:childTnLst>
+                        <p:par>
+                          <p:cTn id="35" fill="hold">
+                            <p:stCondLst>
+                              <p:cond delay="0"/>
+                            </p:stCondLst>
+                            <p:childTnLst>
+                              <p:par>
+                                <p:cTn id="36" presetID="10" presetClass="entr" presetSubtype="0" fill="hold" nodeType="clickEffect">
+                                  <p:stCondLst>
+                                    <p:cond delay="0"/>
+                                  </p:stCondLst>
+                                  <p:childTnLst>
+                                    <p:set>
+                                      <p:cBhvr>
+                                        <p:cTn id="37" dur="1" fill="hold">
+                                          <p:stCondLst>
+                                            <p:cond delay="0"/>
+                                          </p:stCondLst>
+                                        </p:cTn>
+                                        <p:tgtEl>
+                                          <p:spTgt spid="3">
+                                            <p:txEl>
+                                              <p:pRg st="7" end="7"/>
+                                            </p:txEl>
+                                          </p:spTgt>
+                                        </p:tgtEl>
+                                        <p:attrNameLst>
+                                          <p:attrName>style.visibility</p:attrName>
+                                        </p:attrNameLst>
+                                      </p:cBhvr>
+                                      <p:to>
+                                        <p:strVal val="visible"/>
+                                      </p:to>
+                                    </p:set>
+                                    <p:animEffect transition="in" filter="fade">
+                                      <p:cBhvr>
+                                        <p:cTn id="38" dur="500"/>
+                                        <p:tgtEl>
+                                          <p:spTgt spid="3">
+                                            <p:txEl>
+                                              <p:pRg st="7" end="7"/>
+                                            </p:txEl>
+                                          </p:spTgt>
+                                        </p:tgtEl>
+                                      </p:cBhvr>
+                                    </p:animEffect>
+                                  </p:childTnLst>
+                                </p:cTn>
+                              </p:par>
+                              <p:par>
+                                <p:cTn id="39" presetID="10" presetClass="entr" presetSubtype="0" fill="hold" nodeType="withEffect">
+                                  <p:stCondLst>
+                                    <p:cond delay="0"/>
+                                  </p:stCondLst>
+                                  <p:childTnLst>
+                                    <p:set>
+                                      <p:cBhvr>
+                                        <p:cTn id="40" dur="1" fill="hold">
+                                          <p:stCondLst>
+                                            <p:cond delay="0"/>
+                                          </p:stCondLst>
+                                        </p:cTn>
+                                        <p:tgtEl>
+                                          <p:spTgt spid="3">
+                                            <p:txEl>
+                                              <p:pRg st="8" end="8"/>
+                                            </p:txEl>
+                                          </p:spTgt>
+                                        </p:tgtEl>
+                                        <p:attrNameLst>
+                                          <p:attrName>style.visibility</p:attrName>
+                                        </p:attrNameLst>
+                                      </p:cBhvr>
+                                      <p:to>
+                                        <p:strVal val="visible"/>
+                                      </p:to>
+                                    </p:set>
+                                    <p:animEffect transition="in" filter="fade">
+                                      <p:cBhvr>
+                                        <p:cTn id="41" dur="500"/>
+                                        <p:tgtEl>
+                                          <p:spTgt spid="3">
+                                            <p:txEl>
+                                              <p:pRg st="8" end="8"/>
+                                            </p:txEl>
+                                          </p:spTgt>
+                                        </p:tgtEl>
+                                      </p:cBhvr>
+                                    </p:animEffect>
+                                  </p:childTnLst>
+                                </p:cTn>
+                              </p:par>
+                              <p:par>
+                                <p:cTn id="42" presetID="10" presetClass="entr" presetSubtype="0" fill="hold" nodeType="withEffect">
+                                  <p:stCondLst>
+                                    <p:cond delay="0"/>
+                                  </p:stCondLst>
+                                  <p:childTnLst>
+                                    <p:set>
+                                      <p:cBhvr>
+                                        <p:cTn id="43" dur="1" fill="hold">
+                                          <p:stCondLst>
+                                            <p:cond delay="0"/>
+                                          </p:stCondLst>
+                                        </p:cTn>
+                                        <p:tgtEl>
+                                          <p:spTgt spid="3">
+                                            <p:txEl>
+                                              <p:pRg st="9" end="9"/>
+                                            </p:txEl>
+                                          </p:spTgt>
+                                        </p:tgtEl>
+                                        <p:attrNameLst>
+                                          <p:attrName>style.visibility</p:attrName>
+                                        </p:attrNameLst>
+                                      </p:cBhvr>
+                                      <p:to>
+                                        <p:strVal val="visible"/>
+                                      </p:to>
+                                    </p:set>
+                                    <p:animEffect transition="in" filter="fade">
+                                      <p:cBhvr>
+                                        <p:cTn id="44" dur="500"/>
+                                        <p:tgtEl>
+                                          <p:spTgt spid="3">
+                                            <p:txEl>
+                                              <p:pRg st="9" end="9"/>
+                                            </p:txEl>
+                                          </p:spTgt>
+                                        </p:tgtEl>
+                                      </p:cBhvr>
+                                    </p:animEffect>
+                                  </p:childTnLst>
+                                </p:cTn>
+                              </p:par>
+                            </p:childTnLst>
+                          </p:cTn>
+                        </p:par>
+                      </p:childTnLst>
+                    </p:cTn>
+                  </p:par>
+                </p:childTnLst>
+              </p:cTn>
+              <p:prevCondLst>
+                <p:cond evt="onPrev" delay="0">
+                  <p:tgtEl>
+                    <p:sldTgt/>
+                  </p:tgtEl>
+                </p:cond>
+              </p:prevCondLst>
+              <p:nextCondLst>
+                <p:cond evt="onNext" delay="0">
+                  <p:tgtEl>
+                    <p:sldTgt/>
+                  </p:tgtEl>
+                </p:cond>
+              </p:nextCondLst>
+            </p:seq>
+          </p:childTnLst>
+        </p:cTn>
+      </p:par>
+    </p:tnLst>
+  </p:timing>
 </p:sld>
 </file>
 
@@ -32757,7 +33549,11 @@
               <a:t>Music:	</a:t>
             </a:r>
             <a:r>
-              <a:rPr lang="en-US" sz="2000" u="sng" dirty="0">
+              <a:rPr lang="en-US" sz="2000" dirty="0" smtClean="0"/>
+              <a:t>	</a:t>
+            </a:r>
+            <a:r>
+              <a:rPr lang="en-US" sz="2000" u="sng" dirty="0" smtClean="0">
                 <a:solidFill>
                   <a:schemeClr val="accent6">
                     <a:lumMod val="75000"/>
@@ -32945,7 +33741,7 @@
     </p:spTree>
     <p:extLst>
       <p:ext uri="{BB962C8B-B14F-4D97-AF65-F5344CB8AC3E}">
-        <p14:creationId xmlns:p14="http://schemas.microsoft.com/office/powerpoint/2010/main" xmlns="" val="2792138171"/>
+        <p14:creationId xmlns:p14="http://schemas.microsoft.com/office/powerpoint/2010/main" val="2792138171"/>
       </p:ext>
     </p:extLst>
   </p:cSld>
@@ -32955,7 +33751,7 @@
   <p:timing>
     <p:tnLst>
       <p:par>
-        <p:cTn id="1" dur="indefinite" restart="never" nodeType="tmRoot"/>
+        <p:cTn xmlns:p14="http://schemas.microsoft.com/office/powerpoint/2010/main" id="1" dur="indefinite" restart="never" nodeType="tmRoot"/>
       </p:par>
     </p:tnLst>
   </p:timing>
@@ -33014,7 +33810,7 @@
         </p:nvSpPr>
         <p:spPr>
           <a:xfrm>
-            <a:off x="4450080" y="1825625"/>
+            <a:off x="3599260" y="1825625"/>
             <a:ext cx="6903720" cy="4351338"/>
           </a:xfrm>
         </p:spPr>
@@ -33036,8 +33832,13 @@
           <a:p>
             <a:r>
               <a:rPr lang="en-US" dirty="0" smtClean="0"/>
-              <a:t>Moving files across languages</a:t>
-            </a:r>
+              <a:t>Moving files across </a:t>
+            </a:r>
+            <a:r>
+              <a:rPr lang="en-US" dirty="0" smtClean="0"/>
+              <a:t>languages (human)</a:t>
+            </a:r>
+            <a:endParaRPr lang="en-US" dirty="0" smtClean="0"/>
           </a:p>
           <a:p>
             <a:endParaRPr lang="en-US" dirty="0"/>
@@ -33049,318 +33850,223 @@
   <p:clrMapOvr>
     <a:masterClrMapping/>
   </p:clrMapOvr>
-</p:sld>
-</file>
-
-<file path=ppt/slides/slide31.xml><?xml version="1.0" encoding="utf-8"?>
-<p:sld xmlns:a="http://schemas.openxmlformats.org/drawingml/2006/main" xmlns:r="http://schemas.openxmlformats.org/officeDocument/2006/relationships" xmlns:p="http://schemas.openxmlformats.org/presentationml/2006/main">
-  <p:cSld>
-    <p:spTree>
-      <p:nvGrpSpPr>
-        <p:cNvPr id="1" name=""/>
-        <p:cNvGrpSpPr/>
-        <p:nvPr/>
-      </p:nvGrpSpPr>
-      <p:grpSpPr>
-        <a:xfrm>
-          <a:off x="0" y="0"/>
-          <a:ext cx="0" cy="0"/>
-          <a:chOff x="0" y="0"/>
-          <a:chExt cx="0" cy="0"/>
-        </a:xfrm>
-      </p:grpSpPr>
-      <p:sp>
-        <p:nvSpPr>
-          <p:cNvPr id="2" name="Title 1"/>
-          <p:cNvSpPr>
-            <a:spLocks noGrp="1"/>
-          </p:cNvSpPr>
-          <p:nvPr>
-            <p:ph type="title"/>
-          </p:nvPr>
-        </p:nvSpPr>
-        <p:spPr>
-          <a:xfrm>
-            <a:off x="838200" y="362005"/>
-            <a:ext cx="10515600" cy="1325563"/>
-          </a:xfrm>
-        </p:spPr>
-        <p:txBody>
-          <a:bodyPr/>
-          <a:lstStyle/>
-          <a:p>
-            <a:r>
-              <a:rPr lang="en-US" dirty="0" smtClean="0"/>
-              <a:t>Tools for File Management (mac)</a:t>
-            </a:r>
-            <a:endParaRPr lang="en-US" dirty="0"/>
-          </a:p>
-        </p:txBody>
-      </p:sp>
-      <p:sp>
-        <p:nvSpPr>
-          <p:cNvPr id="3" name="Content Placeholder 2"/>
-          <p:cNvSpPr>
-            <a:spLocks noGrp="1"/>
-          </p:cNvSpPr>
-          <p:nvPr>
-            <p:ph sz="half" idx="1"/>
-          </p:nvPr>
-        </p:nvSpPr>
-        <p:spPr>
-          <a:xfrm>
-            <a:off x="838200" y="1107918"/>
-            <a:ext cx="10515600" cy="5034987"/>
-          </a:xfrm>
-        </p:spPr>
-        <p:txBody>
-          <a:bodyPr>
-            <a:normAutofit fontScale="92500" lnSpcReduction="20000"/>
-          </a:bodyPr>
-          <a:lstStyle/>
-          <a:p>
-            <a:pPr marL="0" indent="0">
-              <a:spcBef>
-                <a:spcPts val="0"/>
-              </a:spcBef>
-              <a:buNone/>
-            </a:pPr>
-            <a:endParaRPr lang="en-US" sz="700" dirty="0" smtClean="0"/>
-          </a:p>
-          <a:p>
-            <a:pPr>
-              <a:spcBef>
-                <a:spcPts val="1800"/>
-              </a:spcBef>
-            </a:pPr>
-            <a:r>
-              <a:rPr lang="en-US" sz="2000" dirty="0" smtClean="0"/>
-              <a:t>Name </a:t>
-            </a:r>
-            <a:r>
-              <a:rPr lang="en-US" sz="2000" dirty="0" err="1" smtClean="0"/>
-              <a:t>Mangler</a:t>
-            </a:r>
-            <a:endParaRPr lang="en-US" sz="2000" dirty="0" smtClean="0"/>
-          </a:p>
-          <a:p>
-            <a:pPr lvl="1"/>
-            <a:r>
-              <a:rPr lang="en-US" sz="1800" dirty="0" smtClean="0"/>
-              <a:t>Rename many files all at once (for photos and other large sets of files) [this can also be done on the command line]</a:t>
-            </a:r>
-          </a:p>
-          <a:p>
-            <a:pPr lvl="1"/>
-            <a:r>
-              <a:rPr lang="en-US" sz="1800" dirty="0">
-                <a:hlinkClick r:id="rId3"/>
-              </a:rPr>
-              <a:t>http://manytricks.com/namemangler</a:t>
-            </a:r>
-            <a:r>
-              <a:rPr lang="en-US" sz="1800" dirty="0" smtClean="0">
-                <a:hlinkClick r:id="rId3"/>
-              </a:rPr>
-              <a:t>/</a:t>
-            </a:r>
-            <a:endParaRPr lang="en-US" sz="1800" dirty="0" smtClean="0"/>
-          </a:p>
-          <a:p>
-            <a:r>
-              <a:rPr lang="en-US" sz="2000" dirty="0" smtClean="0"/>
-              <a:t>Neo-finder</a:t>
-            </a:r>
-          </a:p>
-          <a:p>
-            <a:pPr lvl="1"/>
-            <a:r>
-              <a:rPr lang="en-US" sz="1800" dirty="0" smtClean="0"/>
-              <a:t>Index external hard drives for search without plugging the drive in</a:t>
-            </a:r>
-          </a:p>
-          <a:p>
-            <a:pPr lvl="1"/>
-            <a:r>
-              <a:rPr lang="en-US" sz="1800" dirty="0">
-                <a:hlinkClick r:id="rId4"/>
-              </a:rPr>
-              <a:t>http://www.cdfinder.de</a:t>
-            </a:r>
-            <a:r>
-              <a:rPr lang="en-US" sz="1800" dirty="0" smtClean="0">
-                <a:hlinkClick r:id="rId4"/>
-              </a:rPr>
-              <a:t>/</a:t>
-            </a:r>
-            <a:endParaRPr lang="en-US" sz="1800" dirty="0" smtClean="0"/>
-          </a:p>
-          <a:p>
-            <a:pPr lvl="1"/>
-            <a:endParaRPr lang="en-US" sz="1800" dirty="0" smtClean="0"/>
-          </a:p>
-          <a:p>
-            <a:pPr lvl="1"/>
-            <a:endParaRPr lang="en-US" sz="1800" dirty="0" smtClean="0"/>
-          </a:p>
-          <a:p>
-            <a:pPr lvl="1"/>
-            <a:endParaRPr lang="en-US" sz="1800" dirty="0"/>
-          </a:p>
-          <a:p>
-            <a:pPr lvl="1"/>
-            <a:endParaRPr lang="en-US" sz="1800" dirty="0"/>
-          </a:p>
-          <a:p>
-            <a:r>
-              <a:rPr lang="en-US" sz="2000" dirty="0" smtClean="0"/>
-              <a:t>Bulk Rename Utility</a:t>
-            </a:r>
-          </a:p>
-          <a:p>
-            <a:pPr lvl="1"/>
-            <a:r>
-              <a:rPr lang="en-US" sz="1800" dirty="0"/>
-              <a:t>Rename many files all at once (for photos and other large sets of files) [this can also be done on the command line</a:t>
-            </a:r>
-            <a:r>
-              <a:rPr lang="en-US" sz="1800" dirty="0" smtClean="0"/>
-              <a:t>]</a:t>
-            </a:r>
-          </a:p>
-          <a:p>
-            <a:pPr lvl="1"/>
-            <a:r>
-              <a:rPr lang="en-US" sz="1800" dirty="0" smtClean="0">
-                <a:hlinkClick r:id="rId5"/>
-              </a:rPr>
-              <a:t>http</a:t>
-            </a:r>
-            <a:r>
-              <a:rPr lang="en-US" sz="1800" dirty="0">
-                <a:hlinkClick r:id="rId5"/>
-              </a:rPr>
-              <a:t>://</a:t>
-            </a:r>
-            <a:r>
-              <a:rPr lang="en-US" sz="1800" dirty="0" smtClean="0">
-                <a:hlinkClick r:id="rId5"/>
-              </a:rPr>
-              <a:t>www.bulkrenameutility.co.uk/Main_Intro.php</a:t>
-            </a:r>
-            <a:endParaRPr lang="en-US" sz="1800" dirty="0" smtClean="0"/>
-          </a:p>
-          <a:p>
-            <a:r>
-              <a:rPr lang="en-US" sz="2000" dirty="0" smtClean="0"/>
-              <a:t>Cathy</a:t>
-            </a:r>
-          </a:p>
-          <a:p>
-            <a:pPr lvl="1"/>
-            <a:r>
-              <a:rPr lang="en-US" sz="1800" dirty="0" smtClean="0"/>
-              <a:t>Search external </a:t>
-            </a:r>
-            <a:r>
-              <a:rPr lang="en-US" sz="1800" dirty="0"/>
-              <a:t>hard drives for search without plugging the drive in</a:t>
-            </a:r>
-          </a:p>
-          <a:p>
-            <a:pPr lvl="1"/>
-            <a:r>
-              <a:rPr lang="en-US" sz="1800" dirty="0" smtClean="0">
-                <a:hlinkClick r:id="rId6"/>
-              </a:rPr>
-              <a:t>http</a:t>
-            </a:r>
-            <a:r>
-              <a:rPr lang="en-US" sz="1800" dirty="0">
-                <a:hlinkClick r:id="rId6"/>
-              </a:rPr>
-              <a:t>://www.mtg.sk/rva</a:t>
-            </a:r>
-            <a:r>
-              <a:rPr lang="en-US" sz="1800" dirty="0" smtClean="0">
-                <a:hlinkClick r:id="rId6"/>
-              </a:rPr>
-              <a:t>/</a:t>
-            </a:r>
-            <a:endParaRPr lang="en-US" sz="1800" dirty="0" smtClean="0"/>
-          </a:p>
-        </p:txBody>
-      </p:sp>
-      <p:sp>
-        <p:nvSpPr>
-          <p:cNvPr id="4" name="Title 1"/>
-          <p:cNvSpPr txBox="1">
-            <a:spLocks/>
-          </p:cNvSpPr>
-          <p:nvPr/>
-        </p:nvSpPr>
-        <p:spPr>
-          <a:xfrm>
-            <a:off x="685800" y="3169409"/>
-            <a:ext cx="10515600" cy="1325563"/>
-          </a:xfrm>
-          <a:prstGeom prst="rect">
-            <a:avLst/>
-          </a:prstGeom>
-        </p:spPr>
-        <p:txBody>
-          <a:bodyPr vert="horz" lIns="91440" tIns="45720" rIns="91440" bIns="45720" rtlCol="0" anchor="ctr">
-            <a:normAutofit/>
-          </a:bodyPr>
-          <a:lstStyle>
-            <a:lvl1pPr algn="ctr" defTabSz="914400" rtl="0" eaLnBrk="1" latinLnBrk="0" hangingPunct="1">
-              <a:lnSpc>
-                <a:spcPct val="90000"/>
-              </a:lnSpc>
-              <a:spcBef>
-                <a:spcPct val="0"/>
-              </a:spcBef>
-              <a:buNone/>
-              <a:defRPr sz="3200" b="1" kern="1200">
-                <a:solidFill>
-                  <a:schemeClr val="tx1"/>
-                </a:solidFill>
-                <a:latin typeface="+mn-lt"/>
-                <a:ea typeface="+mj-ea"/>
-                <a:cs typeface="+mj-cs"/>
-              </a:defRPr>
-            </a:lvl1pPr>
-          </a:lstStyle>
-          <a:p>
-            <a:r>
-              <a:rPr lang="en-US" dirty="0" smtClean="0"/>
-              <a:t>Tools for File Management (pc)</a:t>
-            </a:r>
-            <a:endParaRPr lang="en-US" dirty="0"/>
-          </a:p>
-        </p:txBody>
-      </p:sp>
-    </p:spTree>
-    <p:extLst>
-      <p:ext uri="{BB962C8B-B14F-4D97-AF65-F5344CB8AC3E}">
-        <p14:creationId xmlns="" xmlns:p14="http://schemas.microsoft.com/office/powerpoint/2010/main" val="3530561644"/>
-      </p:ext>
-    </p:extLst>
-  </p:cSld>
-  <p:clrMapOvr>
-    <a:masterClrMapping/>
-  </p:clrMapOvr>
   <p:timing>
     <p:tnLst>
       <p:par>
-        <p:cTn id="1" dur="indefinite" restart="never" nodeType="tmRoot"/>
+        <p:cTn xmlns:p14="http://schemas.microsoft.com/office/powerpoint/2010/main" id="1" dur="indefinite" restart="never" nodeType="tmRoot">
+          <p:childTnLst>
+            <p:seq concurrent="1" nextAc="seek">
+              <p:cTn id="2" dur="indefinite" nodeType="mainSeq">
+                <p:childTnLst>
+                  <p:par>
+                    <p:cTn id="3" fill="hold">
+                      <p:stCondLst>
+                        <p:cond delay="indefinite"/>
+                      </p:stCondLst>
+                      <p:childTnLst>
+                        <p:par>
+                          <p:cTn id="4" fill="hold">
+                            <p:stCondLst>
+                              <p:cond delay="0"/>
+                            </p:stCondLst>
+                            <p:childTnLst>
+                              <p:par>
+                                <p:cTn id="5" presetID="10" presetClass="entr" presetSubtype="0" fill="hold" nodeType="clickEffect">
+                                  <p:stCondLst>
+                                    <p:cond delay="0"/>
+                                  </p:stCondLst>
+                                  <p:childTnLst>
+                                    <p:set>
+                                      <p:cBhvr>
+                                        <p:cTn id="6" dur="1" fill="hold">
+                                          <p:stCondLst>
+                                            <p:cond delay="0"/>
+                                          </p:stCondLst>
+                                        </p:cTn>
+                                        <p:tgtEl>
+                                          <p:spTgt spid="6">
+                                            <p:txEl>
+                                              <p:pRg st="0" end="0"/>
+                                            </p:txEl>
+                                          </p:spTgt>
+                                        </p:tgtEl>
+                                        <p:attrNameLst>
+                                          <p:attrName>style.visibility</p:attrName>
+                                        </p:attrNameLst>
+                                      </p:cBhvr>
+                                      <p:to>
+                                        <p:strVal val="visible"/>
+                                      </p:to>
+                                    </p:set>
+                                    <p:animEffect transition="in" filter="fade">
+                                      <p:cBhvr>
+                                        <p:cTn id="7" dur="500"/>
+                                        <p:tgtEl>
+                                          <p:spTgt spid="6">
+                                            <p:txEl>
+                                              <p:pRg st="0" end="0"/>
+                                            </p:txEl>
+                                          </p:spTgt>
+                                        </p:tgtEl>
+                                      </p:cBhvr>
+                                    </p:animEffect>
+                                  </p:childTnLst>
+                                </p:cTn>
+                              </p:par>
+                            </p:childTnLst>
+                          </p:cTn>
+                        </p:par>
+                      </p:childTnLst>
+                    </p:cTn>
+                  </p:par>
+                  <p:par>
+                    <p:cTn id="8" fill="hold">
+                      <p:stCondLst>
+                        <p:cond delay="indefinite"/>
+                      </p:stCondLst>
+                      <p:childTnLst>
+                        <p:par>
+                          <p:cTn id="9" fill="hold">
+                            <p:stCondLst>
+                              <p:cond delay="0"/>
+                            </p:stCondLst>
+                            <p:childTnLst>
+                              <p:par>
+                                <p:cTn id="10" presetID="10" presetClass="entr" presetSubtype="0" fill="hold" nodeType="clickEffect">
+                                  <p:stCondLst>
+                                    <p:cond delay="0"/>
+                                  </p:stCondLst>
+                                  <p:childTnLst>
+                                    <p:set>
+                                      <p:cBhvr>
+                                        <p:cTn id="11" dur="1" fill="hold">
+                                          <p:stCondLst>
+                                            <p:cond delay="0"/>
+                                          </p:stCondLst>
+                                        </p:cTn>
+                                        <p:tgtEl>
+                                          <p:spTgt spid="6">
+                                            <p:txEl>
+                                              <p:pRg st="1" end="1"/>
+                                            </p:txEl>
+                                          </p:spTgt>
+                                        </p:tgtEl>
+                                        <p:attrNameLst>
+                                          <p:attrName>style.visibility</p:attrName>
+                                        </p:attrNameLst>
+                                      </p:cBhvr>
+                                      <p:to>
+                                        <p:strVal val="visible"/>
+                                      </p:to>
+                                    </p:set>
+                                    <p:animEffect transition="in" filter="fade">
+                                      <p:cBhvr>
+                                        <p:cTn id="12" dur="500"/>
+                                        <p:tgtEl>
+                                          <p:spTgt spid="6">
+                                            <p:txEl>
+                                              <p:pRg st="1" end="1"/>
+                                            </p:txEl>
+                                          </p:spTgt>
+                                        </p:tgtEl>
+                                      </p:cBhvr>
+                                    </p:animEffect>
+                                  </p:childTnLst>
+                                </p:cTn>
+                              </p:par>
+                            </p:childTnLst>
+                          </p:cTn>
+                        </p:par>
+                      </p:childTnLst>
+                    </p:cTn>
+                  </p:par>
+                  <p:par>
+                    <p:cTn id="13" fill="hold">
+                      <p:stCondLst>
+                        <p:cond delay="indefinite"/>
+                      </p:stCondLst>
+                      <p:childTnLst>
+                        <p:par>
+                          <p:cTn id="14" fill="hold">
+                            <p:stCondLst>
+                              <p:cond delay="0"/>
+                            </p:stCondLst>
+                            <p:childTnLst>
+                              <p:par>
+                                <p:cTn id="15" presetID="10" presetClass="entr" presetSubtype="0" fill="hold" nodeType="clickEffect">
+                                  <p:stCondLst>
+                                    <p:cond delay="0"/>
+                                  </p:stCondLst>
+                                  <p:childTnLst>
+                                    <p:set>
+                                      <p:cBhvr>
+                                        <p:cTn id="16" dur="1" fill="hold">
+                                          <p:stCondLst>
+                                            <p:cond delay="0"/>
+                                          </p:stCondLst>
+                                        </p:cTn>
+                                        <p:tgtEl>
+                                          <p:spTgt spid="6">
+                                            <p:txEl>
+                                              <p:pRg st="2" end="2"/>
+                                            </p:txEl>
+                                          </p:spTgt>
+                                        </p:tgtEl>
+                                        <p:attrNameLst>
+                                          <p:attrName>style.visibility</p:attrName>
+                                        </p:attrNameLst>
+                                      </p:cBhvr>
+                                      <p:to>
+                                        <p:strVal val="visible"/>
+                                      </p:to>
+                                    </p:set>
+                                    <p:animEffect transition="in" filter="fade">
+                                      <p:cBhvr>
+                                        <p:cTn id="17" dur="500"/>
+                                        <p:tgtEl>
+                                          <p:spTgt spid="6">
+                                            <p:txEl>
+                                              <p:pRg st="2" end="2"/>
+                                            </p:txEl>
+                                          </p:spTgt>
+                                        </p:tgtEl>
+                                      </p:cBhvr>
+                                    </p:animEffect>
+                                  </p:childTnLst>
+                                </p:cTn>
+                              </p:par>
+                            </p:childTnLst>
+                          </p:cTn>
+                        </p:par>
+                      </p:childTnLst>
+                    </p:cTn>
+                  </p:par>
+                </p:childTnLst>
+              </p:cTn>
+              <p:prevCondLst>
+                <p:cond evt="onPrev" delay="0">
+                  <p:tgtEl>
+                    <p:sldTgt/>
+                  </p:tgtEl>
+                </p:cond>
+              </p:prevCondLst>
+              <p:nextCondLst>
+                <p:cond evt="onNext" delay="0">
+                  <p:tgtEl>
+                    <p:sldTgt/>
+                  </p:tgtEl>
+                </p:cond>
+              </p:nextCondLst>
+            </p:seq>
+          </p:childTnLst>
+        </p:cTn>
       </p:par>
     </p:tnLst>
   </p:timing>
 </p:sld>
 </file>
 
-<file path=ppt/slides/slide32.xml><?xml version="1.0" encoding="utf-8"?>
+<file path=ppt/slides/slide31.xml><?xml version="1.0" encoding="utf-8"?>
 <p:sld xmlns:a="http://schemas.openxmlformats.org/drawingml/2006/main" xmlns:r="http://schemas.openxmlformats.org/officeDocument/2006/relationships" xmlns:p="http://schemas.openxmlformats.org/presentationml/2006/main">
   <p:cSld>
     <p:spTree>
@@ -33392,7 +34098,15 @@
           <a:bodyPr/>
           <a:lstStyle/>
           <a:p>
-            <a:endParaRPr lang="en-US"/>
+            <a:r>
+              <a:rPr lang="en-US" dirty="0"/>
+              <a:t>Tools for File </a:t>
+            </a:r>
+            <a:r>
+              <a:rPr lang="en-US" dirty="0" smtClean="0"/>
+              <a:t>Management: bulk rename</a:t>
+            </a:r>
+            <a:endParaRPr lang="en-US" dirty="0"/>
           </a:p>
         </p:txBody>
       </p:sp>
@@ -33406,7 +34120,12 @@
             <p:ph idx="1"/>
           </p:nvPr>
         </p:nvSpPr>
-        <p:spPr/>
+        <p:spPr>
+          <a:xfrm>
+            <a:off x="1972914" y="1565782"/>
+            <a:ext cx="9380885" cy="4611181"/>
+          </a:xfrm>
+        </p:spPr>
         <p:txBody>
           <a:bodyPr>
             <a:normAutofit fontScale="92500" lnSpcReduction="20000"/>
@@ -33425,11 +34144,7 @@
             </a:br>
             <a:r>
               <a:rPr lang="en-US" b="1" dirty="0" smtClean="0"/>
-              <a:t>Windows</a:t>
-            </a:r>
-            <a:r>
-              <a:rPr lang="en-US" b="1" dirty="0" smtClean="0"/>
-              <a:t>:</a:t>
+              <a:t>Windows:</a:t>
             </a:r>
           </a:p>
           <a:p>
@@ -33465,11 +34180,7 @@
             </a:r>
             <a:r>
               <a:rPr lang="en-US" dirty="0" smtClean="0"/>
-              <a:t> </a:t>
-            </a:r>
-            <a:r>
-              <a:rPr lang="en-US" dirty="0" smtClean="0"/>
-              <a:t>(</a:t>
+              <a:t> (</a:t>
             </a:r>
             <a:r>
               <a:rPr lang="en-US" dirty="0" smtClean="0">
@@ -33504,23 +34215,13 @@
             <a:pPr lvl="1"/>
             <a:r>
               <a:rPr lang="en-US" dirty="0" smtClean="0"/>
-              <a:t>Bulk </a:t>
-            </a:r>
-            <a:r>
-              <a:rPr lang="en-US" dirty="0" smtClean="0"/>
-              <a:t>Rename Utility (</a:t>
+              <a:t>Bulk Rename Utility (</a:t>
             </a:r>
             <a:r>
               <a:rPr lang="en-US" dirty="0" smtClean="0">
                 <a:hlinkClick r:id="rId4"/>
               </a:rPr>
-              <a:t>www.bulkrenameutility.co.uk</a:t>
-            </a:r>
-            <a:r>
-              <a:rPr lang="en-US" dirty="0" smtClean="0">
-                <a:hlinkClick r:id="rId4"/>
-              </a:rPr>
-              <a:t>/</a:t>
+              <a:t>www.bulkrenameutility.co.uk/</a:t>
             </a:r>
             <a:r>
               <a:rPr lang="en-US" dirty="0" smtClean="0"/>
@@ -33564,27 +34265,42 @@
             <a:pPr lvl="1"/>
             <a:r>
               <a:rPr lang="en-US" dirty="0" smtClean="0"/>
-              <a:t>Name </a:t>
-            </a:r>
-            <a:r>
-              <a:rPr lang="en-US" dirty="0" smtClean="0"/>
-              <a:t>Changer (</a:t>
+              <a:t>Name Changer (</a:t>
             </a:r>
             <a:r>
               <a:rPr lang="en-US" dirty="0" smtClean="0">
                 <a:hlinkClick r:id="rId6"/>
               </a:rPr>
-              <a:t>mrrsoftware.com/</a:t>
-            </a:r>
-            <a:r>
-              <a:rPr lang="en-US" dirty="0" err="1" smtClean="0">
-                <a:hlinkClick r:id="rId6"/>
+              <a:t>mrrsoftware.com/namechanger/</a:t>
+            </a:r>
+            <a:r>
+              <a:rPr lang="en-US" dirty="0" smtClean="0"/>
+              <a:t>)</a:t>
+            </a:r>
+          </a:p>
+          <a:p>
+            <a:pPr lvl="1"/>
+            <a:r>
+              <a:rPr lang="en-US" dirty="0" smtClean="0"/>
+              <a:t>Name </a:t>
+            </a:r>
+            <a:r>
+              <a:rPr lang="en-US" dirty="0" err="1" smtClean="0"/>
+              <a:t>Mangler</a:t>
+            </a:r>
+            <a:r>
+              <a:rPr lang="en-US" dirty="0" smtClean="0"/>
+              <a:t> (</a:t>
+            </a:r>
+            <a:r>
+              <a:rPr lang="en-US" dirty="0">
+                <a:hlinkClick r:id="rId7"/>
               </a:rPr>
-              <a:t>namechanger</a:t>
+              <a:t>http://manytricks.com/namemangler</a:t>
             </a:r>
             <a:r>
               <a:rPr lang="en-US" dirty="0" smtClean="0">
-                <a:hlinkClick r:id="rId6"/>
+                <a:hlinkClick r:id="rId7"/>
               </a:rPr>
               <a:t>/</a:t>
             </a:r>
@@ -33592,6 +34308,7 @@
               <a:rPr lang="en-US" dirty="0" smtClean="0"/>
               <a:t>)</a:t>
             </a:r>
+            <a:endParaRPr lang="en-US" dirty="0" smtClean="0"/>
           </a:p>
           <a:p>
             <a:pPr>
@@ -33606,52 +34323,40 @@
             </a:br>
             <a:r>
               <a:rPr lang="en-US" b="1" dirty="0" smtClean="0"/>
-              <a:t>Linux</a:t>
-            </a:r>
-            <a:r>
-              <a:rPr lang="en-US" b="1" dirty="0" smtClean="0"/>
-              <a:t>:</a:t>
+              <a:t>Linux:</a:t>
             </a:r>
           </a:p>
           <a:p>
             <a:pPr lvl="1"/>
             <a:r>
               <a:rPr lang="en-US" dirty="0" smtClean="0"/>
-              <a:t>GNOME </a:t>
-            </a:r>
-            <a:r>
-              <a:rPr lang="en-US" dirty="0" smtClean="0"/>
-              <a:t>Commander (</a:t>
-            </a:r>
-            <a:r>
-              <a:rPr lang="en-US" dirty="0" smtClean="0">
-                <a:hlinkClick r:id="rId7"/>
-              </a:rPr>
-              <a:t>www.nongnu.org/gcmd/</a:t>
-            </a:r>
-            <a:r>
-              <a:rPr lang="en-US" dirty="0" smtClean="0"/>
-              <a:t>)</a:t>
-            </a:r>
-          </a:p>
-          <a:p>
-            <a:pPr lvl="1"/>
-            <a:r>
-              <a:rPr lang="en-US" dirty="0" err="1" smtClean="0"/>
-              <a:t>GPRename</a:t>
-            </a:r>
-            <a:r>
-              <a:rPr lang="en-US" dirty="0" smtClean="0"/>
-              <a:t> </a:t>
-            </a:r>
-            <a:r>
-              <a:rPr lang="en-US" dirty="0" smtClean="0"/>
-              <a:t>(</a:t>
+              <a:t>GNOME Commander (</a:t>
             </a:r>
             <a:r>
               <a:rPr lang="en-US" dirty="0" smtClean="0">
                 <a:hlinkClick r:id="rId8"/>
               </a:rPr>
+              <a:t>www.nongnu.org/gcmd/</a:t>
+            </a:r>
+            <a:r>
+              <a:rPr lang="en-US" dirty="0" smtClean="0"/>
+              <a:t>)</a:t>
+            </a:r>
+          </a:p>
+          <a:p>
+            <a:pPr lvl="1"/>
+            <a:r>
+              <a:rPr lang="en-US" dirty="0" err="1" smtClean="0"/>
+              <a:t>GPRename</a:t>
+            </a:r>
+            <a:r>
+              <a:rPr lang="en-US" dirty="0" smtClean="0"/>
+              <a:t> (</a:t>
+            </a:r>
+            <a:r>
+              <a:rPr lang="en-US" dirty="0" smtClean="0">
+                <a:hlinkClick r:id="rId9"/>
+              </a:rPr>
               <a:t>http://gprename.sourceforge.net/</a:t>
             </a:r>
             <a:r>
@@ -33671,16 +34376,20 @@
               <a:rPr lang="en-US" dirty="0" smtClean="0"/>
             </a:br>
             <a:r>
-              <a:rPr lang="en-US" b="1" dirty="0" err="1" smtClean="0"/>
-              <a:t>Unix:</a:t>
-            </a:r>
-            <a:r>
-              <a:rPr lang="en-US" dirty="0" err="1" smtClean="0"/>
-              <a:t>The</a:t>
+              <a:rPr lang="en-US" b="1" dirty="0" smtClean="0"/>
+              <a:t>Unix</a:t>
+            </a:r>
+            <a:r>
+              <a:rPr lang="en-US" b="1" dirty="0" smtClean="0"/>
+              <a:t>: </a:t>
             </a:r>
             <a:r>
               <a:rPr lang="en-US" dirty="0" smtClean="0"/>
-              <a:t> use of the </a:t>
+              <a:t>The </a:t>
+            </a:r>
+            <a:r>
+              <a:rPr lang="en-US" dirty="0" smtClean="0"/>
+              <a:t>use of the </a:t>
             </a:r>
             <a:r>
               <a:rPr lang="en-US" b="1" dirty="0" err="1" smtClean="0"/>
@@ -33704,7 +34413,7 @@
         </p:nvSpPr>
         <p:spPr>
           <a:xfrm>
-            <a:off x="5530793" y="6190734"/>
+            <a:off x="5765077" y="6326353"/>
             <a:ext cx="3866251" cy="307777"/>
           </a:xfrm>
           <a:prstGeom prst="rect">
@@ -33744,10 +34453,17 @@
   <p:clrMapOvr>
     <a:masterClrMapping/>
   </p:clrMapOvr>
+  <p:timing>
+    <p:tnLst>
+      <p:par>
+        <p:cTn xmlns:p14="http://schemas.microsoft.com/office/powerpoint/2010/main" id="1" dur="indefinite" restart="never" nodeType="tmRoot"/>
+      </p:par>
+    </p:tnLst>
+  </p:timing>
 </p:sld>
 </file>
 
-<file path=ppt/slides/slide33.xml><?xml version="1.0" encoding="utf-8"?>
+<file path=ppt/slides/slide32.xml><?xml version="1.0" encoding="utf-8"?>
 <p:sld xmlns:a="http://schemas.openxmlformats.org/drawingml/2006/main" xmlns:r="http://schemas.openxmlformats.org/officeDocument/2006/relationships" xmlns:p="http://schemas.openxmlformats.org/presentationml/2006/main">
   <p:cSld>
     <p:spTree>
@@ -33943,7 +34659,7 @@
     </p:spTree>
     <p:extLst>
       <p:ext uri="{BB962C8B-B14F-4D97-AF65-F5344CB8AC3E}">
-        <p14:creationId xmlns="" xmlns:p14="http://schemas.microsoft.com/office/powerpoint/2010/main" val="3530561644"/>
+        <p14:creationId xmlns:p14="http://schemas.microsoft.com/office/powerpoint/2010/main" val="3530561644"/>
       </p:ext>
     </p:extLst>
   </p:cSld>
@@ -33953,7 +34669,7 @@
   <p:timing>
     <p:tnLst>
       <p:par>
-        <p:cTn id="1" dur="indefinite" restart="never" nodeType="tmRoot">
+        <p:cTn xmlns:p14="http://schemas.microsoft.com/office/powerpoint/2010/main" id="1" dur="indefinite" restart="never" nodeType="tmRoot">
           <p:childTnLst>
             <p:seq concurrent="1" nextAc="seek">
               <p:cTn id="2" dur="indefinite" nodeType="mainSeq">
@@ -34356,7 +35072,7 @@
 </p:sld>
 </file>
 
-<file path=ppt/slides/slide34.xml><?xml version="1.0" encoding="utf-8"?>
+<file path=ppt/slides/slide33.xml><?xml version="1.0" encoding="utf-8"?>
 <p:sld xmlns:a="http://schemas.openxmlformats.org/drawingml/2006/main" xmlns:r="http://schemas.openxmlformats.org/officeDocument/2006/relationships" xmlns:p="http://schemas.openxmlformats.org/presentationml/2006/main">
   <p:cSld>
     <p:spTree>
@@ -34620,7 +35336,7 @@
     </p:spTree>
     <p:extLst>
       <p:ext uri="{BB962C8B-B14F-4D97-AF65-F5344CB8AC3E}">
-        <p14:creationId xmlns="" xmlns:p14="http://schemas.microsoft.com/office/powerpoint/2010/main" val="2085955048"/>
+        <p14:creationId xmlns:p14="http://schemas.microsoft.com/office/powerpoint/2010/main" val="2085955048"/>
       </p:ext>
     </p:extLst>
   </p:cSld>
@@ -34630,7 +35346,217 @@
   <p:timing>
     <p:tnLst>
       <p:par>
-        <p:cTn id="1" dur="indefinite" restart="never" nodeType="tmRoot"/>
+        <p:cTn xmlns:p14="http://schemas.microsoft.com/office/powerpoint/2010/main" id="1" dur="indefinite" restart="never" nodeType="tmRoot"/>
+      </p:par>
+    </p:tnLst>
+  </p:timing>
+</p:sld>
+</file>
+
+<file path=ppt/slides/slide34.xml><?xml version="1.0" encoding="utf-8"?>
+<p:sld xmlns:a="http://schemas.openxmlformats.org/drawingml/2006/main" xmlns:r="http://schemas.openxmlformats.org/officeDocument/2006/relationships" xmlns:p="http://schemas.openxmlformats.org/presentationml/2006/main">
+  <p:cSld>
+    <p:spTree>
+      <p:nvGrpSpPr>
+        <p:cNvPr id="1" name=""/>
+        <p:cNvGrpSpPr/>
+        <p:nvPr/>
+      </p:nvGrpSpPr>
+      <p:grpSpPr>
+        <a:xfrm>
+          <a:off x="0" y="0"/>
+          <a:ext cx="0" cy="0"/>
+          <a:chOff x="0" y="0"/>
+          <a:chExt cx="0" cy="0"/>
+        </a:xfrm>
+      </p:grpSpPr>
+      <p:sp>
+        <p:nvSpPr>
+          <p:cNvPr id="2" name="Title 1"/>
+          <p:cNvSpPr>
+            <a:spLocks noGrp="1"/>
+          </p:cNvSpPr>
+          <p:nvPr>
+            <p:ph type="title"/>
+          </p:nvPr>
+        </p:nvSpPr>
+        <p:spPr/>
+        <p:txBody>
+          <a:bodyPr/>
+          <a:lstStyle/>
+          <a:p>
+            <a:r>
+              <a:rPr lang="en-US" dirty="0" smtClean="0"/>
+              <a:t>Wednesday</a:t>
+            </a:r>
+            <a:endParaRPr lang="en-US" dirty="0"/>
+          </a:p>
+        </p:txBody>
+      </p:sp>
+      <p:sp>
+        <p:nvSpPr>
+          <p:cNvPr id="3" name="Content Placeholder 2"/>
+          <p:cNvSpPr>
+            <a:spLocks noGrp="1"/>
+          </p:cNvSpPr>
+          <p:nvPr>
+            <p:ph idx="1"/>
+          </p:nvPr>
+        </p:nvSpPr>
+        <p:spPr>
+          <a:xfrm>
+            <a:off x="838200" y="1402080"/>
+            <a:ext cx="10515600" cy="4937760"/>
+          </a:xfrm>
+        </p:spPr>
+        <p:txBody>
+          <a:bodyPr>
+            <a:normAutofit fontScale="92500"/>
+          </a:bodyPr>
+          <a:lstStyle/>
+          <a:p>
+            <a:r>
+              <a:rPr lang="en-US" dirty="0"/>
+              <a:t>Frazer, Meghan (2013). An Elevator Pitch for File Naming Conventions. </a:t>
+            </a:r>
+            <a:r>
+              <a:rPr lang="en-US" i="1" dirty="0">
+                <a:hlinkClick r:id="rId2"/>
+              </a:rPr>
+              <a:t>http://acrl.ala.org/techconnect/post/an-elevator-pitch-for-file-naming-conventions</a:t>
+            </a:r>
+            <a:r>
+              <a:rPr lang="en-US" dirty="0"/>
+              <a:t>.</a:t>
+            </a:r>
+          </a:p>
+          <a:p>
+            <a:r>
+              <a:rPr lang="en-US" dirty="0"/>
+              <a:t>Alexandra </a:t>
+            </a:r>
+            <a:r>
+              <a:rPr lang="en-US" dirty="0" err="1"/>
+              <a:t>Simperler</a:t>
+            </a:r>
+            <a:r>
+              <a:rPr lang="en-US" dirty="0"/>
+              <a:t>, Greg Wilson (2015). Software Carpentry get more done in less time. </a:t>
+            </a:r>
+            <a:r>
+              <a:rPr lang="en-US" i="1" dirty="0">
+                <a:hlinkClick r:id="rId3"/>
+              </a:rPr>
+              <a:t>http://arxiv.org/abs/1506.02575</a:t>
+            </a:r>
+            <a:r>
+              <a:rPr lang="en-US" dirty="0" smtClean="0"/>
+              <a:t>.</a:t>
+            </a:r>
+          </a:p>
+          <a:p>
+            <a:endParaRPr lang="en-US" dirty="0" smtClean="0"/>
+          </a:p>
+          <a:p>
+            <a:pPr marL="695325">
+              <a:buNone/>
+            </a:pPr>
+            <a:r>
+              <a:rPr lang="en-US" dirty="0" smtClean="0"/>
+              <a:t>Extra Reading</a:t>
+            </a:r>
+          </a:p>
+          <a:p>
+            <a:r>
+              <a:rPr lang="en-US" dirty="0" smtClean="0"/>
+              <a:t>JISC Digital Media. </a:t>
+            </a:r>
+            <a:r>
+              <a:rPr lang="en-US" i="1" dirty="0" smtClean="0"/>
+              <a:t>Choosing a File Name</a:t>
+            </a:r>
+            <a:r>
+              <a:rPr lang="en-US" dirty="0" smtClean="0"/>
+              <a:t> [Managing]. </a:t>
+            </a:r>
+            <a:r>
+              <a:rPr lang="en-US" dirty="0" err="1" smtClean="0"/>
+              <a:t>Jisc</a:t>
+            </a:r>
+            <a:r>
+              <a:rPr lang="en-US" dirty="0" smtClean="0"/>
+              <a:t>.</a:t>
+            </a:r>
+            <a:br>
+              <a:rPr lang="en-US" dirty="0" smtClean="0"/>
+            </a:br>
+            <a:r>
+              <a:rPr lang="en-US" dirty="0" smtClean="0">
+                <a:hlinkClick r:id="rId4"/>
+              </a:rPr>
+              <a:t>http://www.jiscdigitalmedia.ac.uk/guide/choosing-a-file-name</a:t>
+            </a:r>
+            <a:endParaRPr lang="en-US" dirty="0" smtClean="0"/>
+          </a:p>
+          <a:p>
+            <a:r>
+              <a:rPr lang="en-US" dirty="0" smtClean="0"/>
+              <a:t>MIT Libraries. </a:t>
+            </a:r>
+            <a:r>
+              <a:rPr lang="en-US" i="1" dirty="0" smtClean="0"/>
+              <a:t>Data management and publishing: Organize your files</a:t>
+            </a:r>
+            <a:r>
+              <a:rPr lang="en-US" dirty="0" smtClean="0"/>
+              <a:t>. Massachusetts Institute of Technology.  </a:t>
+            </a:r>
+            <a:r>
+              <a:rPr lang="en-US" dirty="0" smtClean="0">
+                <a:hlinkClick r:id="rId5"/>
+              </a:rPr>
+              <a:t>http://libraries.mit.edu/data-management/store/organize</a:t>
+            </a:r>
+            <a:endParaRPr lang="en-US" dirty="0"/>
+          </a:p>
+          <a:p>
+            <a:pPr marL="0" indent="0">
+              <a:buNone/>
+            </a:pPr>
+            <a:endParaRPr lang="en-US" dirty="0" smtClean="0"/>
+          </a:p>
+          <a:p>
+            <a:pPr marL="0" indent="0">
+              <a:buNone/>
+            </a:pPr>
+            <a:r>
+              <a:rPr lang="en-US" dirty="0" smtClean="0"/>
+              <a:t>Assignment #2: The Unix Shell. [ DO AS MUCH AS YOU CAN BEFORE COMING TO CLASS  ] </a:t>
+            </a:r>
+            <a:r>
+              <a:rPr lang="en-US" i="1" dirty="0" smtClean="0">
+                <a:hlinkClick r:id="rId6"/>
+              </a:rPr>
+              <a:t>http://swcarpentry.github.io/shell-novice/</a:t>
+            </a:r>
+            <a:endParaRPr lang="en-US" sz="1800" dirty="0"/>
+          </a:p>
+        </p:txBody>
+      </p:sp>
+    </p:spTree>
+    <p:extLst>
+      <p:ext uri="{BB962C8B-B14F-4D97-AF65-F5344CB8AC3E}">
+        <p14:creationId xmlns:p14="http://schemas.microsoft.com/office/powerpoint/2010/main" val="1265998686"/>
+      </p:ext>
+    </p:extLst>
+  </p:cSld>
+  <p:clrMapOvr>
+    <a:masterClrMapping/>
+  </p:clrMapOvr>
+  <p:timing>
+    <p:tnLst>
+      <p:par>
+        <p:cTn xmlns:p14="http://schemas.microsoft.com/office/powerpoint/2010/main" id="1" dur="indefinite" restart="never" nodeType="tmRoot"/>
       </p:par>
     </p:tnLst>
   </p:timing>
@@ -35212,10 +36138,75 @@
           </a:p>
         </p:txBody>
       </p:sp>
+      <p:sp>
+        <p:nvSpPr>
+          <p:cNvPr id="4" name="Rectangle 3"/>
+          <p:cNvSpPr/>
+          <p:nvPr/>
+        </p:nvSpPr>
+        <p:spPr>
+          <a:xfrm>
+            <a:off x="6161706" y="5500539"/>
+            <a:ext cx="4455616" cy="369332"/>
+          </a:xfrm>
+          <a:prstGeom prst="rect">
+            <a:avLst/>
+          </a:prstGeom>
+        </p:spPr>
+        <p:txBody>
+          <a:bodyPr wrap="none">
+            <a:spAutoFit/>
+          </a:bodyPr>
+          <a:lstStyle/>
+          <a:p>
+            <a:r>
+              <a:rPr lang="en-US" b="1" i="1" dirty="0"/>
+              <a:t>g</a:t>
+            </a:r>
+            <a:r>
+              <a:rPr lang="en-US" i="1" dirty="0"/>
+              <a:t>lobally search a</a:t>
+            </a:r>
+            <a:r>
+              <a:rPr lang="en-US" dirty="0"/>
+              <a:t> </a:t>
+            </a:r>
+            <a:r>
+              <a:rPr lang="en-US" b="1" i="1" dirty="0"/>
+              <a:t>r</a:t>
+            </a:r>
+            <a:r>
+              <a:rPr lang="en-US" i="1" dirty="0"/>
+              <a:t>egular </a:t>
+            </a:r>
+            <a:r>
+              <a:rPr lang="en-US" b="1" i="1" dirty="0"/>
+              <a:t>e</a:t>
+            </a:r>
+            <a:r>
+              <a:rPr lang="en-US" i="1" dirty="0"/>
+              <a:t>xpression</a:t>
+            </a:r>
+            <a:r>
+              <a:rPr lang="en-US" dirty="0"/>
+              <a:t> and </a:t>
+            </a:r>
+            <a:r>
+              <a:rPr lang="en-US" b="1" i="1" dirty="0"/>
+              <a:t>p</a:t>
+            </a:r>
+            <a:r>
+              <a:rPr lang="en-US" i="1" dirty="0"/>
+              <a:t>rint</a:t>
+            </a:r>
+            <a:endParaRPr lang="en-US" dirty="0"/>
+          </a:p>
+        </p:txBody>
+      </p:sp>
     </p:spTree>
     <p:extLst>
       <p:ext uri="{BB962C8B-B14F-4D97-AF65-F5344CB8AC3E}">
-        <p14:creationId xmlns="" xmlns:p14="http://schemas.microsoft.com/office/powerpoint/2010/main" val="1658114441"/>
+        <p14:creationId xmlns:p14="http://schemas.microsoft.com/office/powerpoint/2010/main" val="1658114441"/>
       </p:ext>
     </p:extLst>
   </p:cSld>
@@ -35225,7 +36216,7 @@
   <p:timing>
     <p:tnLst>
       <p:par>
-        <p:cTn id="1" dur="indefinite" restart="never" nodeType="tmRoot"/>
+        <p:cTn xmlns:p14="http://schemas.microsoft.com/office/powerpoint/2010/main" id="1" dur="indefinite" restart="never" nodeType="tmRoot"/>
       </p:par>
     </p:tnLst>
   </p:timing>
@@ -35658,7 +36649,7 @@
     </p:spTree>
     <p:extLst>
       <p:ext uri="{BB962C8B-B14F-4D97-AF65-F5344CB8AC3E}">
-        <p14:creationId xmlns="" xmlns:p14="http://schemas.microsoft.com/office/powerpoint/2010/main" val="777789661"/>
+        <p14:creationId xmlns:p14="http://schemas.microsoft.com/office/powerpoint/2010/main" val="777789661"/>
       </p:ext>
     </p:extLst>
   </p:cSld>
@@ -35668,7 +36659,7 @@
   <p:timing>
     <p:tnLst>
       <p:par>
-        <p:cTn id="1" dur="indefinite" restart="never" nodeType="tmRoot"/>
+        <p:cTn xmlns:p14="http://schemas.microsoft.com/office/powerpoint/2010/main" id="1" dur="indefinite" restart="never" nodeType="tmRoot"/>
       </p:par>
     </p:tnLst>
   </p:timing>
@@ -35746,6 +36737,13 @@
   <p:clrMapOvr>
     <a:masterClrMapping/>
   </p:clrMapOvr>
+  <p:timing>
+    <p:tnLst>
+      <p:par>
+        <p:cTn xmlns:p14="http://schemas.microsoft.com/office/powerpoint/2010/main" id="1" dur="indefinite" restart="never" nodeType="tmRoot"/>
+      </p:par>
+    </p:tnLst>
+  </p:timing>
 </p:sld>
 </file>
 
@@ -36046,7 +37044,7 @@
   <p:timing>
     <p:tnLst>
       <p:par>
-        <p:cTn id="1" dur="indefinite" restart="never" nodeType="tmRoot">
+        <p:cTn xmlns:p14="http://schemas.microsoft.com/office/powerpoint/2010/main" id="1" dur="indefinite" restart="never" nodeType="tmRoot">
           <p:childTnLst>
             <p:seq concurrent="1" nextAc="seek">
               <p:cTn id="2" dur="indefinite" nodeType="mainSeq">
@@ -36348,265 +37346,6 @@
 </p:sld>
 </file>
 
-<file path=ppt/slides/slide39.xml><?xml version="1.0" encoding="utf-8"?>
-<p:sld xmlns:a="http://schemas.openxmlformats.org/drawingml/2006/main" xmlns:r="http://schemas.openxmlformats.org/officeDocument/2006/relationships" xmlns:p="http://schemas.openxmlformats.org/presentationml/2006/main">
-  <p:cSld>
-    <p:spTree>
-      <p:nvGrpSpPr>
-        <p:cNvPr id="1" name=""/>
-        <p:cNvGrpSpPr/>
-        <p:nvPr/>
-      </p:nvGrpSpPr>
-      <p:grpSpPr>
-        <a:xfrm>
-          <a:off x="0" y="0"/>
-          <a:ext cx="0" cy="0"/>
-          <a:chOff x="0" y="0"/>
-          <a:chExt cx="0" cy="0"/>
-        </a:xfrm>
-      </p:grpSpPr>
-      <p:sp>
-        <p:nvSpPr>
-          <p:cNvPr id="2" name="Title 1"/>
-          <p:cNvSpPr>
-            <a:spLocks noGrp="1"/>
-          </p:cNvSpPr>
-          <p:nvPr>
-            <p:ph type="title"/>
-          </p:nvPr>
-        </p:nvSpPr>
-        <p:spPr/>
-        <p:txBody>
-          <a:bodyPr/>
-          <a:lstStyle/>
-          <a:p>
-            <a:r>
-              <a:rPr lang="en-US" dirty="0" smtClean="0"/>
-              <a:t>Wednesday</a:t>
-            </a:r>
-            <a:endParaRPr lang="en-US" dirty="0"/>
-          </a:p>
-        </p:txBody>
-      </p:sp>
-      <p:sp>
-        <p:nvSpPr>
-          <p:cNvPr id="3" name="Content Placeholder 2"/>
-          <p:cNvSpPr>
-            <a:spLocks noGrp="1"/>
-          </p:cNvSpPr>
-          <p:nvPr>
-            <p:ph idx="1"/>
-          </p:nvPr>
-        </p:nvSpPr>
-        <p:spPr>
-          <a:xfrm>
-            <a:off x="838200" y="1402080"/>
-            <a:ext cx="10515600" cy="4937760"/>
-          </a:xfrm>
-        </p:spPr>
-        <p:txBody>
-          <a:bodyPr>
-            <a:normAutofit fontScale="92500"/>
-          </a:bodyPr>
-          <a:lstStyle/>
-          <a:p>
-            <a:r>
-              <a:rPr lang="en-US" dirty="0"/>
-              <a:t>Frazer, Meghan (2013). An Elevator Pitch for File Naming Conventions. </a:t>
-            </a:r>
-            <a:r>
-              <a:rPr lang="en-US" i="1" dirty="0">
-                <a:hlinkClick r:id="rId2"/>
-              </a:rPr>
-              <a:t>http://acrl.ala.org/techconnect/post/an-elevator-pitch-for-file-naming-conventions</a:t>
-            </a:r>
-            <a:r>
-              <a:rPr lang="en-US" dirty="0"/>
-              <a:t>.</a:t>
-            </a:r>
-          </a:p>
-          <a:p>
-            <a:r>
-              <a:rPr lang="en-US" dirty="0"/>
-              <a:t>Alexandra </a:t>
-            </a:r>
-            <a:r>
-              <a:rPr lang="en-US" dirty="0" err="1"/>
-              <a:t>Simperler</a:t>
-            </a:r>
-            <a:r>
-              <a:rPr lang="en-US" dirty="0"/>
-              <a:t>, Greg Wilson (2015). Software Carpentry get more done in less time. </a:t>
-            </a:r>
-            <a:r>
-              <a:rPr lang="en-US" i="1" dirty="0">
-                <a:hlinkClick r:id="rId3"/>
-              </a:rPr>
-              <a:t>http://arxiv.org/abs/1506.02575</a:t>
-            </a:r>
-            <a:r>
-              <a:rPr lang="en-US" dirty="0" smtClean="0"/>
-              <a:t>.</a:t>
-            </a:r>
-          </a:p>
-          <a:p>
-            <a:endParaRPr lang="en-US" dirty="0" smtClean="0"/>
-          </a:p>
-          <a:p>
-            <a:pPr marL="695325">
-              <a:buNone/>
-            </a:pPr>
-            <a:r>
-              <a:rPr lang="en-US" dirty="0" smtClean="0"/>
-              <a:t>Extra Reading</a:t>
-            </a:r>
-            <a:endParaRPr lang="en-US" dirty="0" smtClean="0"/>
-          </a:p>
-          <a:p>
-            <a:r>
-              <a:rPr lang="en-US" dirty="0" smtClean="0"/>
-              <a:t>JISC Digital Media. </a:t>
-            </a:r>
-            <a:r>
-              <a:rPr lang="en-US" i="1" dirty="0" smtClean="0"/>
-              <a:t>Choosing a File Name</a:t>
-            </a:r>
-            <a:r>
-              <a:rPr lang="en-US" dirty="0" smtClean="0"/>
-              <a:t> [Managing]. </a:t>
-            </a:r>
-            <a:r>
-              <a:rPr lang="en-US" dirty="0" err="1" smtClean="0"/>
-              <a:t>Jisc</a:t>
-            </a:r>
-            <a:r>
-              <a:rPr lang="en-US" dirty="0" smtClean="0"/>
-              <a:t>.</a:t>
-            </a:r>
-            <a:br>
-              <a:rPr lang="en-US" dirty="0" smtClean="0"/>
-            </a:br>
-            <a:r>
-              <a:rPr lang="en-US" dirty="0" smtClean="0">
-                <a:hlinkClick r:id="rId4"/>
-              </a:rPr>
-              <a:t>http</a:t>
-            </a:r>
-            <a:r>
-              <a:rPr lang="en-US" dirty="0" smtClean="0">
-                <a:hlinkClick r:id="rId4"/>
-              </a:rPr>
-              <a:t>://</a:t>
-            </a:r>
-            <a:r>
-              <a:rPr lang="en-US" dirty="0" smtClean="0">
-                <a:hlinkClick r:id="rId4"/>
-              </a:rPr>
-              <a:t>www.jiscdigitalmedia.ac.uk/guide/choosing-a-file-name</a:t>
-            </a:r>
-            <a:endParaRPr lang="en-US" dirty="0" smtClean="0"/>
-          </a:p>
-          <a:p>
-            <a:r>
-              <a:rPr lang="en-US" dirty="0" smtClean="0"/>
-              <a:t>MIT </a:t>
-            </a:r>
-            <a:r>
-              <a:rPr lang="en-US" dirty="0" smtClean="0"/>
-              <a:t>Libraries. </a:t>
-            </a:r>
-            <a:r>
-              <a:rPr lang="en-US" i="1" dirty="0" smtClean="0"/>
-              <a:t>Data management and publishing: Organize your files</a:t>
-            </a:r>
-            <a:r>
-              <a:rPr lang="en-US" dirty="0" smtClean="0"/>
-              <a:t>. Massachusetts Institute of Technology. </a:t>
-            </a:r>
-            <a:r>
-              <a:rPr lang="en-US" dirty="0" smtClean="0"/>
-              <a:t> </a:t>
-            </a:r>
-            <a:r>
-              <a:rPr lang="en-US" dirty="0" smtClean="0">
-                <a:hlinkClick r:id="rId5"/>
-              </a:rPr>
-              <a:t>http</a:t>
-            </a:r>
-            <a:r>
-              <a:rPr lang="en-US" dirty="0" smtClean="0">
-                <a:hlinkClick r:id="rId5"/>
-              </a:rPr>
-              <a:t>://libraries.mit.edu/data-management/store/organize</a:t>
-            </a:r>
-            <a:endParaRPr lang="en-US" dirty="0"/>
-          </a:p>
-          <a:p>
-            <a:pPr marL="0" indent="0">
-              <a:buNone/>
-            </a:pPr>
-            <a:endParaRPr lang="en-US" dirty="0" smtClean="0"/>
-          </a:p>
-          <a:p>
-            <a:pPr marL="0" indent="0">
-              <a:buNone/>
-            </a:pPr>
-            <a:r>
-              <a:rPr lang="en-US" dirty="0" smtClean="0"/>
-              <a:t>Assignment #2: </a:t>
-            </a:r>
-            <a:r>
-              <a:rPr lang="en-US" dirty="0" smtClean="0"/>
-              <a:t>The </a:t>
-            </a:r>
-            <a:r>
-              <a:rPr lang="en-US" dirty="0" smtClean="0"/>
-              <a:t>Unix Shell. [ DO AS MUCH AS YOU CAN BEFORE COMING TO CLASS </a:t>
-            </a:r>
-            <a:r>
-              <a:rPr lang="en-US" dirty="0" smtClean="0"/>
-              <a:t> </a:t>
-            </a:r>
-            <a:r>
-              <a:rPr lang="en-US" dirty="0" smtClean="0"/>
-              <a:t>] </a:t>
-            </a:r>
-            <a:r>
-              <a:rPr lang="en-US" i="1" dirty="0" smtClean="0">
-                <a:hlinkClick r:id="rId6"/>
-              </a:rPr>
-              <a:t>http://swcarpentry.github.io/shell-novice</a:t>
-            </a:r>
-            <a:r>
-              <a:rPr lang="en-US" i="1" dirty="0" smtClean="0">
-                <a:hlinkClick r:id="rId6"/>
-              </a:rPr>
-              <a:t>/</a:t>
-            </a:r>
-            <a:endParaRPr lang="en-US" sz="1800" dirty="0"/>
-          </a:p>
-        </p:txBody>
-      </p:sp>
-    </p:spTree>
-    <p:extLst>
-      <p:ext uri="{BB962C8B-B14F-4D97-AF65-F5344CB8AC3E}">
-        <p14:creationId xmlns:p14="http://schemas.microsoft.com/office/powerpoint/2010/main" xmlns="" val="1265998686"/>
-      </p:ext>
-    </p:extLst>
-  </p:cSld>
-  <p:clrMapOvr>
-    <a:masterClrMapping/>
-  </p:clrMapOvr>
-  <p:timing>
-    <p:tnLst>
-      <p:par>
-        <p:cTn id="1" dur="indefinite" restart="never" nodeType="tmRoot"/>
-      </p:par>
-    </p:tnLst>
-  </p:timing>
-</p:sld>
-</file>
-
 <file path=ppt/slides/slide4.xml><?xml version="1.0" encoding="utf-8"?>
 <p:sld xmlns:a="http://schemas.openxmlformats.org/drawingml/2006/main" xmlns:r="http://schemas.openxmlformats.org/officeDocument/2006/relationships" xmlns:p="http://schemas.openxmlformats.org/presentationml/2006/main">
   <p:cSld>
@@ -36665,7 +37404,7 @@
         </p:spPr>
         <p:txBody>
           <a:bodyPr>
-            <a:normAutofit/>
+            <a:normAutofit fontScale="92500"/>
           </a:bodyPr>
           <a:lstStyle/>
           <a:p>
@@ -36849,7 +37588,7 @@
     </p:spTree>
     <p:extLst>
       <p:ext uri="{BB962C8B-B14F-4D97-AF65-F5344CB8AC3E}">
-        <p14:creationId xmlns:p14="http://schemas.microsoft.com/office/powerpoint/2010/main" xmlns="" val="2427709017"/>
+        <p14:creationId xmlns:p14="http://schemas.microsoft.com/office/powerpoint/2010/main" val="2427709017"/>
       </p:ext>
     </p:extLst>
   </p:cSld>
@@ -36859,7 +37598,7 @@
   <p:timing>
     <p:tnLst>
       <p:par>
-        <p:cTn id="1" dur="indefinite" restart="never" nodeType="tmRoot">
+        <p:cTn xmlns:p14="http://schemas.microsoft.com/office/powerpoint/2010/main" id="1" dur="indefinite" restart="never" nodeType="tmRoot">
           <p:childTnLst>
             <p:seq concurrent="1" nextAc="seek">
               <p:cTn id="2" dur="indefinite" nodeType="mainSeq">
@@ -37272,44 +38011,20 @@
             <a:pPr lvl="1"/>
             <a:r>
               <a:rPr lang="en-US" dirty="0" smtClean="0"/>
-              <a:t>Vector or Raster</a:t>
-            </a:r>
-          </a:p>
-          <a:p>
-            <a:pPr lvl="1"/>
-            <a:endParaRPr lang="en-US" dirty="0"/>
-          </a:p>
-          <a:p>
+              <a:t>Vector or </a:t>
+            </a:r>
             <a:r>
               <a:rPr lang="en-US" dirty="0" smtClean="0"/>
-              <a:t>What implications are there for </a:t>
-            </a:r>
-          </a:p>
-          <a:p>
-            <a:pPr lvl="1"/>
-            <a:r>
-              <a:rPr lang="en-US" dirty="0" smtClean="0"/>
-              <a:t>Short-term workflows</a:t>
-            </a:r>
-          </a:p>
-          <a:p>
-            <a:pPr lvl="1"/>
-            <a:r>
-              <a:rPr lang="en-US" dirty="0"/>
-              <a:t>L</a:t>
-            </a:r>
-            <a:r>
-              <a:rPr lang="en-US" dirty="0" smtClean="0"/>
-              <a:t>ong-term preservation</a:t>
-            </a:r>
-            <a:endParaRPr lang="en-US" dirty="0"/>
+              <a:t>Raster</a:t>
+            </a:r>
+            <a:endParaRPr lang="en-US" dirty="0" smtClean="0"/>
           </a:p>
         </p:txBody>
       </p:sp>
     </p:spTree>
     <p:extLst>
       <p:ext uri="{BB962C8B-B14F-4D97-AF65-F5344CB8AC3E}">
-        <p14:creationId xmlns:p14="http://schemas.microsoft.com/office/powerpoint/2010/main" xmlns="" val="4186111645"/>
+        <p14:creationId xmlns:p14="http://schemas.microsoft.com/office/powerpoint/2010/main" val="4186111645"/>
       </p:ext>
     </p:extLst>
   </p:cSld>
@@ -37319,177 +38034,7 @@
   <p:timing>
     <p:tnLst>
       <p:par>
-        <p:cTn id="1" dur="indefinite" restart="never" nodeType="tmRoot">
-          <p:childTnLst>
-            <p:seq concurrent="1" nextAc="seek">
-              <p:cTn id="2" dur="indefinite" nodeType="mainSeq">
-                <p:childTnLst>
-                  <p:par>
-                    <p:cTn id="3" fill="hold">
-                      <p:stCondLst>
-                        <p:cond delay="indefinite"/>
-                      </p:stCondLst>
-                      <p:childTnLst>
-                        <p:par>
-                          <p:cTn id="4" fill="hold">
-                            <p:stCondLst>
-                              <p:cond delay="0"/>
-                            </p:stCondLst>
-                            <p:childTnLst>
-                              <p:par>
-                                <p:cTn id="5" presetID="10" presetClass="entr" presetSubtype="0" fill="hold" nodeType="clickEffect">
-                                  <p:stCondLst>
-                                    <p:cond delay="0"/>
-                                  </p:stCondLst>
-                                  <p:childTnLst>
-                                    <p:set>
-                                      <p:cBhvr>
-                                        <p:cTn id="6" dur="1" fill="hold">
-                                          <p:stCondLst>
-                                            <p:cond delay="0"/>
-                                          </p:stCondLst>
-                                        </p:cTn>
-                                        <p:tgtEl>
-                                          <p:spTgt spid="3">
-                                            <p:txEl>
-                                              <p:pRg st="6" end="6"/>
-                                            </p:txEl>
-                                          </p:spTgt>
-                                        </p:tgtEl>
-                                        <p:attrNameLst>
-                                          <p:attrName>style.visibility</p:attrName>
-                                        </p:attrNameLst>
-                                      </p:cBhvr>
-                                      <p:to>
-                                        <p:strVal val="visible"/>
-                                      </p:to>
-                                    </p:set>
-                                    <p:animEffect transition="in" filter="fade">
-                                      <p:cBhvr>
-                                        <p:cTn id="7" dur="500"/>
-                                        <p:tgtEl>
-                                          <p:spTgt spid="3">
-                                            <p:txEl>
-                                              <p:pRg st="6" end="6"/>
-                                            </p:txEl>
-                                          </p:spTgt>
-                                        </p:tgtEl>
-                                      </p:cBhvr>
-                                    </p:animEffect>
-                                  </p:childTnLst>
-                                </p:cTn>
-                              </p:par>
-                              <p:par>
-                                <p:cTn id="8" presetID="10" presetClass="entr" presetSubtype="0" fill="hold" nodeType="withEffect">
-                                  <p:stCondLst>
-                                    <p:cond delay="0"/>
-                                  </p:stCondLst>
-                                  <p:childTnLst>
-                                    <p:set>
-                                      <p:cBhvr>
-                                        <p:cTn id="9" dur="1" fill="hold">
-                                          <p:stCondLst>
-                                            <p:cond delay="0"/>
-                                          </p:stCondLst>
-                                        </p:cTn>
-                                        <p:tgtEl>
-                                          <p:spTgt spid="3">
-                                            <p:txEl>
-                                              <p:pRg st="7" end="7"/>
-                                            </p:txEl>
-                                          </p:spTgt>
-                                        </p:tgtEl>
-                                        <p:attrNameLst>
-                                          <p:attrName>style.visibility</p:attrName>
-                                        </p:attrNameLst>
-                                      </p:cBhvr>
-                                      <p:to>
-                                        <p:strVal val="visible"/>
-                                      </p:to>
-                                    </p:set>
-                                    <p:animEffect transition="in" filter="fade">
-                                      <p:cBhvr>
-                                        <p:cTn id="10" dur="500"/>
-                                        <p:tgtEl>
-                                          <p:spTgt spid="3">
-                                            <p:txEl>
-                                              <p:pRg st="7" end="7"/>
-                                            </p:txEl>
-                                          </p:spTgt>
-                                        </p:tgtEl>
-                                      </p:cBhvr>
-                                    </p:animEffect>
-                                  </p:childTnLst>
-                                </p:cTn>
-                              </p:par>
-                              <p:par>
-                                <p:cTn id="11" presetID="10" presetClass="entr" presetSubtype="0" fill="hold" nodeType="withEffect">
-                                  <p:stCondLst>
-                                    <p:cond delay="0"/>
-                                  </p:stCondLst>
-                                  <p:childTnLst>
-                                    <p:set>
-                                      <p:cBhvr>
-                                        <p:cTn id="12" dur="1" fill="hold">
-                                          <p:stCondLst>
-                                            <p:cond delay="0"/>
-                                          </p:stCondLst>
-                                        </p:cTn>
-                                        <p:tgtEl>
-                                          <p:spTgt spid="3">
-                                            <p:txEl>
-                                              <p:pRg st="8" end="8"/>
-                                            </p:txEl>
-                                          </p:spTgt>
-                                        </p:tgtEl>
-                                        <p:attrNameLst>
-                                          <p:attrName>style.visibility</p:attrName>
-                                        </p:attrNameLst>
-                                      </p:cBhvr>
-                                      <p:to>
-                                        <p:strVal val="visible"/>
-                                      </p:to>
-                                    </p:set>
-                                    <p:animEffect transition="in" filter="fade">
-                                      <p:cBhvr>
-                                        <p:cTn id="13" dur="500"/>
-                                        <p:tgtEl>
-                                          <p:spTgt spid="3">
-                                            <p:txEl>
-                                              <p:pRg st="8" end="8"/>
-                                            </p:txEl>
-                                          </p:spTgt>
-                                        </p:tgtEl>
-                                      </p:cBhvr>
-                                    </p:animEffect>
-                                  </p:childTnLst>
-                                </p:cTn>
-                              </p:par>
-                            </p:childTnLst>
-                          </p:cTn>
-                        </p:par>
-                      </p:childTnLst>
-                    </p:cTn>
-                  </p:par>
-                </p:childTnLst>
-              </p:cTn>
-              <p:prevCondLst>
-                <p:cond evt="onPrev" delay="0">
-                  <p:tgtEl>
-                    <p:sldTgt/>
-                  </p:tgtEl>
-                </p:cond>
-              </p:prevCondLst>
-              <p:nextCondLst>
-                <p:cond evt="onNext" delay="0">
-                  <p:tgtEl>
-                    <p:sldTgt/>
-                  </p:tgtEl>
-                </p:cond>
-              </p:nextCondLst>
-            </p:seq>
-          </p:childTnLst>
-        </p:cTn>
+        <p:cTn xmlns:p14="http://schemas.microsoft.com/office/powerpoint/2010/main" id="1" dur="indefinite" restart="never" nodeType="tmRoot"/>
       </p:par>
     </p:tnLst>
   </p:timing>
@@ -37577,11 +38122,7 @@
             </a:pPr>
             <a:r>
               <a:rPr lang="en-US" dirty="0" smtClean="0"/>
-              <a:t>Naming </a:t>
-            </a:r>
-            <a:r>
-              <a:rPr lang="en-US" dirty="0" smtClean="0"/>
-              <a:t>Conventions</a:t>
+              <a:t>Naming Conventions</a:t>
             </a:r>
           </a:p>
           <a:p>
@@ -37610,7 +38151,7 @@
           <a:blip r:embed="rId2" cstate="print">
             <a:extLst>
               <a:ext uri="{28A0092B-C50C-407E-A947-70E740481C1C}">
-                <a14:useLocalDpi xmlns="" xmlns:a14="http://schemas.microsoft.com/office/drawing/2010/main" val="0"/>
+                <a14:useLocalDpi xmlns:a14="http://schemas.microsoft.com/office/drawing/2010/main" val="0"/>
               </a:ext>
             </a:extLst>
           </a:blip>
@@ -37662,7 +38203,7 @@
     </p:spTree>
     <p:extLst>
       <p:ext uri="{BB962C8B-B14F-4D97-AF65-F5344CB8AC3E}">
-        <p14:creationId xmlns="" xmlns:p14="http://schemas.microsoft.com/office/powerpoint/2010/main" val="374121597"/>
+        <p14:creationId xmlns:p14="http://schemas.microsoft.com/office/powerpoint/2010/main" val="374121597"/>
       </p:ext>
     </p:extLst>
   </p:cSld>
@@ -37672,7 +38213,7 @@
   <p:timing>
     <p:tnLst>
       <p:par>
-        <p:cTn id="1" dur="indefinite" restart="never" nodeType="tmRoot"/>
+        <p:cTn xmlns:p14="http://schemas.microsoft.com/office/powerpoint/2010/main" id="1" dur="indefinite" restart="never" nodeType="tmRoot"/>
       </p:par>
     </p:tnLst>
   </p:timing>
@@ -37708,7 +38249,7 @@
           <a:blip r:embed="rId3" cstate="print">
             <a:extLst>
               <a:ext uri="{28A0092B-C50C-407E-A947-70E740481C1C}">
-                <a14:useLocalDpi xmlns="" xmlns:a14="http://schemas.microsoft.com/office/drawing/2010/main" val="0"/>
+                <a14:useLocalDpi xmlns:a14="http://schemas.microsoft.com/office/drawing/2010/main" val="0"/>
               </a:ext>
             </a:extLst>
           </a:blip>
@@ -37726,7 +38267,7 @@
           <a:noFill/>
           <a:extLst>
             <a:ext uri="{909E8E84-426E-40dd-AFC4-6F175D3DCCD1}">
-              <a14:hiddenFill xmlns:a14="http://schemas.microsoft.com/office/drawing/2010/main" xmlns="">
+              <a14:hiddenFill xmlns:a14="http://schemas.microsoft.com/office/drawing/2010/main">
                 <a:solidFill>
                   <a:srgbClr val="FFFFFF"/>
                 </a:solidFill>
@@ -38003,7 +38544,7 @@
     </p:spTree>
     <p:extLst>
       <p:ext uri="{BB962C8B-B14F-4D97-AF65-F5344CB8AC3E}">
-        <p14:creationId xmlns="" xmlns:p14="http://schemas.microsoft.com/office/powerpoint/2010/main" val="147640595"/>
+        <p14:creationId xmlns:p14="http://schemas.microsoft.com/office/powerpoint/2010/main" val="147640595"/>
       </p:ext>
     </p:extLst>
   </p:cSld>
@@ -38013,7 +38554,7 @@
   <p:timing>
     <p:tnLst>
       <p:par>
-        <p:cTn id="1" dur="indefinite" restart="never" nodeType="tmRoot">
+        <p:cTn xmlns:p14="http://schemas.microsoft.com/office/powerpoint/2010/main" id="1" dur="indefinite" restart="never" nodeType="tmRoot">
           <p:childTnLst>
             <p:seq concurrent="1" nextAc="seek">
               <p:cTn id="2" dur="indefinite" nodeType="mainSeq">
@@ -38343,6 +38884,13 @@
   <p:clrMapOvr>
     <a:masterClrMapping/>
   </p:clrMapOvr>
+  <p:timing>
+    <p:tnLst>
+      <p:par>
+        <p:cTn xmlns:p14="http://schemas.microsoft.com/office/powerpoint/2010/main" id="1" dur="indefinite" restart="never" nodeType="tmRoot"/>
+      </p:par>
+    </p:tnLst>
+  </p:timing>
 </p:sld>
 </file>
 
@@ -38380,15 +38928,7 @@
           <a:p>
             <a:r>
               <a:rPr lang="en-US" dirty="0" smtClean="0"/>
-              <a:t>The benefits of consistent data file </a:t>
-            </a:r>
-            <a:r>
-              <a:rPr lang="en-US" dirty="0" smtClean="0"/>
-              <a:t>labeling </a:t>
-            </a:r>
-            <a:r>
-              <a:rPr lang="en-US" dirty="0" smtClean="0"/>
-              <a:t>are:</a:t>
+              <a:t>The benefits of consistent data file labeling are:</a:t>
             </a:r>
             <a:endParaRPr lang="en-US" dirty="0"/>
           </a:p>
@@ -38566,6 +39106,13 @@
   <p:clrMapOvr>
     <a:masterClrMapping/>
   </p:clrMapOvr>
+  <p:timing>
+    <p:tnLst>
+      <p:par>
+        <p:cTn xmlns:p14="http://schemas.microsoft.com/office/powerpoint/2010/main" id="1" dur="indefinite" restart="never" nodeType="tmRoot"/>
+      </p:par>
+    </p:tnLst>
+  </p:timing>
 </p:sld>
 </file>
 
@@ -38824,7 +39371,7 @@
   <a:extraClrSchemeLst/>
   <a:extLst>
     <a:ext uri="{05A4C25C-085E-4340-85A3-A5531E510DB2}">
-      <thm15:themeFamily xmlns:thm15="http://schemas.microsoft.com/office/thememl/2012/main" xmlns="" name="Office Theme" id="{62F939B6-93AF-4DB8-9C6B-D6C7DFDC589F}" vid="{4A3C46E8-61CC-4603-A589-7422A47A8E4A}"/>
+      <thm15:themeFamily xmlns="" xmlns:thm15="http://schemas.microsoft.com/office/thememl/2012/main" name="Office Theme" id="{62F939B6-93AF-4DB8-9C6B-D6C7DFDC589F}" vid="{4A3C46E8-61CC-4603-A589-7422A47A8E4A}"/>
     </a:ext>
   </a:extLst>
 </a:theme>
@@ -39085,7 +39632,7 @@
   <a:extraClrSchemeLst/>
   <a:extLst>
     <a:ext uri="{05A4C25C-085E-4340-85A3-A5531E510DB2}">
-      <thm15:themeFamily xmlns:thm15="http://schemas.microsoft.com/office/thememl/2012/main" xmlns="" name="Office Theme" id="{62F939B6-93AF-4DB8-9C6B-D6C7DFDC589F}" vid="{4A3C46E8-61CC-4603-A589-7422A47A8E4A}"/>
+      <thm15:themeFamily xmlns="" xmlns:thm15="http://schemas.microsoft.com/office/thememl/2012/main" name="Office Theme" id="{62F939B6-93AF-4DB8-9C6B-D6C7DFDC589F}" vid="{4A3C46E8-61CC-4603-A589-7422A47A8E4A}"/>
     </a:ext>
   </a:extLst>
 </a:theme>

--- a/UM_DataManagementClass/Lessons/04/04_FirstMeeting.pptx
+++ b/UM_DataManagementClass/Lessons/04/04_FirstMeeting.pptx
@@ -5,7 +5,7 @@
     <p:sldMasterId id="2147483756" r:id="rId1"/>
   </p:sldMasterIdLst>
   <p:notesMasterIdLst>
-    <p:notesMasterId r:id="rId40"/>
+    <p:notesMasterId r:id="rId41"/>
   </p:notesMasterIdLst>
   <p:sldIdLst>
     <p:sldId id="256" r:id="rId2"/>
@@ -16,8 +16,8 @@
     <p:sldId id="284" r:id="rId7"/>
     <p:sldId id="285" r:id="rId8"/>
     <p:sldId id="311" r:id="rId9"/>
-    <p:sldId id="312" r:id="rId10"/>
-    <p:sldId id="315" r:id="rId11"/>
+    <p:sldId id="315" r:id="rId10"/>
+    <p:sldId id="312" r:id="rId11"/>
     <p:sldId id="296" r:id="rId12"/>
     <p:sldId id="297" r:id="rId13"/>
     <p:sldId id="298" r:id="rId14"/>
@@ -42,10 +42,11 @@
     <p:sldId id="292" r:id="rId33"/>
     <p:sldId id="293" r:id="rId34"/>
     <p:sldId id="278" r:id="rId35"/>
-    <p:sldId id="308" r:id="rId36"/>
-    <p:sldId id="309" r:id="rId37"/>
-    <p:sldId id="306" r:id="rId38"/>
-    <p:sldId id="307" r:id="rId39"/>
+    <p:sldId id="318" r:id="rId36"/>
+    <p:sldId id="308" r:id="rId37"/>
+    <p:sldId id="309" r:id="rId38"/>
+    <p:sldId id="306" r:id="rId39"/>
+    <p:sldId id="307" r:id="rId40"/>
   </p:sldIdLst>
   <p:sldSz cx="12192000" cy="6858000"/>
   <p:notesSz cx="7010400" cy="9296400"/>
@@ -146,7 +147,7 @@
   </p:defaultTextStyle>
   <p:extLst>
     <p:ext uri="{EFAFB233-063F-42B5-8137-9DF3F51BA10A}">
-      <p15:sldGuideLst xmlns="" xmlns:p15="http://schemas.microsoft.com/office/powerpoint/2012/main">
+      <p15:sldGuideLst xmlns:p15="http://schemas.microsoft.com/office/powerpoint/2012/main">
         <p15:guide id="1" orient="horz" pos="2160" userDrawn="1">
           <p15:clr>
             <a:srgbClr val="A4A3A4"/>
@@ -246,7 +247,7 @@
             <a:fld id="{0B10C68B-4B56-4C57-A100-1112E8D05063}" type="datetimeFigureOut">
               <a:rPr lang="en-US" smtClean="0"/>
               <a:pPr/>
-              <a:t>1/31/16</a:t>
+              <a:t>2/1/2016</a:t>
             </a:fld>
             <a:endParaRPr lang="en-US"/>
           </a:p>
@@ -1175,7 +1176,7 @@
             <a:fld id="{BD1BE559-B438-492B-8B25-996CFA6FE800}" type="slidenum">
               <a:rPr lang="en-US" smtClean="0"/>
               <a:pPr/>
-              <a:t>35</a:t>
+              <a:t>36</a:t>
             </a:fld>
             <a:endParaRPr lang="en-US"/>
           </a:p>
@@ -1260,7 +1261,7 @@
             <a:fld id="{BD1BE559-B438-492B-8B25-996CFA6FE800}" type="slidenum">
               <a:rPr lang="en-US" smtClean="0"/>
               <a:pPr/>
-              <a:t>36</a:t>
+              <a:t>37</a:t>
             </a:fld>
             <a:endParaRPr lang="en-US"/>
           </a:p>
@@ -2202,7 +2203,7 @@
               <a:pPr>
                 <a:defRPr/>
               </a:pPr>
-              <a:t>1/31/16</a:t>
+              <a:t>2/1/2016</a:t>
             </a:fld>
             <a:endParaRPr lang="en-US">
               <a:solidFill>
@@ -2417,7 +2418,7 @@
               <a:pPr>
                 <a:defRPr/>
               </a:pPr>
-              <a:t>1/31/16</a:t>
+              <a:t>2/1/2016</a:t>
             </a:fld>
             <a:endParaRPr lang="en-US">
               <a:solidFill>
@@ -2642,7 +2643,7 @@
               <a:pPr>
                 <a:defRPr/>
               </a:pPr>
-              <a:t>1/31/16</a:t>
+              <a:t>2/1/2016</a:t>
             </a:fld>
             <a:endParaRPr lang="en-US">
               <a:solidFill>
@@ -2883,7 +2884,7 @@
               <a:pPr>
                 <a:defRPr/>
               </a:pPr>
-              <a:t>1/31/16</a:t>
+              <a:t>2/1/2016</a:t>
             </a:fld>
             <a:endParaRPr lang="en-US">
               <a:solidFill>
@@ -3172,7 +3173,7 @@
               <a:pPr>
                 <a:defRPr/>
               </a:pPr>
-              <a:t>1/31/16</a:t>
+              <a:t>2/1/2016</a:t>
             </a:fld>
             <a:endParaRPr lang="en-US">
               <a:solidFill>
@@ -3493,7 +3494,7 @@
               <a:pPr>
                 <a:defRPr/>
               </a:pPr>
-              <a:t>1/31/16</a:t>
+              <a:t>2/1/2016</a:t>
             </a:fld>
             <a:endParaRPr lang="en-US">
               <a:solidFill>
@@ -3953,7 +3954,7 @@
               <a:pPr>
                 <a:defRPr/>
               </a:pPr>
-              <a:t>1/31/16</a:t>
+              <a:t>2/1/2016</a:t>
             </a:fld>
             <a:endParaRPr lang="en-US">
               <a:solidFill>
@@ -4124,7 +4125,7 @@
               <a:pPr>
                 <a:defRPr/>
               </a:pPr>
-              <a:t>1/31/16</a:t>
+              <a:t>2/1/2016</a:t>
             </a:fld>
             <a:endParaRPr lang="en-US">
               <a:solidFill>
@@ -4264,7 +4265,7 @@
               <a:pPr>
                 <a:defRPr/>
               </a:pPr>
-              <a:t>1/31/16</a:t>
+              <a:t>2/1/2016</a:t>
             </a:fld>
             <a:endParaRPr lang="en-US">
               <a:solidFill>
@@ -4586,7 +4587,7 @@
               <a:pPr>
                 <a:defRPr/>
               </a:pPr>
-              <a:t>1/31/16</a:t>
+              <a:t>2/1/2016</a:t>
             </a:fld>
             <a:endParaRPr lang="en-US">
               <a:solidFill>
@@ -4888,7 +4889,7 @@
               <a:pPr>
                 <a:defRPr/>
               </a:pPr>
-              <a:t>1/31/16</a:t>
+              <a:t>2/1/2016</a:t>
             </a:fld>
             <a:endParaRPr lang="en-US">
               <a:solidFill>
@@ -5146,7 +5147,7 @@
               <a:pPr>
                 <a:defRPr/>
               </a:pPr>
-              <a:t>1/31/16</a:t>
+              <a:t>2/1/2016</a:t>
             </a:fld>
             <a:endParaRPr lang="en-US">
               <a:solidFill>
@@ -5769,7 +5770,7 @@
   <p:timing>
     <p:tnLst>
       <p:par>
-        <p:cTn xmlns:p14="http://schemas.microsoft.com/office/powerpoint/2010/main" id="1" dur="indefinite" restart="never" nodeType="tmRoot"/>
+        <p:cTn id="1" dur="indefinite" restart="never" nodeType="tmRoot"/>
       </p:par>
     </p:tnLst>
   </p:timing>
@@ -5810,7 +5811,7 @@
           <a:p>
             <a:r>
               <a:rPr lang="en-US" dirty="0" smtClean="0"/>
-              <a:t>So . . .</a:t>
+              <a:t>The benefits of consistent data file labeling are:</a:t>
             </a:r>
             <a:endParaRPr lang="en-US" dirty="0"/>
           </a:p>
@@ -5826,75 +5827,159 @@
             <p:ph idx="1"/>
           </p:nvPr>
         </p:nvSpPr>
-        <p:spPr/>
+        <p:spPr>
+          <a:xfrm>
+            <a:off x="838200" y="1703705"/>
+            <a:ext cx="10515600" cy="4351338"/>
+          </a:xfrm>
+        </p:spPr>
         <p:txBody>
-          <a:bodyPr/>
+          <a:bodyPr>
+            <a:normAutofit fontScale="92500" lnSpcReduction="20000"/>
+          </a:bodyPr>
           <a:lstStyle/>
           <a:p>
+            <a:pPr>
+              <a:buNone/>
+            </a:pPr>
             <a:r>
               <a:rPr lang="en-US" dirty="0" smtClean="0"/>
-              <a:t>Take a moment, think about your file naming for your articles that you </a:t>
-            </a:r>
-            <a:r>
+              <a:t/>
+            </a:r>
+            <a:br>
               <a:rPr lang="en-US" dirty="0" smtClean="0"/>
-              <a:t>save</a:t>
-            </a:r>
-          </a:p>
-          <a:p>
-            <a:pPr lvl="1"/>
+            </a:br>
             <a:r>
               <a:rPr lang="en-US" dirty="0" smtClean="0"/>
-              <a:t>Are you consistent?</a:t>
-            </a:r>
-          </a:p>
-          <a:p>
-            <a:pPr lvl="1"/>
-            <a:r>
+              <a:t>- Data files are distinguishable from each other within their containing folder</a:t>
+            </a:r>
+            <a:br>
               <a:rPr lang="en-US" dirty="0" smtClean="0"/>
-              <a:t>Is it easy to find what you want several months later?</a:t>
-            </a:r>
-          </a:p>
-          <a:p>
-            <a:pPr lvl="1"/>
-            <a:endParaRPr lang="en-US" dirty="0" smtClean="0"/>
-          </a:p>
-          <a:p>
+            </a:br>
             <a:r>
               <a:rPr lang="en-US" dirty="0" smtClean="0"/>
-              <a:t>Now think about your </a:t>
-            </a:r>
-            <a:r>
+              <a:t/>
+            </a:r>
+            <a:br>
               <a:rPr lang="en-US" dirty="0" smtClean="0"/>
-              <a:t>file </a:t>
-            </a:r>
+            </a:br>
             <a:r>
               <a:rPr lang="en-US" dirty="0" smtClean="0"/>
-              <a:t>structure for your downloaded articles</a:t>
-            </a:r>
-          </a:p>
-          <a:p>
-            <a:pPr lvl="1"/>
-            <a:r>
+              <a:t>- Data file naming prevents confusion when multiple people are working on shared files</a:t>
+            </a:r>
+            <a:br>
               <a:rPr lang="en-US" dirty="0" smtClean="0"/>
-              <a:t>Where are the actual files on the computer?</a:t>
-            </a:r>
-          </a:p>
-          <a:p>
-            <a:pPr lvl="1"/>
+            </a:br>
             <a:r>
               <a:rPr lang="en-US" dirty="0" smtClean="0"/>
-              <a:t>How many folders are you using?</a:t>
-            </a:r>
-          </a:p>
-          <a:p>
-            <a:pPr lvl="1"/>
-            <a:r>
+              <a:t/>
+            </a:r>
+            <a:br>
               <a:rPr lang="en-US" dirty="0" smtClean="0"/>
-              <a:t>Are they logically organized?</a:t>
-            </a:r>
-          </a:p>
-          <a:p>
-            <a:pPr lvl="1"/>
+            </a:br>
+            <a:r>
+              <a:rPr lang="en-US" dirty="0" smtClean="0"/>
+              <a:t>- Data files are easier to locate and browse</a:t>
+            </a:r>
+            <a:br>
+              <a:rPr lang="en-US" dirty="0" smtClean="0"/>
+            </a:br>
+            <a:r>
+              <a:rPr lang="en-US" dirty="0" smtClean="0"/>
+              <a:t/>
+            </a:r>
+            <a:br>
+              <a:rPr lang="en-US" dirty="0" smtClean="0"/>
+            </a:br>
+            <a:r>
+              <a:rPr lang="en-US" dirty="0" smtClean="0"/>
+              <a:t>- Data files can be retrieved not only by the creator but by other users</a:t>
+            </a:r>
+            <a:br>
+              <a:rPr lang="en-US" dirty="0" smtClean="0"/>
+            </a:br>
+            <a:r>
+              <a:rPr lang="en-US" dirty="0" smtClean="0"/>
+              <a:t/>
+            </a:r>
+            <a:br>
+              <a:rPr lang="en-US" dirty="0" smtClean="0"/>
+            </a:br>
+            <a:r>
+              <a:rPr lang="en-US" dirty="0" smtClean="0"/>
+              <a:t>- Data files can be sorted in logical sequence</a:t>
+            </a:r>
+            <a:br>
+              <a:rPr lang="en-US" dirty="0" smtClean="0"/>
+            </a:br>
+            <a:r>
+              <a:rPr lang="en-US" dirty="0" smtClean="0"/>
+              <a:t/>
+            </a:r>
+            <a:br>
+              <a:rPr lang="en-US" dirty="0" smtClean="0"/>
+            </a:br>
+            <a:r>
+              <a:rPr lang="en-US" dirty="0" smtClean="0"/>
+              <a:t>- Data files are not accidentally overwritten or deleted</a:t>
+            </a:r>
+            <a:br>
+              <a:rPr lang="en-US" dirty="0" smtClean="0"/>
+            </a:br>
+            <a:r>
+              <a:rPr lang="en-US" dirty="0" smtClean="0"/>
+              <a:t/>
+            </a:r>
+            <a:br>
+              <a:rPr lang="en-US" dirty="0" smtClean="0"/>
+            </a:br>
+            <a:r>
+              <a:rPr lang="en-US" dirty="0" smtClean="0"/>
+              <a:t>- Different versions of data files can be identified</a:t>
+            </a:r>
+            <a:br>
+              <a:rPr lang="en-US" dirty="0" smtClean="0"/>
+            </a:br>
+            <a:r>
+              <a:rPr lang="en-US" dirty="0" smtClean="0"/>
+              <a:t/>
+            </a:r>
+            <a:br>
+              <a:rPr lang="en-US" dirty="0" smtClean="0"/>
+            </a:br>
+            <a:r>
+              <a:rPr lang="en-US" dirty="0" smtClean="0"/>
+              <a:t>- If data files are moved to other storage platform their names will retain useful context </a:t>
+            </a:r>
+            <a:endParaRPr lang="en-US" dirty="0"/>
+          </a:p>
+        </p:txBody>
+      </p:sp>
+      <p:sp>
+        <p:nvSpPr>
+          <p:cNvPr id="4" name="Rectangle 3"/>
+          <p:cNvSpPr/>
+          <p:nvPr/>
+        </p:nvSpPr>
+        <p:spPr>
+          <a:xfrm>
+            <a:off x="5043113" y="5926574"/>
+            <a:ext cx="4909934" cy="369332"/>
+          </a:xfrm>
+          <a:prstGeom prst="rect">
+            <a:avLst/>
+          </a:prstGeom>
+        </p:spPr>
+        <p:txBody>
+          <a:bodyPr wrap="none">
+            <a:spAutoFit/>
+          </a:bodyPr>
+          <a:lstStyle/>
+          <a:p>
+            <a:r>
+              <a:rPr lang="en-US" dirty="0" smtClean="0"/>
+              <a:t>http://datalib.edina.ac.uk/mantra/organisingdata/</a:t>
+            </a:r>
             <a:endParaRPr lang="en-US" dirty="0"/>
           </a:p>
         </p:txBody>
@@ -5907,9 +5992,131 @@
   <p:timing>
     <p:tnLst>
       <p:par>
-        <p:cTn xmlns:p14="http://schemas.microsoft.com/office/powerpoint/2010/main" id="1" dur="indefinite" restart="never" nodeType="tmRoot"/>
+        <p:cTn id="1" dur="indefinite" restart="never" nodeType="tmRoot">
+          <p:childTnLst>
+            <p:seq concurrent="1" nextAc="seek">
+              <p:cTn id="2" dur="indefinite" nodeType="mainSeq">
+                <p:childTnLst>
+                  <p:par>
+                    <p:cTn id="3" fill="hold">
+                      <p:stCondLst>
+                        <p:cond delay="indefinite"/>
+                      </p:stCondLst>
+                      <p:childTnLst>
+                        <p:par>
+                          <p:cTn id="4" fill="hold">
+                            <p:stCondLst>
+                              <p:cond delay="0"/>
+                            </p:stCondLst>
+                            <p:childTnLst>
+                              <p:par>
+                                <p:cTn id="5" presetID="10" presetClass="entr" presetSubtype="0" fill="hold" nodeType="clickEffect">
+                                  <p:stCondLst>
+                                    <p:cond delay="0"/>
+                                  </p:stCondLst>
+                                  <p:childTnLst>
+                                    <p:set>
+                                      <p:cBhvr>
+                                        <p:cTn id="6" dur="1" fill="hold">
+                                          <p:stCondLst>
+                                            <p:cond delay="0"/>
+                                          </p:stCondLst>
+                                        </p:cTn>
+                                        <p:tgtEl>
+                                          <p:spTgt spid="3">
+                                            <p:txEl>
+                                              <p:pRg st="0" end="0"/>
+                                            </p:txEl>
+                                          </p:spTgt>
+                                        </p:tgtEl>
+                                        <p:attrNameLst>
+                                          <p:attrName>style.visibility</p:attrName>
+                                        </p:attrNameLst>
+                                      </p:cBhvr>
+                                      <p:to>
+                                        <p:strVal val="visible"/>
+                                      </p:to>
+                                    </p:set>
+                                    <p:animEffect transition="in" filter="fade">
+                                      <p:cBhvr>
+                                        <p:cTn id="7" dur="500"/>
+                                        <p:tgtEl>
+                                          <p:spTgt spid="3">
+                                            <p:txEl>
+                                              <p:pRg st="0" end="0"/>
+                                            </p:txEl>
+                                          </p:spTgt>
+                                        </p:tgtEl>
+                                      </p:cBhvr>
+                                    </p:animEffect>
+                                  </p:childTnLst>
+                                </p:cTn>
+                              </p:par>
+                              <p:par>
+                                <p:cTn id="8" presetID="10" presetClass="entr" presetSubtype="0" fill="hold" grpId="0" nodeType="withEffect">
+                                  <p:stCondLst>
+                                    <p:cond delay="0"/>
+                                  </p:stCondLst>
+                                  <p:childTnLst>
+                                    <p:set>
+                                      <p:cBhvr>
+                                        <p:cTn id="9" dur="1" fill="hold">
+                                          <p:stCondLst>
+                                            <p:cond delay="0"/>
+                                          </p:stCondLst>
+                                        </p:cTn>
+                                        <p:tgtEl>
+                                          <p:spTgt spid="4"/>
+                                        </p:tgtEl>
+                                        <p:attrNameLst>
+                                          <p:attrName>style.visibility</p:attrName>
+                                        </p:attrNameLst>
+                                      </p:cBhvr>
+                                      <p:to>
+                                        <p:strVal val="visible"/>
+                                      </p:to>
+                                    </p:set>
+                                    <p:animEffect transition="in" filter="fade">
+                                      <p:cBhvr>
+                                        <p:cTn id="10" dur="500"/>
+                                        <p:tgtEl>
+                                          <p:spTgt spid="4"/>
+                                        </p:tgtEl>
+                                      </p:cBhvr>
+                                    </p:animEffect>
+                                  </p:childTnLst>
+                                </p:cTn>
+                              </p:par>
+                            </p:childTnLst>
+                          </p:cTn>
+                        </p:par>
+                      </p:childTnLst>
+                    </p:cTn>
+                  </p:par>
+                </p:childTnLst>
+              </p:cTn>
+              <p:prevCondLst>
+                <p:cond evt="onPrev" delay="0">
+                  <p:tgtEl>
+                    <p:sldTgt/>
+                  </p:tgtEl>
+                </p:cond>
+              </p:prevCondLst>
+              <p:nextCondLst>
+                <p:cond evt="onNext" delay="0">
+                  <p:tgtEl>
+                    <p:sldTgt/>
+                  </p:tgtEl>
+                </p:cond>
+              </p:nextCondLst>
+            </p:seq>
+          </p:childTnLst>
+        </p:cTn>
       </p:par>
     </p:tnLst>
+    <p:bldLst>
+      <p:bldP spid="4" grpId="0"/>
+    </p:bldLst>
   </p:timing>
 </p:sld>
 </file>
@@ -6013,7 +6220,7 @@
   <p:timing>
     <p:tnLst>
       <p:par>
-        <p:cTn xmlns:p14="http://schemas.microsoft.com/office/powerpoint/2010/main" id="1" dur="indefinite" restart="never" nodeType="tmRoot"/>
+        <p:cTn id="1" dur="indefinite" restart="never" nodeType="tmRoot"/>
       </p:par>
     </p:tnLst>
   </p:timing>
@@ -6111,7 +6318,7 @@
   <p:timing>
     <p:tnLst>
       <p:par>
-        <p:cTn xmlns:p14="http://schemas.microsoft.com/office/powerpoint/2010/main" id="1" dur="indefinite" restart="never" nodeType="tmRoot"/>
+        <p:cTn id="1" dur="indefinite" restart="never" nodeType="tmRoot"/>
       </p:par>
     </p:tnLst>
   </p:timing>
@@ -6268,7 +6475,7 @@
   <p:timing>
     <p:tnLst>
       <p:par>
-        <p:cTn xmlns:p14="http://schemas.microsoft.com/office/powerpoint/2010/main" id="1" dur="indefinite" restart="never" nodeType="tmRoot"/>
+        <p:cTn id="1" dur="indefinite" restart="never" nodeType="tmRoot"/>
       </p:par>
     </p:tnLst>
   </p:timing>
@@ -6458,7 +6665,7 @@
   <p:timing>
     <p:tnLst>
       <p:par>
-        <p:cTn xmlns:p14="http://schemas.microsoft.com/office/powerpoint/2010/main" id="1" dur="indefinite" restart="never" nodeType="tmRoot"/>
+        <p:cTn id="1" dur="indefinite" restart="never" nodeType="tmRoot"/>
       </p:par>
     </p:tnLst>
   </p:timing>
@@ -6925,7 +7132,7 @@
   <p:timing>
     <p:tnLst>
       <p:par>
-        <p:cTn xmlns:p14="http://schemas.microsoft.com/office/powerpoint/2010/main" id="1" dur="indefinite" restart="never" nodeType="tmRoot">
+        <p:cTn id="1" dur="indefinite" restart="never" nodeType="tmRoot">
           <p:childTnLst>
             <p:seq concurrent="1" nextAc="seek">
               <p:cTn id="2" dur="indefinite" nodeType="mainSeq">
@@ -7351,33 +7558,15 @@
                                   </p:childTnLst>
                                 </p:cTn>
                               </p:par>
-                            </p:childTnLst>
-                          </p:cTn>
-                        </p:par>
-                      </p:childTnLst>
-                    </p:cTn>
-                  </p:par>
-                  <p:par>
-                    <p:cTn id="38" fill="hold">
-                      <p:stCondLst>
-                        <p:cond delay="indefinite"/>
-                      </p:stCondLst>
-                      <p:childTnLst>
-                        <p:par>
-                          <p:cTn id="39" fill="hold">
-                            <p:stCondLst>
-                              <p:cond delay="0"/>
-                            </p:stCondLst>
-                            <p:childTnLst>
                               <p:par>
-                                <p:cTn id="40" presetID="10" presetClass="entr" presetSubtype="0" fill="hold" grpId="0" nodeType="clickEffect">
+                                <p:cTn id="38" presetID="10" presetClass="entr" presetSubtype="0" fill="hold" grpId="0" nodeType="withEffect">
                                   <p:stCondLst>
                                     <p:cond delay="0"/>
                                   </p:stCondLst>
                                   <p:childTnLst>
                                     <p:set>
                                       <p:cBhvr>
-                                        <p:cTn id="41" dur="1" fill="hold">
+                                        <p:cTn id="39" dur="1" fill="hold">
                                           <p:stCondLst>
                                             <p:cond delay="0"/>
                                           </p:stCondLst>
@@ -7395,9 +7584,44 @@
                                     </p:set>
                                     <p:animEffect transition="in" filter="fade">
                                       <p:cBhvr>
-                                        <p:cTn id="42" dur="500"/>
+                                        <p:cTn id="40" dur="500"/>
                                         <p:tgtEl>
                                           <p:spTgt spid="9"/>
+                                        </p:tgtEl>
+                                      </p:cBhvr>
+                                    </p:animEffect>
+                                  </p:childTnLst>
+                                </p:cTn>
+                              </p:par>
+                              <p:par>
+                                <p:cTn id="41" presetID="10" presetClass="entr" presetSubtype="0" fill="hold" grpId="0" nodeType="withEffect">
+                                  <p:stCondLst>
+                                    <p:cond delay="0"/>
+                                  </p:stCondLst>
+                                  <p:childTnLst>
+                                    <p:set>
+                                      <p:cBhvr>
+                                        <p:cTn id="42" dur="1" fill="hold">
+                                          <p:stCondLst>
+                                            <p:cond delay="0"/>
+                                          </p:stCondLst>
+                                        </p:cTn>
+                                        <p:tgtEl>
+                                          <p:spTgt spid="11"/>
+                                        </p:tgtEl>
+                                        <p:attrNameLst>
+                                          <p:attrName>style.visibility</p:attrName>
+                                        </p:attrNameLst>
+                                      </p:cBhvr>
+                                      <p:to>
+                                        <p:strVal val="visible"/>
+                                      </p:to>
+                                    </p:set>
+                                    <p:animEffect transition="in" filter="fade">
+                                      <p:cBhvr>
+                                        <p:cTn id="43" dur="500"/>
+                                        <p:tgtEl>
+                                          <p:spTgt spid="11"/>
                                         </p:tgtEl>
                                       </p:cBhvr>
                                     </p:animEffect>
@@ -7411,26 +7635,26 @@
                     </p:cTn>
                   </p:par>
                   <p:par>
-                    <p:cTn id="43" fill="hold">
+                    <p:cTn id="44" fill="hold">
                       <p:stCondLst>
                         <p:cond delay="indefinite"/>
                       </p:stCondLst>
                       <p:childTnLst>
                         <p:par>
-                          <p:cTn id="44" fill="hold">
+                          <p:cTn id="45" fill="hold">
                             <p:stCondLst>
                               <p:cond delay="0"/>
                             </p:stCondLst>
                             <p:childTnLst>
                               <p:par>
-                                <p:cTn id="45" presetID="10" presetClass="entr" presetSubtype="0" fill="hold" grpId="0" nodeType="clickEffect">
+                                <p:cTn id="46" presetID="10" presetClass="entr" presetSubtype="0" fill="hold" grpId="0" nodeType="clickEffect">
                                   <p:stCondLst>
                                     <p:cond delay="0"/>
                                   </p:stCondLst>
                                   <p:childTnLst>
                                     <p:set>
                                       <p:cBhvr>
-                                        <p:cTn id="46" dur="1" fill="hold">
+                                        <p:cTn id="47" dur="1" fill="hold">
                                           <p:stCondLst>
                                             <p:cond delay="0"/>
                                           </p:stCondLst>
@@ -7452,7 +7676,7 @@
                                     </p:set>
                                     <p:animEffect transition="in" filter="fade">
                                       <p:cBhvr>
-                                        <p:cTn id="47" dur="500"/>
+                                        <p:cTn id="48" dur="500"/>
                                         <p:tgtEl>
                                           <p:spTgt spid="4">
                                             <p:txEl>
@@ -7472,26 +7696,26 @@
                     </p:cTn>
                   </p:par>
                   <p:par>
-                    <p:cTn id="48" fill="hold">
+                    <p:cTn id="49" fill="hold">
                       <p:stCondLst>
                         <p:cond delay="indefinite"/>
                       </p:stCondLst>
                       <p:childTnLst>
                         <p:par>
-                          <p:cTn id="49" fill="hold">
+                          <p:cTn id="50" fill="hold">
                             <p:stCondLst>
                               <p:cond delay="0"/>
                             </p:stCondLst>
                             <p:childTnLst>
                               <p:par>
-                                <p:cTn id="50" presetID="10" presetClass="entr" presetSubtype="0" fill="hold" grpId="0" nodeType="clickEffect">
+                                <p:cTn id="51" presetID="10" presetClass="entr" presetSubtype="0" fill="hold" grpId="0" nodeType="clickEffect">
                                   <p:stCondLst>
                                     <p:cond delay="0"/>
                                   </p:stCondLst>
                                   <p:childTnLst>
                                     <p:set>
                                       <p:cBhvr>
-                                        <p:cTn id="51" dur="1" fill="hold">
+                                        <p:cTn id="52" dur="1" fill="hold">
                                           <p:stCondLst>
                                             <p:cond delay="0"/>
                                           </p:stCondLst>
@@ -7513,7 +7737,7 @@
                                     </p:set>
                                     <p:animEffect transition="in" filter="fade">
                                       <p:cBhvr>
-                                        <p:cTn id="52" dur="500"/>
+                                        <p:cTn id="53" dur="500"/>
                                         <p:tgtEl>
                                           <p:spTgt spid="4">
                                             <p:txEl>
@@ -7533,26 +7757,26 @@
                     </p:cTn>
                   </p:par>
                   <p:par>
-                    <p:cTn id="53" fill="hold">
+                    <p:cTn id="54" fill="hold">
                       <p:stCondLst>
                         <p:cond delay="indefinite"/>
                       </p:stCondLst>
                       <p:childTnLst>
                         <p:par>
-                          <p:cTn id="54" fill="hold">
+                          <p:cTn id="55" fill="hold">
                             <p:stCondLst>
                               <p:cond delay="0"/>
                             </p:stCondLst>
                             <p:childTnLst>
                               <p:par>
-                                <p:cTn id="55" presetID="10" presetClass="entr" presetSubtype="0" fill="hold" grpId="0" nodeType="clickEffect">
+                                <p:cTn id="56" presetID="10" presetClass="entr" presetSubtype="0" fill="hold" grpId="0" nodeType="clickEffect">
                                   <p:stCondLst>
                                     <p:cond delay="0"/>
                                   </p:stCondLst>
                                   <p:childTnLst>
                                     <p:set>
                                       <p:cBhvr>
-                                        <p:cTn id="56" dur="1" fill="hold">
+                                        <p:cTn id="57" dur="1" fill="hold">
                                           <p:stCondLst>
                                             <p:cond delay="0"/>
                                           </p:stCondLst>
@@ -7574,7 +7798,7 @@
                                     </p:set>
                                     <p:animEffect transition="in" filter="fade">
                                       <p:cBhvr>
-                                        <p:cTn id="57" dur="500"/>
+                                        <p:cTn id="58" dur="500"/>
                                         <p:tgtEl>
                                           <p:spTgt spid="4">
                                             <p:txEl>
@@ -7594,26 +7818,26 @@
                     </p:cTn>
                   </p:par>
                   <p:par>
-                    <p:cTn id="58" fill="hold">
+                    <p:cTn id="59" fill="hold">
                       <p:stCondLst>
                         <p:cond delay="indefinite"/>
                       </p:stCondLst>
                       <p:childTnLst>
                         <p:par>
-                          <p:cTn id="59" fill="hold">
+                          <p:cTn id="60" fill="hold">
                             <p:stCondLst>
                               <p:cond delay="0"/>
                             </p:stCondLst>
                             <p:childTnLst>
                               <p:par>
-                                <p:cTn id="60" presetID="10" presetClass="entr" presetSubtype="0" fill="hold" grpId="0" nodeType="clickEffect">
+                                <p:cTn id="61" presetID="10" presetClass="entr" presetSubtype="0" fill="hold" grpId="0" nodeType="clickEffect">
                                   <p:stCondLst>
                                     <p:cond delay="0"/>
                                   </p:stCondLst>
                                   <p:childTnLst>
                                     <p:set>
                                       <p:cBhvr>
-                                        <p:cTn id="61" dur="1" fill="hold">
+                                        <p:cTn id="62" dur="1" fill="hold">
                                           <p:stCondLst>
                                             <p:cond delay="0"/>
                                           </p:stCondLst>
@@ -7635,7 +7859,7 @@
                                     </p:set>
                                     <p:animEffect transition="in" filter="fade">
                                       <p:cBhvr>
-                                        <p:cTn id="62" dur="500"/>
+                                        <p:cTn id="63" dur="500"/>
                                         <p:tgtEl>
                                           <p:spTgt spid="4">
                                             <p:txEl>
@@ -7655,26 +7879,26 @@
                     </p:cTn>
                   </p:par>
                   <p:par>
-                    <p:cTn id="63" fill="hold">
+                    <p:cTn id="64" fill="hold">
                       <p:stCondLst>
                         <p:cond delay="indefinite"/>
                       </p:stCondLst>
                       <p:childTnLst>
                         <p:par>
-                          <p:cTn id="64" fill="hold">
+                          <p:cTn id="65" fill="hold">
                             <p:stCondLst>
                               <p:cond delay="0"/>
                             </p:stCondLst>
                             <p:childTnLst>
                               <p:par>
-                                <p:cTn id="65" presetID="10" presetClass="entr" presetSubtype="0" fill="hold" grpId="0" nodeType="clickEffect">
+                                <p:cTn id="66" presetID="10" presetClass="entr" presetSubtype="0" fill="hold" grpId="0" nodeType="clickEffect">
                                   <p:stCondLst>
                                     <p:cond delay="0"/>
                                   </p:stCondLst>
                                   <p:childTnLst>
                                     <p:set>
                                       <p:cBhvr>
-                                        <p:cTn id="66" dur="1" fill="hold">
+                                        <p:cTn id="67" dur="1" fill="hold">
                                           <p:stCondLst>
                                             <p:cond delay="0"/>
                                           </p:stCondLst>
@@ -7696,7 +7920,7 @@
                                     </p:set>
                                     <p:animEffect transition="in" filter="fade">
                                       <p:cBhvr>
-                                        <p:cTn id="67" dur="500"/>
+                                        <p:cTn id="68" dur="500"/>
                                         <p:tgtEl>
                                           <p:spTgt spid="4">
                                             <p:txEl>
@@ -7716,26 +7940,26 @@
                     </p:cTn>
                   </p:par>
                   <p:par>
-                    <p:cTn id="68" fill="hold">
+                    <p:cTn id="69" fill="hold">
                       <p:stCondLst>
                         <p:cond delay="indefinite"/>
                       </p:stCondLst>
                       <p:childTnLst>
                         <p:par>
-                          <p:cTn id="69" fill="hold">
+                          <p:cTn id="70" fill="hold">
                             <p:stCondLst>
                               <p:cond delay="0"/>
                             </p:stCondLst>
                             <p:childTnLst>
                               <p:par>
-                                <p:cTn id="70" presetID="10" presetClass="entr" presetSubtype="0" fill="hold" grpId="0" nodeType="clickEffect">
+                                <p:cTn id="71" presetID="10" presetClass="entr" presetSubtype="0" fill="hold" grpId="0" nodeType="clickEffect">
                                   <p:stCondLst>
                                     <p:cond delay="0"/>
                                   </p:stCondLst>
                                   <p:childTnLst>
                                     <p:set>
                                       <p:cBhvr>
-                                        <p:cTn id="71" dur="1" fill="hold">
+                                        <p:cTn id="72" dur="1" fill="hold">
                                           <p:stCondLst>
                                             <p:cond delay="0"/>
                                           </p:stCondLst>
@@ -7757,66 +7981,13 @@
                                     </p:set>
                                     <p:animEffect transition="in" filter="fade">
                                       <p:cBhvr>
-                                        <p:cTn id="72" dur="500"/>
+                                        <p:cTn id="73" dur="500"/>
                                         <p:tgtEl>
                                           <p:spTgt spid="4">
                                             <p:txEl>
                                               <p:pRg st="5" end="5"/>
                                             </p:txEl>
                                           </p:spTgt>
-                                        </p:tgtEl>
-                                      </p:cBhvr>
-                                    </p:animEffect>
-                                  </p:childTnLst>
-                                </p:cTn>
-                              </p:par>
-                            </p:childTnLst>
-                          </p:cTn>
-                        </p:par>
-                      </p:childTnLst>
-                    </p:cTn>
-                  </p:par>
-                  <p:par>
-                    <p:cTn id="73" fill="hold">
-                      <p:stCondLst>
-                        <p:cond delay="indefinite"/>
-                      </p:stCondLst>
-                      <p:childTnLst>
-                        <p:par>
-                          <p:cTn id="74" fill="hold">
-                            <p:stCondLst>
-                              <p:cond delay="0"/>
-                            </p:stCondLst>
-                            <p:childTnLst>
-                              <p:par>
-                                <p:cTn id="75" presetID="10" presetClass="entr" presetSubtype="0" fill="hold" grpId="0" nodeType="clickEffect">
-                                  <p:stCondLst>
-                                    <p:cond delay="0"/>
-                                  </p:stCondLst>
-                                  <p:childTnLst>
-                                    <p:set>
-                                      <p:cBhvr>
-                                        <p:cTn id="76" dur="1" fill="hold">
-                                          <p:stCondLst>
-                                            <p:cond delay="0"/>
-                                          </p:stCondLst>
-                                        </p:cTn>
-                                        <p:tgtEl>
-                                          <p:spTgt spid="11"/>
-                                        </p:tgtEl>
-                                        <p:attrNameLst>
-                                          <p:attrName>style.visibility</p:attrName>
-                                        </p:attrNameLst>
-                                      </p:cBhvr>
-                                      <p:to>
-                                        <p:strVal val="visible"/>
-                                      </p:to>
-                                    </p:set>
-                                    <p:animEffect transition="in" filter="fade">
-                                      <p:cBhvr>
-                                        <p:cTn id="77" dur="500"/>
-                                        <p:tgtEl>
-                                          <p:spTgt spid="11"/>
                                         </p:tgtEl>
                                       </p:cBhvr>
                                     </p:animEffect>
@@ -7851,7 +8022,7 @@
       </p:par>
     </p:tnLst>
     <p:bldLst>
-      <p:bldP spid="3" grpId="0" build="p"/>
+      <p:bldP spid="3" grpId="0" uiExpand="1" build="p"/>
       <p:bldP spid="4" grpId="0" build="p"/>
       <p:bldP spid="9" grpId="0"/>
       <p:bldP spid="11" grpId="0"/>
@@ -8304,754 +8475,9 @@
   <p:timing>
     <p:tnLst>
       <p:par>
-        <p:cTn xmlns:p14="http://schemas.microsoft.com/office/powerpoint/2010/main" id="1" dur="indefinite" restart="never" nodeType="tmRoot">
-          <p:childTnLst>
-            <p:seq concurrent="1" nextAc="seek">
-              <p:cTn id="2" dur="indefinite" nodeType="mainSeq">
-                <p:childTnLst>
-                  <p:par>
-                    <p:cTn id="3" fill="hold">
-                      <p:stCondLst>
-                        <p:cond delay="indefinite"/>
-                      </p:stCondLst>
-                      <p:childTnLst>
-                        <p:par>
-                          <p:cTn id="4" fill="hold">
-                            <p:stCondLst>
-                              <p:cond delay="0"/>
-                            </p:stCondLst>
-                            <p:childTnLst>
-                              <p:par>
-                                <p:cTn id="5" presetID="10" presetClass="entr" presetSubtype="0" fill="hold" grpId="0" nodeType="clickEffect">
-                                  <p:stCondLst>
-                                    <p:cond delay="0"/>
-                                  </p:stCondLst>
-                                  <p:childTnLst>
-                                    <p:set>
-                                      <p:cBhvr>
-                                        <p:cTn id="6" dur="1" fill="hold">
-                                          <p:stCondLst>
-                                            <p:cond delay="0"/>
-                                          </p:stCondLst>
-                                        </p:cTn>
-                                        <p:tgtEl>
-                                          <p:spTgt spid="3">
-                                            <p:txEl>
-                                              <p:pRg st="0" end="0"/>
-                                            </p:txEl>
-                                          </p:spTgt>
-                                        </p:tgtEl>
-                                        <p:attrNameLst>
-                                          <p:attrName>style.visibility</p:attrName>
-                                        </p:attrNameLst>
-                                      </p:cBhvr>
-                                      <p:to>
-                                        <p:strVal val="visible"/>
-                                      </p:to>
-                                    </p:set>
-                                    <p:animEffect transition="in" filter="fade">
-                                      <p:cBhvr>
-                                        <p:cTn id="7" dur="500"/>
-                                        <p:tgtEl>
-                                          <p:spTgt spid="3">
-                                            <p:txEl>
-                                              <p:pRg st="0" end="0"/>
-                                            </p:txEl>
-                                          </p:spTgt>
-                                        </p:tgtEl>
-                                      </p:cBhvr>
-                                    </p:animEffect>
-                                  </p:childTnLst>
-                                </p:cTn>
-                              </p:par>
-                            </p:childTnLst>
-                          </p:cTn>
-                        </p:par>
-                      </p:childTnLst>
-                    </p:cTn>
-                  </p:par>
-                  <p:par>
-                    <p:cTn id="8" fill="hold">
-                      <p:stCondLst>
-                        <p:cond delay="indefinite"/>
-                      </p:stCondLst>
-                      <p:childTnLst>
-                        <p:par>
-                          <p:cTn id="9" fill="hold">
-                            <p:stCondLst>
-                              <p:cond delay="0"/>
-                            </p:stCondLst>
-                            <p:childTnLst>
-                              <p:par>
-                                <p:cTn id="10" presetID="10" presetClass="entr" presetSubtype="0" fill="hold" grpId="0" nodeType="clickEffect">
-                                  <p:stCondLst>
-                                    <p:cond delay="0"/>
-                                  </p:stCondLst>
-                                  <p:childTnLst>
-                                    <p:set>
-                                      <p:cBhvr>
-                                        <p:cTn id="11" dur="1" fill="hold">
-                                          <p:stCondLst>
-                                            <p:cond delay="0"/>
-                                          </p:stCondLst>
-                                        </p:cTn>
-                                        <p:tgtEl>
-                                          <p:spTgt spid="3">
-                                            <p:txEl>
-                                              <p:pRg st="1" end="1"/>
-                                            </p:txEl>
-                                          </p:spTgt>
-                                        </p:tgtEl>
-                                        <p:attrNameLst>
-                                          <p:attrName>style.visibility</p:attrName>
-                                        </p:attrNameLst>
-                                      </p:cBhvr>
-                                      <p:to>
-                                        <p:strVal val="visible"/>
-                                      </p:to>
-                                    </p:set>
-                                    <p:animEffect transition="in" filter="fade">
-                                      <p:cBhvr>
-                                        <p:cTn id="12" dur="500"/>
-                                        <p:tgtEl>
-                                          <p:spTgt spid="3">
-                                            <p:txEl>
-                                              <p:pRg st="1" end="1"/>
-                                            </p:txEl>
-                                          </p:spTgt>
-                                        </p:tgtEl>
-                                      </p:cBhvr>
-                                    </p:animEffect>
-                                  </p:childTnLst>
-                                </p:cTn>
-                              </p:par>
-                            </p:childTnLst>
-                          </p:cTn>
-                        </p:par>
-                      </p:childTnLst>
-                    </p:cTn>
-                  </p:par>
-                  <p:par>
-                    <p:cTn id="13" fill="hold">
-                      <p:stCondLst>
-                        <p:cond delay="indefinite"/>
-                      </p:stCondLst>
-                      <p:childTnLst>
-                        <p:par>
-                          <p:cTn id="14" fill="hold">
-                            <p:stCondLst>
-                              <p:cond delay="0"/>
-                            </p:stCondLst>
-                            <p:childTnLst>
-                              <p:par>
-                                <p:cTn id="15" presetID="10" presetClass="entr" presetSubtype="0" fill="hold" grpId="0" nodeType="clickEffect">
-                                  <p:stCondLst>
-                                    <p:cond delay="0"/>
-                                  </p:stCondLst>
-                                  <p:childTnLst>
-                                    <p:set>
-                                      <p:cBhvr>
-                                        <p:cTn id="16" dur="1" fill="hold">
-                                          <p:stCondLst>
-                                            <p:cond delay="0"/>
-                                          </p:stCondLst>
-                                        </p:cTn>
-                                        <p:tgtEl>
-                                          <p:spTgt spid="3">
-                                            <p:txEl>
-                                              <p:pRg st="2" end="2"/>
-                                            </p:txEl>
-                                          </p:spTgt>
-                                        </p:tgtEl>
-                                        <p:attrNameLst>
-                                          <p:attrName>style.visibility</p:attrName>
-                                        </p:attrNameLst>
-                                      </p:cBhvr>
-                                      <p:to>
-                                        <p:strVal val="visible"/>
-                                      </p:to>
-                                    </p:set>
-                                    <p:animEffect transition="in" filter="fade">
-                                      <p:cBhvr>
-                                        <p:cTn id="17" dur="500"/>
-                                        <p:tgtEl>
-                                          <p:spTgt spid="3">
-                                            <p:txEl>
-                                              <p:pRg st="2" end="2"/>
-                                            </p:txEl>
-                                          </p:spTgt>
-                                        </p:tgtEl>
-                                      </p:cBhvr>
-                                    </p:animEffect>
-                                  </p:childTnLst>
-                                </p:cTn>
-                              </p:par>
-                            </p:childTnLst>
-                          </p:cTn>
-                        </p:par>
-                      </p:childTnLst>
-                    </p:cTn>
-                  </p:par>
-                  <p:par>
-                    <p:cTn id="18" fill="hold">
-                      <p:stCondLst>
-                        <p:cond delay="indefinite"/>
-                      </p:stCondLst>
-                      <p:childTnLst>
-                        <p:par>
-                          <p:cTn id="19" fill="hold">
-                            <p:stCondLst>
-                              <p:cond delay="0"/>
-                            </p:stCondLst>
-                            <p:childTnLst>
-                              <p:par>
-                                <p:cTn id="20" presetID="10" presetClass="entr" presetSubtype="0" fill="hold" grpId="0" nodeType="clickEffect">
-                                  <p:stCondLst>
-                                    <p:cond delay="0"/>
-                                  </p:stCondLst>
-                                  <p:childTnLst>
-                                    <p:set>
-                                      <p:cBhvr>
-                                        <p:cTn id="21" dur="1" fill="hold">
-                                          <p:stCondLst>
-                                            <p:cond delay="0"/>
-                                          </p:stCondLst>
-                                        </p:cTn>
-                                        <p:tgtEl>
-                                          <p:spTgt spid="3">
-                                            <p:txEl>
-                                              <p:pRg st="3" end="3"/>
-                                            </p:txEl>
-                                          </p:spTgt>
-                                        </p:tgtEl>
-                                        <p:attrNameLst>
-                                          <p:attrName>style.visibility</p:attrName>
-                                        </p:attrNameLst>
-                                      </p:cBhvr>
-                                      <p:to>
-                                        <p:strVal val="visible"/>
-                                      </p:to>
-                                    </p:set>
-                                    <p:animEffect transition="in" filter="fade">
-                                      <p:cBhvr>
-                                        <p:cTn id="22" dur="500"/>
-                                        <p:tgtEl>
-                                          <p:spTgt spid="3">
-                                            <p:txEl>
-                                              <p:pRg st="3" end="3"/>
-                                            </p:txEl>
-                                          </p:spTgt>
-                                        </p:tgtEl>
-                                      </p:cBhvr>
-                                    </p:animEffect>
-                                  </p:childTnLst>
-                                </p:cTn>
-                              </p:par>
-                            </p:childTnLst>
-                          </p:cTn>
-                        </p:par>
-                      </p:childTnLst>
-                    </p:cTn>
-                  </p:par>
-                  <p:par>
-                    <p:cTn id="23" fill="hold">
-                      <p:stCondLst>
-                        <p:cond delay="indefinite"/>
-                      </p:stCondLst>
-                      <p:childTnLst>
-                        <p:par>
-                          <p:cTn id="24" fill="hold">
-                            <p:stCondLst>
-                              <p:cond delay="0"/>
-                            </p:stCondLst>
-                            <p:childTnLst>
-                              <p:par>
-                                <p:cTn id="25" presetID="10" presetClass="entr" presetSubtype="0" fill="hold" grpId="0" nodeType="clickEffect">
-                                  <p:stCondLst>
-                                    <p:cond delay="0"/>
-                                  </p:stCondLst>
-                                  <p:childTnLst>
-                                    <p:set>
-                                      <p:cBhvr>
-                                        <p:cTn id="26" dur="1" fill="hold">
-                                          <p:stCondLst>
-                                            <p:cond delay="0"/>
-                                          </p:stCondLst>
-                                        </p:cTn>
-                                        <p:tgtEl>
-                                          <p:spTgt spid="3">
-                                            <p:txEl>
-                                              <p:pRg st="4" end="4"/>
-                                            </p:txEl>
-                                          </p:spTgt>
-                                        </p:tgtEl>
-                                        <p:attrNameLst>
-                                          <p:attrName>style.visibility</p:attrName>
-                                        </p:attrNameLst>
-                                      </p:cBhvr>
-                                      <p:to>
-                                        <p:strVal val="visible"/>
-                                      </p:to>
-                                    </p:set>
-                                    <p:animEffect transition="in" filter="fade">
-                                      <p:cBhvr>
-                                        <p:cTn id="27" dur="500"/>
-                                        <p:tgtEl>
-                                          <p:spTgt spid="3">
-                                            <p:txEl>
-                                              <p:pRg st="4" end="4"/>
-                                            </p:txEl>
-                                          </p:spTgt>
-                                        </p:tgtEl>
-                                      </p:cBhvr>
-                                    </p:animEffect>
-                                  </p:childTnLst>
-                                </p:cTn>
-                              </p:par>
-                            </p:childTnLst>
-                          </p:cTn>
-                        </p:par>
-                      </p:childTnLst>
-                    </p:cTn>
-                  </p:par>
-                  <p:par>
-                    <p:cTn id="28" fill="hold">
-                      <p:stCondLst>
-                        <p:cond delay="indefinite"/>
-                      </p:stCondLst>
-                      <p:childTnLst>
-                        <p:par>
-                          <p:cTn id="29" fill="hold">
-                            <p:stCondLst>
-                              <p:cond delay="0"/>
-                            </p:stCondLst>
-                            <p:childTnLst>
-                              <p:par>
-                                <p:cTn id="30" presetID="10" presetClass="entr" presetSubtype="0" fill="hold" grpId="0" nodeType="clickEffect">
-                                  <p:stCondLst>
-                                    <p:cond delay="0"/>
-                                  </p:stCondLst>
-                                  <p:childTnLst>
-                                    <p:set>
-                                      <p:cBhvr>
-                                        <p:cTn id="31" dur="1" fill="hold">
-                                          <p:stCondLst>
-                                            <p:cond delay="0"/>
-                                          </p:stCondLst>
-                                        </p:cTn>
-                                        <p:tgtEl>
-                                          <p:spTgt spid="3">
-                                            <p:txEl>
-                                              <p:pRg st="5" end="5"/>
-                                            </p:txEl>
-                                          </p:spTgt>
-                                        </p:tgtEl>
-                                        <p:attrNameLst>
-                                          <p:attrName>style.visibility</p:attrName>
-                                        </p:attrNameLst>
-                                      </p:cBhvr>
-                                      <p:to>
-                                        <p:strVal val="visible"/>
-                                      </p:to>
-                                    </p:set>
-                                    <p:animEffect transition="in" filter="fade">
-                                      <p:cBhvr>
-                                        <p:cTn id="32" dur="500"/>
-                                        <p:tgtEl>
-                                          <p:spTgt spid="3">
-                                            <p:txEl>
-                                              <p:pRg st="5" end="5"/>
-                                            </p:txEl>
-                                          </p:spTgt>
-                                        </p:tgtEl>
-                                      </p:cBhvr>
-                                    </p:animEffect>
-                                  </p:childTnLst>
-                                </p:cTn>
-                              </p:par>
-                            </p:childTnLst>
-                          </p:cTn>
-                        </p:par>
-                      </p:childTnLst>
-                    </p:cTn>
-                  </p:par>
-                  <p:par>
-                    <p:cTn id="33" fill="hold">
-                      <p:stCondLst>
-                        <p:cond delay="indefinite"/>
-                      </p:stCondLst>
-                      <p:childTnLst>
-                        <p:par>
-                          <p:cTn id="34" fill="hold">
-                            <p:stCondLst>
-                              <p:cond delay="0"/>
-                            </p:stCondLst>
-                            <p:childTnLst>
-                              <p:par>
-                                <p:cTn id="35" presetID="10" presetClass="entr" presetSubtype="0" fill="hold" grpId="0" nodeType="clickEffect">
-                                  <p:stCondLst>
-                                    <p:cond delay="0"/>
-                                  </p:stCondLst>
-                                  <p:childTnLst>
-                                    <p:set>
-                                      <p:cBhvr>
-                                        <p:cTn id="36" dur="1" fill="hold">
-                                          <p:stCondLst>
-                                            <p:cond delay="0"/>
-                                          </p:stCondLst>
-                                        </p:cTn>
-                                        <p:tgtEl>
-                                          <p:spTgt spid="3">
-                                            <p:txEl>
-                                              <p:pRg st="6" end="6"/>
-                                            </p:txEl>
-                                          </p:spTgt>
-                                        </p:tgtEl>
-                                        <p:attrNameLst>
-                                          <p:attrName>style.visibility</p:attrName>
-                                        </p:attrNameLst>
-                                      </p:cBhvr>
-                                      <p:to>
-                                        <p:strVal val="visible"/>
-                                      </p:to>
-                                    </p:set>
-                                    <p:animEffect transition="in" filter="fade">
-                                      <p:cBhvr>
-                                        <p:cTn id="37" dur="500"/>
-                                        <p:tgtEl>
-                                          <p:spTgt spid="3">
-                                            <p:txEl>
-                                              <p:pRg st="6" end="6"/>
-                                            </p:txEl>
-                                          </p:spTgt>
-                                        </p:tgtEl>
-                                      </p:cBhvr>
-                                    </p:animEffect>
-                                  </p:childTnLst>
-                                </p:cTn>
-                              </p:par>
-                            </p:childTnLst>
-                          </p:cTn>
-                        </p:par>
-                      </p:childTnLst>
-                    </p:cTn>
-                  </p:par>
-                  <p:par>
-                    <p:cTn id="38" fill="hold">
-                      <p:stCondLst>
-                        <p:cond delay="indefinite"/>
-                      </p:stCondLst>
-                      <p:childTnLst>
-                        <p:par>
-                          <p:cTn id="39" fill="hold">
-                            <p:stCondLst>
-                              <p:cond delay="0"/>
-                            </p:stCondLst>
-                            <p:childTnLst>
-                              <p:par>
-                                <p:cTn id="40" presetID="10" presetClass="entr" presetSubtype="0" fill="hold" grpId="0" nodeType="clickEffect">
-                                  <p:stCondLst>
-                                    <p:cond delay="0"/>
-                                  </p:stCondLst>
-                                  <p:childTnLst>
-                                    <p:set>
-                                      <p:cBhvr>
-                                        <p:cTn id="41" dur="1" fill="hold">
-                                          <p:stCondLst>
-                                            <p:cond delay="0"/>
-                                          </p:stCondLst>
-                                        </p:cTn>
-                                        <p:tgtEl>
-                                          <p:spTgt spid="9"/>
-                                        </p:tgtEl>
-                                        <p:attrNameLst>
-                                          <p:attrName>style.visibility</p:attrName>
-                                        </p:attrNameLst>
-                                      </p:cBhvr>
-                                      <p:to>
-                                        <p:strVal val="visible"/>
-                                      </p:to>
-                                    </p:set>
-                                    <p:animEffect transition="in" filter="fade">
-                                      <p:cBhvr>
-                                        <p:cTn id="42" dur="500"/>
-                                        <p:tgtEl>
-                                          <p:spTgt spid="9"/>
-                                        </p:tgtEl>
-                                      </p:cBhvr>
-                                    </p:animEffect>
-                                  </p:childTnLst>
-                                </p:cTn>
-                              </p:par>
-                            </p:childTnLst>
-                          </p:cTn>
-                        </p:par>
-                      </p:childTnLst>
-                    </p:cTn>
-                  </p:par>
-                  <p:par>
-                    <p:cTn id="43" fill="hold">
-                      <p:stCondLst>
-                        <p:cond delay="indefinite"/>
-                      </p:stCondLst>
-                      <p:childTnLst>
-                        <p:par>
-                          <p:cTn id="44" fill="hold">
-                            <p:stCondLst>
-                              <p:cond delay="0"/>
-                            </p:stCondLst>
-                            <p:childTnLst>
-                              <p:par>
-                                <p:cTn id="45" presetID="10" presetClass="entr" presetSubtype="0" fill="hold" grpId="0" nodeType="clickEffect">
-                                  <p:stCondLst>
-                                    <p:cond delay="0"/>
-                                  </p:stCondLst>
-                                  <p:childTnLst>
-                                    <p:set>
-                                      <p:cBhvr>
-                                        <p:cTn id="46" dur="1" fill="hold">
-                                          <p:stCondLst>
-                                            <p:cond delay="0"/>
-                                          </p:stCondLst>
-                                        </p:cTn>
-                                        <p:tgtEl>
-                                          <p:spTgt spid="4">
-                                            <p:txEl>
-                                              <p:pRg st="0" end="0"/>
-                                            </p:txEl>
-                                          </p:spTgt>
-                                        </p:tgtEl>
-                                        <p:attrNameLst>
-                                          <p:attrName>style.visibility</p:attrName>
-                                        </p:attrNameLst>
-                                      </p:cBhvr>
-                                      <p:to>
-                                        <p:strVal val="visible"/>
-                                      </p:to>
-                                    </p:set>
-                                    <p:animEffect transition="in" filter="fade">
-                                      <p:cBhvr>
-                                        <p:cTn id="47" dur="500"/>
-                                        <p:tgtEl>
-                                          <p:spTgt spid="4">
-                                            <p:txEl>
-                                              <p:pRg st="0" end="0"/>
-                                            </p:txEl>
-                                          </p:spTgt>
-                                        </p:tgtEl>
-                                      </p:cBhvr>
-                                    </p:animEffect>
-                                  </p:childTnLst>
-                                </p:cTn>
-                              </p:par>
-                            </p:childTnLst>
-                          </p:cTn>
-                        </p:par>
-                      </p:childTnLst>
-                    </p:cTn>
-                  </p:par>
-                  <p:par>
-                    <p:cTn id="48" fill="hold">
-                      <p:stCondLst>
-                        <p:cond delay="indefinite"/>
-                      </p:stCondLst>
-                      <p:childTnLst>
-                        <p:par>
-                          <p:cTn id="49" fill="hold">
-                            <p:stCondLst>
-                              <p:cond delay="0"/>
-                            </p:stCondLst>
-                            <p:childTnLst>
-                              <p:par>
-                                <p:cTn id="50" presetID="10" presetClass="entr" presetSubtype="0" fill="hold" grpId="0" nodeType="clickEffect">
-                                  <p:stCondLst>
-                                    <p:cond delay="0"/>
-                                  </p:stCondLst>
-                                  <p:childTnLst>
-                                    <p:set>
-                                      <p:cBhvr>
-                                        <p:cTn id="51" dur="1" fill="hold">
-                                          <p:stCondLst>
-                                            <p:cond delay="0"/>
-                                          </p:stCondLst>
-                                        </p:cTn>
-                                        <p:tgtEl>
-                                          <p:spTgt spid="4">
-                                            <p:txEl>
-                                              <p:pRg st="1" end="1"/>
-                                            </p:txEl>
-                                          </p:spTgt>
-                                        </p:tgtEl>
-                                        <p:attrNameLst>
-                                          <p:attrName>style.visibility</p:attrName>
-                                        </p:attrNameLst>
-                                      </p:cBhvr>
-                                      <p:to>
-                                        <p:strVal val="visible"/>
-                                      </p:to>
-                                    </p:set>
-                                    <p:animEffect transition="in" filter="fade">
-                                      <p:cBhvr>
-                                        <p:cTn id="52" dur="500"/>
-                                        <p:tgtEl>
-                                          <p:spTgt spid="4">
-                                            <p:txEl>
-                                              <p:pRg st="1" end="1"/>
-                                            </p:txEl>
-                                          </p:spTgt>
-                                        </p:tgtEl>
-                                      </p:cBhvr>
-                                    </p:animEffect>
-                                  </p:childTnLst>
-                                </p:cTn>
-                              </p:par>
-                            </p:childTnLst>
-                          </p:cTn>
-                        </p:par>
-                      </p:childTnLst>
-                    </p:cTn>
-                  </p:par>
-                  <p:par>
-                    <p:cTn id="53" fill="hold">
-                      <p:stCondLst>
-                        <p:cond delay="indefinite"/>
-                      </p:stCondLst>
-                      <p:childTnLst>
-                        <p:par>
-                          <p:cTn id="54" fill="hold">
-                            <p:stCondLst>
-                              <p:cond delay="0"/>
-                            </p:stCondLst>
-                            <p:childTnLst>
-                              <p:par>
-                                <p:cTn id="55" presetID="10" presetClass="entr" presetSubtype="0" fill="hold" grpId="0" nodeType="clickEffect">
-                                  <p:stCondLst>
-                                    <p:cond delay="0"/>
-                                  </p:stCondLst>
-                                  <p:childTnLst>
-                                    <p:set>
-                                      <p:cBhvr>
-                                        <p:cTn id="56" dur="1" fill="hold">
-                                          <p:stCondLst>
-                                            <p:cond delay="0"/>
-                                          </p:stCondLst>
-                                        </p:cTn>
-                                        <p:tgtEl>
-                                          <p:spTgt spid="4">
-                                            <p:txEl>
-                                              <p:pRg st="2" end="2"/>
-                                            </p:txEl>
-                                          </p:spTgt>
-                                        </p:tgtEl>
-                                        <p:attrNameLst>
-                                          <p:attrName>style.visibility</p:attrName>
-                                        </p:attrNameLst>
-                                      </p:cBhvr>
-                                      <p:to>
-                                        <p:strVal val="visible"/>
-                                      </p:to>
-                                    </p:set>
-                                    <p:animEffect transition="in" filter="fade">
-                                      <p:cBhvr>
-                                        <p:cTn id="57" dur="500"/>
-                                        <p:tgtEl>
-                                          <p:spTgt spid="4">
-                                            <p:txEl>
-                                              <p:pRg st="2" end="2"/>
-                                            </p:txEl>
-                                          </p:spTgt>
-                                        </p:tgtEl>
-                                      </p:cBhvr>
-                                    </p:animEffect>
-                                  </p:childTnLst>
-                                </p:cTn>
-                              </p:par>
-                            </p:childTnLst>
-                          </p:cTn>
-                        </p:par>
-                      </p:childTnLst>
-                    </p:cTn>
-                  </p:par>
-                  <p:par>
-                    <p:cTn id="58" fill="hold">
-                      <p:stCondLst>
-                        <p:cond delay="indefinite"/>
-                      </p:stCondLst>
-                      <p:childTnLst>
-                        <p:par>
-                          <p:cTn id="59" fill="hold">
-                            <p:stCondLst>
-                              <p:cond delay="0"/>
-                            </p:stCondLst>
-                            <p:childTnLst>
-                              <p:par>
-                                <p:cTn id="60" presetID="10" presetClass="entr" presetSubtype="0" fill="hold" grpId="0" nodeType="clickEffect">
-                                  <p:stCondLst>
-                                    <p:cond delay="0"/>
-                                  </p:stCondLst>
-                                  <p:childTnLst>
-                                    <p:set>
-                                      <p:cBhvr>
-                                        <p:cTn id="61" dur="1" fill="hold">
-                                          <p:stCondLst>
-                                            <p:cond delay="0"/>
-                                          </p:stCondLst>
-                                        </p:cTn>
-                                        <p:tgtEl>
-                                          <p:spTgt spid="10"/>
-                                        </p:tgtEl>
-                                        <p:attrNameLst>
-                                          <p:attrName>style.visibility</p:attrName>
-                                        </p:attrNameLst>
-                                      </p:cBhvr>
-                                      <p:to>
-                                        <p:strVal val="visible"/>
-                                      </p:to>
-                                    </p:set>
-                                    <p:animEffect transition="in" filter="fade">
-                                      <p:cBhvr>
-                                        <p:cTn id="62" dur="500"/>
-                                        <p:tgtEl>
-                                          <p:spTgt spid="10"/>
-                                        </p:tgtEl>
-                                      </p:cBhvr>
-                                    </p:animEffect>
-                                  </p:childTnLst>
-                                </p:cTn>
-                              </p:par>
-                            </p:childTnLst>
-                          </p:cTn>
-                        </p:par>
-                      </p:childTnLst>
-                    </p:cTn>
-                  </p:par>
-                </p:childTnLst>
-              </p:cTn>
-              <p:prevCondLst>
-                <p:cond evt="onPrev" delay="0">
-                  <p:tgtEl>
-                    <p:sldTgt/>
-                  </p:tgtEl>
-                </p:cond>
-              </p:prevCondLst>
-              <p:nextCondLst>
-                <p:cond evt="onNext" delay="0">
-                  <p:tgtEl>
-                    <p:sldTgt/>
-                  </p:tgtEl>
-                </p:cond>
-              </p:nextCondLst>
-            </p:seq>
-          </p:childTnLst>
-        </p:cTn>
+        <p:cTn id="1" dur="indefinite" restart="never" nodeType="tmRoot"/>
       </p:par>
     </p:tnLst>
-    <p:bldLst>
-      <p:bldP spid="3" grpId="0" build="p"/>
-      <p:bldP spid="4" grpId="0" build="p"/>
-      <p:bldP spid="9" grpId="0"/>
-      <p:bldP spid="10" grpId="0" animBg="1"/>
-    </p:bldLst>
   </p:timing>
 </p:sld>
 </file>
@@ -9108,8 +8534,8 @@
         </p:nvSpPr>
         <p:spPr>
           <a:xfrm>
-            <a:off x="2646680" y="1541145"/>
-            <a:ext cx="10515600" cy="4351338"/>
+            <a:off x="2316480" y="1541145"/>
+            <a:ext cx="10845800" cy="4351338"/>
           </a:xfrm>
         </p:spPr>
         <p:txBody>
@@ -9249,6 +8675,36 @@
           </a:p>
         </p:txBody>
       </p:sp>
+      <p:sp>
+        <p:nvSpPr>
+          <p:cNvPr id="2" name="TextBox 1"/>
+          <p:cNvSpPr txBox="1"/>
+          <p:nvPr/>
+        </p:nvSpPr>
+        <p:spPr>
+          <a:xfrm>
+            <a:off x="7904480" y="2281933"/>
+            <a:ext cx="1821076" cy="584775"/>
+          </a:xfrm>
+          <a:prstGeom prst="rect">
+            <a:avLst/>
+          </a:prstGeom>
+          <a:noFill/>
+        </p:spPr>
+        <p:txBody>
+          <a:bodyPr wrap="none" rtlCol="0">
+            <a:spAutoFit/>
+          </a:bodyPr>
+          <a:lstStyle/>
+          <a:p>
+            <a:r>
+              <a:rPr lang="en-US" sz="3200" b="1" dirty="0" smtClean="0"/>
+              <a:t>metadata</a:t>
+            </a:r>
+            <a:endParaRPr lang="en-US" sz="3200" b="1" dirty="0"/>
+          </a:p>
+        </p:txBody>
+      </p:sp>
     </p:spTree>
   </p:cSld>
   <p:clrMapOvr>
@@ -9257,9 +8713,88 @@
   <p:timing>
     <p:tnLst>
       <p:par>
-        <p:cTn xmlns:p14="http://schemas.microsoft.com/office/powerpoint/2010/main" id="1" dur="indefinite" restart="never" nodeType="tmRoot"/>
+        <p:cTn id="1" dur="indefinite" restart="never" nodeType="tmRoot">
+          <p:childTnLst>
+            <p:seq concurrent="1" nextAc="seek">
+              <p:cTn id="2" dur="indefinite" nodeType="mainSeq">
+                <p:childTnLst>
+                  <p:par>
+                    <p:cTn id="3" fill="hold">
+                      <p:stCondLst>
+                        <p:cond delay="indefinite"/>
+                      </p:stCondLst>
+                      <p:childTnLst>
+                        <p:par>
+                          <p:cTn id="4" fill="hold">
+                            <p:stCondLst>
+                              <p:cond delay="0"/>
+                            </p:stCondLst>
+                            <p:childTnLst>
+                              <p:par>
+                                <p:cTn id="5" presetID="10" presetClass="entr" presetSubtype="0" fill="hold" grpId="0" nodeType="clickEffect">
+                                  <p:stCondLst>
+                                    <p:cond delay="0"/>
+                                  </p:stCondLst>
+                                  <p:childTnLst>
+                                    <p:set>
+                                      <p:cBhvr>
+                                        <p:cTn id="6" dur="1" fill="hold">
+                                          <p:stCondLst>
+                                            <p:cond delay="0"/>
+                                          </p:stCondLst>
+                                        </p:cTn>
+                                        <p:tgtEl>
+                                          <p:spTgt spid="2"/>
+                                        </p:tgtEl>
+                                        <p:attrNameLst>
+                                          <p:attrName>style.visibility</p:attrName>
+                                        </p:attrNameLst>
+                                      </p:cBhvr>
+                                      <p:to>
+                                        <p:strVal val="visible"/>
+                                      </p:to>
+                                    </p:set>
+                                    <p:animEffect transition="in" filter="fade">
+                                      <p:cBhvr>
+                                        <p:cTn id="7" dur="500"/>
+                                        <p:tgtEl>
+                                          <p:spTgt spid="2"/>
+                                        </p:tgtEl>
+                                      </p:cBhvr>
+                                    </p:animEffect>
+                                  </p:childTnLst>
+                                </p:cTn>
+                              </p:par>
+                            </p:childTnLst>
+                          </p:cTn>
+                        </p:par>
+                      </p:childTnLst>
+                    </p:cTn>
+                  </p:par>
+                </p:childTnLst>
+              </p:cTn>
+              <p:prevCondLst>
+                <p:cond evt="onPrev" delay="0">
+                  <p:tgtEl>
+                    <p:sldTgt/>
+                  </p:tgtEl>
+                </p:cond>
+              </p:prevCondLst>
+              <p:nextCondLst>
+                <p:cond evt="onNext" delay="0">
+                  <p:tgtEl>
+                    <p:sldTgt/>
+                  </p:tgtEl>
+                </p:cond>
+              </p:nextCondLst>
+            </p:seq>
+          </p:childTnLst>
+        </p:cTn>
       </p:par>
     </p:tnLst>
+    <p:bldLst>
+      <p:bldP spid="2" grpId="0"/>
+    </p:bldLst>
   </p:timing>
 </p:sld>
 </file>
@@ -9352,8 +8887,8 @@
         </p:nvSpPr>
         <p:spPr>
           <a:xfrm>
-            <a:off x="4490720" y="3820160"/>
-            <a:ext cx="3254352" cy="369332"/>
+            <a:off x="4235586" y="3816628"/>
+            <a:ext cx="3720827" cy="369332"/>
           </a:xfrm>
           <a:prstGeom prst="rect">
             <a:avLst/>
@@ -9368,7 +8903,7 @@
           <a:p>
             <a:r>
               <a:rPr lang="en-US" dirty="0" smtClean="0"/>
-              <a:t>YYYYMMDD_projectID_place.ext</a:t>
+              <a:t>YYYYMMDD_projectID_place_001.ext</a:t>
             </a:r>
             <a:endParaRPr lang="en-US" dirty="0"/>
           </a:p>
@@ -9382,7 +8917,7 @@
   <p:timing>
     <p:tnLst>
       <p:par>
-        <p:cTn xmlns:p14="http://schemas.microsoft.com/office/powerpoint/2010/main" id="1" dur="indefinite" restart="never" nodeType="tmRoot"/>
+        <p:cTn id="1" dur="indefinite" restart="never" nodeType="tmRoot"/>
       </p:par>
     </p:tnLst>
   </p:timing>
@@ -9467,7 +9002,7 @@
   <p:timing>
     <p:tnLst>
       <p:par>
-        <p:cTn xmlns:p14="http://schemas.microsoft.com/office/powerpoint/2010/main" id="1" dur="indefinite" restart="never" nodeType="tmRoot"/>
+        <p:cTn id="1" dur="indefinite" restart="never" nodeType="tmRoot"/>
       </p:par>
     </p:tnLst>
   </p:timing>
@@ -9542,23 +9077,7 @@
           <a:p>
             <a:r>
               <a:rPr lang="en-US" dirty="0" smtClean="0"/>
-              <a:t>File </a:t>
-            </a:r>
-            <a:r>
-              <a:rPr lang="en-US" dirty="0" smtClean="0"/>
-              <a:t>System Organization</a:t>
-            </a:r>
-          </a:p>
-          <a:p>
-            <a:r>
-              <a:rPr lang="en-US" dirty="0" smtClean="0"/>
-              <a:t>Folders and Files</a:t>
-            </a:r>
-          </a:p>
-          <a:p>
-            <a:r>
-              <a:rPr lang="en-US" dirty="0" smtClean="0"/>
-              <a:t>Tagging</a:t>
+              <a:t>File System Organization</a:t>
             </a:r>
           </a:p>
           <a:p>
@@ -9587,7 +9106,7 @@
   <p:timing>
     <p:tnLst>
       <p:par>
-        <p:cTn xmlns:p14="http://schemas.microsoft.com/office/powerpoint/2010/main" id="1" dur="indefinite" restart="never" nodeType="tmRoot"/>
+        <p:cTn id="1" dur="indefinite" restart="never" nodeType="tmRoot"/>
       </p:par>
     </p:tnLst>
   </p:timing>
@@ -9672,7 +9191,7 @@
   <p:timing>
     <p:tnLst>
       <p:par>
-        <p:cTn xmlns:p14="http://schemas.microsoft.com/office/powerpoint/2010/main" id="1" dur="indefinite" restart="never" nodeType="tmRoot"/>
+        <p:cTn id="1" dur="indefinite" restart="never" nodeType="tmRoot"/>
       </p:par>
     </p:tnLst>
   </p:timing>
@@ -9757,7 +9276,7 @@
   <p:timing>
     <p:tnLst>
       <p:par>
-        <p:cTn xmlns:p14="http://schemas.microsoft.com/office/powerpoint/2010/main" id="1" dur="indefinite" restart="never" nodeType="tmRoot"/>
+        <p:cTn id="1" dur="indefinite" restart="never" nodeType="tmRoot"/>
       </p:par>
     </p:tnLst>
   </p:timing>
@@ -9842,7 +9361,7 @@
   <p:timing>
     <p:tnLst>
       <p:par>
-        <p:cTn xmlns:p14="http://schemas.microsoft.com/office/powerpoint/2010/main" id="1" dur="indefinite" restart="never" nodeType="tmRoot"/>
+        <p:cTn id="1" dur="indefinite" restart="never" nodeType="tmRoot"/>
       </p:par>
     </p:tnLst>
   </p:timing>
@@ -10298,7 +9817,7 @@
   <p:timing>
     <p:tnLst>
       <p:par>
-        <p:cTn xmlns:p14="http://schemas.microsoft.com/office/powerpoint/2010/main" id="1" dur="indefinite" restart="never" nodeType="tmRoot"/>
+        <p:cTn id="1" dur="indefinite" restart="never" nodeType="tmRoot"/>
       </p:par>
     </p:tnLst>
   </p:timing>
@@ -15602,7 +15121,7 @@
   <p:timing>
     <p:tnLst>
       <p:par>
-        <p:cTn xmlns:p14="http://schemas.microsoft.com/office/powerpoint/2010/main" id="1" dur="indefinite" restart="never" nodeType="tmRoot"/>
+        <p:cTn id="1" dur="indefinite" restart="never" nodeType="tmRoot"/>
       </p:par>
     </p:tnLst>
   </p:timing>
@@ -20891,7 +20410,7 @@
   <p:timing>
     <p:tnLst>
       <p:par>
-        <p:cTn xmlns:p14="http://schemas.microsoft.com/office/powerpoint/2010/main" id="1" dur="indefinite" restart="never" nodeType="tmRoot"/>
+        <p:cTn id="1" dur="indefinite" restart="never" nodeType="tmRoot"/>
       </p:par>
     </p:tnLst>
   </p:timing>
@@ -26180,7 +25699,7 @@
   <p:timing>
     <p:tnLst>
       <p:par>
-        <p:cTn xmlns:p14="http://schemas.microsoft.com/office/powerpoint/2010/main" id="1" dur="indefinite" restart="never" nodeType="tmRoot"/>
+        <p:cTn id="1" dur="indefinite" restart="never" nodeType="tmRoot"/>
       </p:par>
     </p:tnLst>
   </p:timing>
@@ -31514,7 +31033,7 @@
   <p:timing>
     <p:tnLst>
       <p:par>
-        <p:cTn xmlns:p14="http://schemas.microsoft.com/office/powerpoint/2010/main" id="1" dur="indefinite" restart="never" nodeType="tmRoot">
+        <p:cTn id="1" dur="indefinite" restart="never" nodeType="tmRoot">
           <p:childTnLst>
             <p:seq concurrent="1" nextAc="seek">
               <p:cTn id="2" dur="indefinite" nodeType="mainSeq">
@@ -31631,7 +31150,7 @@
           <a:graphicData uri="http://schemas.openxmlformats.org/presentationml/2006/ole">
             <mc:AlternateContent xmlns:mc="http://schemas.openxmlformats.org/markup-compatibility/2006">
               <mc:Choice xmlns:v="urn:schemas-microsoft-com:vml" Requires="v">
-                <p:oleObj spid="_x0000_s1029" name="Document" r:id="rId4" imgW="5638592" imgH="6464062" progId="Word.Document.12">
+                <p:oleObj spid="_x0000_s1031" name="Document" r:id="rId4" imgW="5638592" imgH="6464062" progId="Word.Document.12">
                   <p:embed/>
                 </p:oleObj>
               </mc:Choice>
@@ -31670,7 +31189,7 @@
                       <a:noFill/>
                       <a:extLst>
                         <a:ext uri="{909E8E84-426E-40dd-AFC4-6F175D3DCCD1}">
-                          <a14:hiddenFill xmlns:a14="http://schemas.microsoft.com/office/drawing/2010/main">
+                          <a14:hiddenFill xmlns:a14="http://schemas.microsoft.com/office/drawing/2010/main" xmlns="">
                             <a:solidFill>
                               <a:srgbClr val="FFFFFF"/>
                             </a:solidFill>
@@ -31877,7 +31396,7 @@
   <p:timing>
     <p:tnLst>
       <p:par>
-        <p:cTn xmlns:p14="http://schemas.microsoft.com/office/powerpoint/2010/main" id="1" dur="indefinite" restart="never" nodeType="tmRoot">
+        <p:cTn id="1" dur="indefinite" restart="never" nodeType="tmRoot">
           <p:childTnLst>
             <p:seq concurrent="1" nextAc="seek">
               <p:cTn id="2" dur="indefinite" nodeType="mainSeq">
@@ -32136,11 +31655,7 @@
           <a:p>
             <a:r>
               <a:rPr lang="en-US" dirty="0" smtClean="0"/>
-              <a:t>Turn on versioning or tracking in collaborative </a:t>
-            </a:r>
-            <a:r>
-              <a:rPr lang="en-US" dirty="0" smtClean="0"/>
-              <a:t>documents</a:t>
+              <a:t>Turn on versioning or tracking in collaborative documents</a:t>
             </a:r>
           </a:p>
           <a:p>
@@ -32166,13 +31681,8 @@
           <a:p>
             <a:r>
               <a:rPr lang="en-US" dirty="0" smtClean="0"/>
-              <a:t>Turn on versioning for storage </a:t>
-            </a:r>
-            <a:r>
-              <a:rPr lang="en-US" dirty="0" smtClean="0"/>
-              <a:t>utilities </a:t>
-            </a:r>
-            <a:endParaRPr lang="en-US" dirty="0" smtClean="0"/>
+              <a:t>Turn on versioning for storage utilities </a:t>
+            </a:r>
           </a:p>
           <a:p>
             <a:pPr lvl="1"/>
@@ -32192,23 +31702,15 @@
           <a:p>
             <a:r>
               <a:rPr lang="en-US" dirty="0" smtClean="0"/>
-              <a:t>Consider </a:t>
-            </a:r>
+              <a:t>Consider using version control software </a:t>
+            </a:r>
+            <a:endParaRPr lang="en-US" dirty="0"/>
+          </a:p>
+          <a:p>
+            <a:pPr lvl="1"/>
             <a:r>
               <a:rPr lang="en-US" dirty="0" smtClean="0"/>
-              <a:t>using version control software </a:t>
-            </a:r>
-            <a:endParaRPr lang="en-US" dirty="0"/>
-          </a:p>
-          <a:p>
-            <a:pPr lvl="1"/>
-            <a:r>
-              <a:rPr lang="en-US" dirty="0" smtClean="0"/>
-              <a:t>S</a:t>
-            </a:r>
-            <a:r>
-              <a:rPr lang="en-US" dirty="0" smtClean="0"/>
-              <a:t>ubversion (apache foundation), </a:t>
+              <a:t>Subversion (apache foundation), </a:t>
             </a:r>
             <a:r>
               <a:rPr lang="en-US" dirty="0" err="1" smtClean="0"/>
@@ -32232,15 +31734,19 @@
             </a:r>
             <a:r>
               <a:rPr lang="en-US" dirty="0" smtClean="0"/>
-              <a:t> (</a:t>
-            </a:r>
-            <a:r>
-              <a:rPr lang="en-US" dirty="0" err="1" smtClean="0"/>
-              <a:t>linux</a:t>
+              <a:t> </a:t>
             </a:r>
             <a:r>
               <a:rPr lang="en-US" dirty="0" smtClean="0"/>
-              <a:t> foundation), </a:t>
+              <a:t>(</a:t>
+            </a:r>
+            <a:r>
+              <a:rPr lang="en-US" dirty="0" smtClean="0"/>
+              <a:t>Linus Torvalds</a:t>
+            </a:r>
+            <a:r>
+              <a:rPr lang="en-US" dirty="0" smtClean="0"/>
+              <a:t>), </a:t>
             </a:r>
             <a:r>
               <a:rPr lang="en-US" dirty="0" err="1" smtClean="0"/>
@@ -32248,7 +31754,31 @@
             </a:r>
             <a:r>
               <a:rPr lang="en-US" dirty="0" smtClean="0"/>
-              <a:t> (really commercial </a:t>
+              <a:t> and/or </a:t>
+            </a:r>
+            <a:r>
+              <a:rPr lang="en-US" dirty="0" err="1" smtClean="0"/>
+              <a:t>github</a:t>
+            </a:r>
+            <a:r>
+              <a:rPr lang="en-US" dirty="0" smtClean="0"/>
+              <a:t> </a:t>
+            </a:r>
+            <a:r>
+              <a:rPr lang="en-US" dirty="0" smtClean="0"/>
+              <a:t>(</a:t>
+            </a:r>
+            <a:r>
+              <a:rPr lang="en-US" dirty="0" smtClean="0"/>
+              <a:t>really both </a:t>
+            </a:r>
+            <a:r>
+              <a:rPr lang="en-US" dirty="0" smtClean="0"/>
+              <a:t>commercial </a:t>
+            </a:r>
+            <a:r>
+              <a:rPr lang="en-US" dirty="0" smtClean="0"/>
+              <a:t>versions of </a:t>
             </a:r>
             <a:r>
               <a:rPr lang="en-US" dirty="0" err="1" smtClean="0"/>
@@ -32272,7 +31802,6 @@
               <a:rPr lang="en-US" dirty="0" smtClean="0"/>
               <a:t>Check with your lab/colleagues as to their preference</a:t>
             </a:r>
-            <a:endParaRPr lang="en-US" dirty="0" smtClean="0"/>
           </a:p>
           <a:p>
             <a:pPr lvl="1"/>
@@ -32288,7 +31817,7 @@
   <p:timing>
     <p:tnLst>
       <p:par>
-        <p:cTn xmlns:p14="http://schemas.microsoft.com/office/powerpoint/2010/main" id="1" dur="indefinite" restart="never" nodeType="tmRoot">
+        <p:cTn id="1" dur="indefinite" restart="never" nodeType="tmRoot">
           <p:childTnLst>
             <p:seq concurrent="1" nextAc="seek">
               <p:cTn id="2" dur="indefinite" nodeType="mainSeq">
@@ -33549,10 +33078,6 @@
               <a:t>Music:	</a:t>
             </a:r>
             <a:r>
-              <a:rPr lang="en-US" sz="2000" dirty="0" smtClean="0"/>
-              <a:t>	</a:t>
-            </a:r>
-            <a:r>
               <a:rPr lang="en-US" sz="2000" u="sng" dirty="0" smtClean="0">
                 <a:solidFill>
                   <a:schemeClr val="accent6">
@@ -33751,7 +33276,7 @@
   <p:timing>
     <p:tnLst>
       <p:par>
-        <p:cTn xmlns:p14="http://schemas.microsoft.com/office/powerpoint/2010/main" id="1" dur="indefinite" restart="never" nodeType="tmRoot"/>
+        <p:cTn id="1" dur="indefinite" restart="never" nodeType="tmRoot"/>
       </p:par>
     </p:tnLst>
   </p:timing>
@@ -33832,13 +33357,8 @@
           <a:p>
             <a:r>
               <a:rPr lang="en-US" dirty="0" smtClean="0"/>
-              <a:t>Moving files across </a:t>
-            </a:r>
-            <a:r>
-              <a:rPr lang="en-US" dirty="0" smtClean="0"/>
-              <a:t>languages (human)</a:t>
-            </a:r>
-            <a:endParaRPr lang="en-US" dirty="0" smtClean="0"/>
+              <a:t>Moving files across languages (human)</a:t>
+            </a:r>
           </a:p>
           <a:p>
             <a:endParaRPr lang="en-US" dirty="0"/>
@@ -33853,7 +33373,7 @@
   <p:timing>
     <p:tnLst>
       <p:par>
-        <p:cTn xmlns:p14="http://schemas.microsoft.com/office/powerpoint/2010/main" id="1" dur="indefinite" restart="never" nodeType="tmRoot">
+        <p:cTn id="1" dur="indefinite" restart="never" nodeType="tmRoot">
           <p:childTnLst>
             <p:seq concurrent="1" nextAc="seek">
               <p:cTn id="2" dur="indefinite" nodeType="mainSeq">
@@ -34308,7 +33828,6 @@
               <a:rPr lang="en-US" dirty="0" smtClean="0"/>
               <a:t>)</a:t>
             </a:r>
-            <a:endParaRPr lang="en-US" dirty="0" smtClean="0"/>
           </a:p>
           <a:p>
             <a:pPr>
@@ -34377,19 +33896,11 @@
             </a:br>
             <a:r>
               <a:rPr lang="en-US" b="1" dirty="0" smtClean="0"/>
-              <a:t>Unix</a:t>
-            </a:r>
-            <a:r>
-              <a:rPr lang="en-US" b="1" dirty="0" smtClean="0"/>
-              <a:t>: </a:t>
+              <a:t>Unix: </a:t>
             </a:r>
             <a:r>
               <a:rPr lang="en-US" dirty="0" smtClean="0"/>
-              <a:t>The </a:t>
-            </a:r>
-            <a:r>
-              <a:rPr lang="en-US" dirty="0" smtClean="0"/>
-              <a:t>use of the </a:t>
+              <a:t>The use of the </a:t>
             </a:r>
             <a:r>
               <a:rPr lang="en-US" b="1" dirty="0" err="1" smtClean="0"/>
@@ -34456,7 +33967,7 @@
   <p:timing>
     <p:tnLst>
       <p:par>
-        <p:cTn xmlns:p14="http://schemas.microsoft.com/office/powerpoint/2010/main" id="1" dur="indefinite" restart="never" nodeType="tmRoot"/>
+        <p:cTn id="1" dur="indefinite" restart="never" nodeType="tmRoot"/>
       </p:par>
     </p:tnLst>
   </p:timing>
@@ -34669,7 +34180,7 @@
   <p:timing>
     <p:tnLst>
       <p:par>
-        <p:cTn xmlns:p14="http://schemas.microsoft.com/office/powerpoint/2010/main" id="1" dur="indefinite" restart="never" nodeType="tmRoot">
+        <p:cTn id="1" dur="indefinite" restart="never" nodeType="tmRoot">
           <p:childTnLst>
             <p:seq concurrent="1" nextAc="seek">
               <p:cTn id="2" dur="indefinite" nodeType="mainSeq">
@@ -35346,7 +34857,7 @@
   <p:timing>
     <p:tnLst>
       <p:par>
-        <p:cTn xmlns:p14="http://schemas.microsoft.com/office/powerpoint/2010/main" id="1" dur="indefinite" restart="never" nodeType="tmRoot"/>
+        <p:cTn id="1" dur="indefinite" restart="never" nodeType="tmRoot"/>
       </p:par>
     </p:tnLst>
   </p:timing>
@@ -35411,7 +34922,7 @@
         </p:spPr>
         <p:txBody>
           <a:bodyPr>
-            <a:normAutofit fontScale="92500"/>
+            <a:normAutofit/>
           </a:bodyPr>
           <a:lstStyle/>
           <a:p>
@@ -35524,22 +35035,6 @@
               <a:buNone/>
             </a:pPr>
             <a:endParaRPr lang="en-US" dirty="0" smtClean="0"/>
-          </a:p>
-          <a:p>
-            <a:pPr marL="0" indent="0">
-              <a:buNone/>
-            </a:pPr>
-            <a:r>
-              <a:rPr lang="en-US" dirty="0" smtClean="0"/>
-              <a:t>Assignment #2: The Unix Shell. [ DO AS MUCH AS YOU CAN BEFORE COMING TO CLASS  ] </a:t>
-            </a:r>
-            <a:r>
-              <a:rPr lang="en-US" i="1" dirty="0" smtClean="0">
-                <a:hlinkClick r:id="rId6"/>
-              </a:rPr>
-              <a:t>http://swcarpentry.github.io/shell-novice/</a:t>
-            </a:r>
-            <a:endParaRPr lang="en-US" sz="1800" dirty="0"/>
           </a:p>
         </p:txBody>
       </p:sp>
@@ -35556,7 +35051,7 @@
   <p:timing>
     <p:tnLst>
       <p:par>
-        <p:cTn xmlns:p14="http://schemas.microsoft.com/office/powerpoint/2010/main" id="1" dur="indefinite" restart="never" nodeType="tmRoot"/>
+        <p:cTn id="1" dur="indefinite" restart="never" nodeType="tmRoot"/>
       </p:par>
     </p:tnLst>
   </p:timing>
@@ -35564,6 +35059,144 @@
 </file>
 
 <file path=ppt/slides/slide35.xml><?xml version="1.0" encoding="utf-8"?>
+<p:sld xmlns:a="http://schemas.openxmlformats.org/drawingml/2006/main" xmlns:r="http://schemas.openxmlformats.org/officeDocument/2006/relationships" xmlns:p="http://schemas.openxmlformats.org/presentationml/2006/main">
+  <p:cSld>
+    <p:spTree>
+      <p:nvGrpSpPr>
+        <p:cNvPr id="1" name=""/>
+        <p:cNvGrpSpPr/>
+        <p:nvPr/>
+      </p:nvGrpSpPr>
+      <p:grpSpPr>
+        <a:xfrm>
+          <a:off x="0" y="0"/>
+          <a:ext cx="0" cy="0"/>
+          <a:chOff x="0" y="0"/>
+          <a:chExt cx="0" cy="0"/>
+        </a:xfrm>
+      </p:grpSpPr>
+      <p:sp>
+        <p:nvSpPr>
+          <p:cNvPr id="2" name="Title 1"/>
+          <p:cNvSpPr>
+            <a:spLocks noGrp="1"/>
+          </p:cNvSpPr>
+          <p:nvPr>
+            <p:ph type="title"/>
+          </p:nvPr>
+        </p:nvSpPr>
+        <p:spPr/>
+        <p:txBody>
+          <a:bodyPr/>
+          <a:lstStyle/>
+          <a:p>
+            <a:r>
+              <a:rPr lang="en-US" dirty="0" smtClean="0"/>
+              <a:t>Wednesday</a:t>
+            </a:r>
+            <a:endParaRPr lang="en-US" dirty="0"/>
+          </a:p>
+        </p:txBody>
+      </p:sp>
+      <p:sp>
+        <p:nvSpPr>
+          <p:cNvPr id="3" name="Content Placeholder 2"/>
+          <p:cNvSpPr>
+            <a:spLocks noGrp="1"/>
+          </p:cNvSpPr>
+          <p:nvPr>
+            <p:ph idx="1"/>
+          </p:nvPr>
+        </p:nvSpPr>
+        <p:spPr>
+          <a:xfrm>
+            <a:off x="838200" y="1402080"/>
+            <a:ext cx="10515600" cy="4937760"/>
+          </a:xfrm>
+        </p:spPr>
+        <p:txBody>
+          <a:bodyPr>
+            <a:normAutofit/>
+          </a:bodyPr>
+          <a:lstStyle/>
+          <a:p>
+            <a:pPr marL="0" indent="0">
+              <a:buNone/>
+            </a:pPr>
+            <a:r>
+              <a:rPr lang="en-US" dirty="0"/>
+              <a:t>Assignment #2: The Unix Shell. </a:t>
+            </a:r>
+          </a:p>
+          <a:p>
+            <a:pPr marL="0" indent="0">
+              <a:buNone/>
+            </a:pPr>
+            <a:r>
+              <a:rPr lang="en-US" dirty="0" smtClean="0"/>
+              <a:t>DO </a:t>
+            </a:r>
+            <a:r>
+              <a:rPr lang="en-US" dirty="0"/>
+              <a:t>UP </a:t>
+            </a:r>
+            <a:r>
+              <a:rPr lang="en-US" dirty="0" smtClean="0"/>
+              <a:t>TO and INCLUDING </a:t>
+            </a:r>
+            <a:r>
+              <a:rPr lang="en-US" dirty="0"/>
+              <a:t>“CREATING THINGS” UNDER TOPICS BEFORE COMING TO CLASS ON WEDNESDAY </a:t>
+            </a:r>
+            <a:endParaRPr lang="en-US" dirty="0" smtClean="0"/>
+          </a:p>
+          <a:p>
+            <a:pPr marL="0" indent="0">
+              <a:buNone/>
+            </a:pPr>
+            <a:r>
+              <a:rPr lang="en-US" i="1" dirty="0" smtClean="0">
+                <a:hlinkClick r:id="rId2"/>
+              </a:rPr>
+              <a:t>http</a:t>
+            </a:r>
+            <a:r>
+              <a:rPr lang="en-US" i="1" dirty="0">
+                <a:hlinkClick r:id="rId2"/>
+              </a:rPr>
+              <a:t>://swcarpentry.github.io/shell-novice/</a:t>
+            </a:r>
+            <a:endParaRPr lang="en-US" sz="1800" dirty="0"/>
+          </a:p>
+          <a:p>
+            <a:pPr marL="0" indent="0">
+              <a:buNone/>
+            </a:pPr>
+            <a:endParaRPr lang="en-US" dirty="0" smtClean="0"/>
+          </a:p>
+        </p:txBody>
+      </p:sp>
+    </p:spTree>
+    <p:extLst>
+      <p:ext uri="{BB962C8B-B14F-4D97-AF65-F5344CB8AC3E}">
+        <p14:creationId xmlns:p14="http://schemas.microsoft.com/office/powerpoint/2010/main" val="1659234959"/>
+      </p:ext>
+    </p:extLst>
+  </p:cSld>
+  <p:clrMapOvr>
+    <a:masterClrMapping/>
+  </p:clrMapOvr>
+  <p:timing>
+    <p:tnLst>
+      <p:par>
+        <p:cTn id="1" dur="indefinite" restart="never" nodeType="tmRoot"/>
+      </p:par>
+    </p:tnLst>
+  </p:timing>
+</p:sld>
+</file>
+
+<file path=ppt/slides/slide36.xml><?xml version="1.0" encoding="utf-8"?>
 <p:sld xmlns:a="http://schemas.openxmlformats.org/drawingml/2006/main" xmlns:r="http://schemas.openxmlformats.org/officeDocument/2006/relationships" xmlns:p="http://schemas.openxmlformats.org/presentationml/2006/main">
   <p:cSld>
     <p:spTree>
@@ -36216,14 +35849,14 @@
   <p:timing>
     <p:tnLst>
       <p:par>
-        <p:cTn xmlns:p14="http://schemas.microsoft.com/office/powerpoint/2010/main" id="1" dur="indefinite" restart="never" nodeType="tmRoot"/>
+        <p:cTn id="1" dur="indefinite" restart="never" nodeType="tmRoot"/>
       </p:par>
     </p:tnLst>
   </p:timing>
 </p:sld>
 </file>
 
-<file path=ppt/slides/slide36.xml><?xml version="1.0" encoding="utf-8"?>
+<file path=ppt/slides/slide37.xml><?xml version="1.0" encoding="utf-8"?>
 <p:sld xmlns:a="http://schemas.openxmlformats.org/drawingml/2006/main" xmlns:r="http://schemas.openxmlformats.org/officeDocument/2006/relationships" xmlns:p="http://schemas.openxmlformats.org/presentationml/2006/main">
   <p:cSld>
     <p:spTree>
@@ -36659,14 +36292,14 @@
   <p:timing>
     <p:tnLst>
       <p:par>
-        <p:cTn xmlns:p14="http://schemas.microsoft.com/office/powerpoint/2010/main" id="1" dur="indefinite" restart="never" nodeType="tmRoot"/>
+        <p:cTn id="1" dur="indefinite" restart="never" nodeType="tmRoot"/>
       </p:par>
     </p:tnLst>
   </p:timing>
 </p:sld>
 </file>
 
-<file path=ppt/slides/slide37.xml><?xml version="1.0" encoding="utf-8"?>
+<file path=ppt/slides/slide38.xml><?xml version="1.0" encoding="utf-8"?>
 <p:sld xmlns:a="http://schemas.openxmlformats.org/drawingml/2006/main" xmlns:r="http://schemas.openxmlformats.org/officeDocument/2006/relationships" xmlns:p="http://schemas.openxmlformats.org/presentationml/2006/main">
   <p:cSld>
     <p:spTree>
@@ -36740,14 +36373,14 @@
   <p:timing>
     <p:tnLst>
       <p:par>
-        <p:cTn xmlns:p14="http://schemas.microsoft.com/office/powerpoint/2010/main" id="1" dur="indefinite" restart="never" nodeType="tmRoot"/>
+        <p:cTn id="1" dur="indefinite" restart="never" nodeType="tmRoot"/>
       </p:par>
     </p:tnLst>
   </p:timing>
 </p:sld>
 </file>
 
-<file path=ppt/slides/slide38.xml><?xml version="1.0" encoding="utf-8"?>
+<file path=ppt/slides/slide39.xml><?xml version="1.0" encoding="utf-8"?>
 <p:sld xmlns:a="http://schemas.openxmlformats.org/drawingml/2006/main" xmlns:r="http://schemas.openxmlformats.org/officeDocument/2006/relationships" xmlns:p="http://schemas.openxmlformats.org/presentationml/2006/main">
   <p:cSld>
     <p:spTree>
@@ -37044,7 +36677,7 @@
   <p:timing>
     <p:tnLst>
       <p:par>
-        <p:cTn xmlns:p14="http://schemas.microsoft.com/office/powerpoint/2010/main" id="1" dur="indefinite" restart="never" nodeType="tmRoot">
+        <p:cTn id="1" dur="indefinite" restart="never" nodeType="tmRoot">
           <p:childTnLst>
             <p:seq concurrent="1" nextAc="seek">
               <p:cTn id="2" dur="indefinite" nodeType="mainSeq">
@@ -37404,7 +37037,7 @@
         </p:spPr>
         <p:txBody>
           <a:bodyPr>
-            <a:normAutofit fontScale="92500"/>
+            <a:normAutofit/>
           </a:bodyPr>
           <a:lstStyle/>
           <a:p>
@@ -37598,325 +37231,9 @@
   <p:timing>
     <p:tnLst>
       <p:par>
-        <p:cTn xmlns:p14="http://schemas.microsoft.com/office/powerpoint/2010/main" id="1" dur="indefinite" restart="never" nodeType="tmRoot">
-          <p:childTnLst>
-            <p:seq concurrent="1" nextAc="seek">
-              <p:cTn id="2" dur="indefinite" nodeType="mainSeq">
-                <p:childTnLst>
-                  <p:par>
-                    <p:cTn id="3" fill="hold">
-                      <p:stCondLst>
-                        <p:cond delay="indefinite"/>
-                      </p:stCondLst>
-                      <p:childTnLst>
-                        <p:par>
-                          <p:cTn id="4" fill="hold">
-                            <p:stCondLst>
-                              <p:cond delay="0"/>
-                            </p:stCondLst>
-                            <p:childTnLst>
-                              <p:par>
-                                <p:cTn id="5" presetID="10" presetClass="entr" presetSubtype="0" fill="hold" nodeType="clickEffect">
-                                  <p:stCondLst>
-                                    <p:cond delay="0"/>
-                                  </p:stCondLst>
-                                  <p:childTnLst>
-                                    <p:set>
-                                      <p:cBhvr>
-                                        <p:cTn id="6" dur="1" fill="hold">
-                                          <p:stCondLst>
-                                            <p:cond delay="0"/>
-                                          </p:stCondLst>
-                                        </p:cTn>
-                                        <p:tgtEl>
-                                          <p:spTgt spid="5">
-                                            <p:txEl>
-                                              <p:pRg st="0" end="0"/>
-                                            </p:txEl>
-                                          </p:spTgt>
-                                        </p:tgtEl>
-                                        <p:attrNameLst>
-                                          <p:attrName>style.visibility</p:attrName>
-                                        </p:attrNameLst>
-                                      </p:cBhvr>
-                                      <p:to>
-                                        <p:strVal val="visible"/>
-                                      </p:to>
-                                    </p:set>
-                                    <p:animEffect transition="in" filter="fade">
-                                      <p:cBhvr>
-                                        <p:cTn id="7" dur="500"/>
-                                        <p:tgtEl>
-                                          <p:spTgt spid="5">
-                                            <p:txEl>
-                                              <p:pRg st="0" end="0"/>
-                                            </p:txEl>
-                                          </p:spTgt>
-                                        </p:tgtEl>
-                                      </p:cBhvr>
-                                    </p:animEffect>
-                                  </p:childTnLst>
-                                </p:cTn>
-                              </p:par>
-                            </p:childTnLst>
-                          </p:cTn>
-                        </p:par>
-                      </p:childTnLst>
-                    </p:cTn>
-                  </p:par>
-                  <p:par>
-                    <p:cTn id="8" fill="hold">
-                      <p:stCondLst>
-                        <p:cond delay="indefinite"/>
-                      </p:stCondLst>
-                      <p:childTnLst>
-                        <p:par>
-                          <p:cTn id="9" fill="hold">
-                            <p:stCondLst>
-                              <p:cond delay="0"/>
-                            </p:stCondLst>
-                            <p:childTnLst>
-                              <p:par>
-                                <p:cTn id="10" presetID="10" presetClass="entr" presetSubtype="0" fill="hold" nodeType="clickEffect">
-                                  <p:stCondLst>
-                                    <p:cond delay="0"/>
-                                  </p:stCondLst>
-                                  <p:childTnLst>
-                                    <p:set>
-                                      <p:cBhvr>
-                                        <p:cTn id="11" dur="1" fill="hold">
-                                          <p:stCondLst>
-                                            <p:cond delay="0"/>
-                                          </p:stCondLst>
-                                        </p:cTn>
-                                        <p:tgtEl>
-                                          <p:spTgt spid="5">
-                                            <p:txEl>
-                                              <p:pRg st="1" end="1"/>
-                                            </p:txEl>
-                                          </p:spTgt>
-                                        </p:tgtEl>
-                                        <p:attrNameLst>
-                                          <p:attrName>style.visibility</p:attrName>
-                                        </p:attrNameLst>
-                                      </p:cBhvr>
-                                      <p:to>
-                                        <p:strVal val="visible"/>
-                                      </p:to>
-                                    </p:set>
-                                    <p:animEffect transition="in" filter="fade">
-                                      <p:cBhvr>
-                                        <p:cTn id="12" dur="500"/>
-                                        <p:tgtEl>
-                                          <p:spTgt spid="5">
-                                            <p:txEl>
-                                              <p:pRg st="1" end="1"/>
-                                            </p:txEl>
-                                          </p:spTgt>
-                                        </p:tgtEl>
-                                      </p:cBhvr>
-                                    </p:animEffect>
-                                  </p:childTnLst>
-                                </p:cTn>
-                              </p:par>
-                            </p:childTnLst>
-                          </p:cTn>
-                        </p:par>
-                      </p:childTnLst>
-                    </p:cTn>
-                  </p:par>
-                  <p:par>
-                    <p:cTn id="13" fill="hold">
-                      <p:stCondLst>
-                        <p:cond delay="indefinite"/>
-                      </p:stCondLst>
-                      <p:childTnLst>
-                        <p:par>
-                          <p:cTn id="14" fill="hold">
-                            <p:stCondLst>
-                              <p:cond delay="0"/>
-                            </p:stCondLst>
-                            <p:childTnLst>
-                              <p:par>
-                                <p:cTn id="15" presetID="10" presetClass="entr" presetSubtype="0" fill="hold" nodeType="clickEffect">
-                                  <p:stCondLst>
-                                    <p:cond delay="0"/>
-                                  </p:stCondLst>
-                                  <p:childTnLst>
-                                    <p:set>
-                                      <p:cBhvr>
-                                        <p:cTn id="16" dur="1" fill="hold">
-                                          <p:stCondLst>
-                                            <p:cond delay="0"/>
-                                          </p:stCondLst>
-                                        </p:cTn>
-                                        <p:tgtEl>
-                                          <p:spTgt spid="5">
-                                            <p:txEl>
-                                              <p:pRg st="2" end="2"/>
-                                            </p:txEl>
-                                          </p:spTgt>
-                                        </p:tgtEl>
-                                        <p:attrNameLst>
-                                          <p:attrName>style.visibility</p:attrName>
-                                        </p:attrNameLst>
-                                      </p:cBhvr>
-                                      <p:to>
-                                        <p:strVal val="visible"/>
-                                      </p:to>
-                                    </p:set>
-                                    <p:animEffect transition="in" filter="fade">
-                                      <p:cBhvr>
-                                        <p:cTn id="17" dur="500"/>
-                                        <p:tgtEl>
-                                          <p:spTgt spid="5">
-                                            <p:txEl>
-                                              <p:pRg st="2" end="2"/>
-                                            </p:txEl>
-                                          </p:spTgt>
-                                        </p:tgtEl>
-                                      </p:cBhvr>
-                                    </p:animEffect>
-                                  </p:childTnLst>
-                                </p:cTn>
-                              </p:par>
-                            </p:childTnLst>
-                          </p:cTn>
-                        </p:par>
-                      </p:childTnLst>
-                    </p:cTn>
-                  </p:par>
-                  <p:par>
-                    <p:cTn id="18" fill="hold">
-                      <p:stCondLst>
-                        <p:cond delay="indefinite"/>
-                      </p:stCondLst>
-                      <p:childTnLst>
-                        <p:par>
-                          <p:cTn id="19" fill="hold">
-                            <p:stCondLst>
-                              <p:cond delay="0"/>
-                            </p:stCondLst>
-                            <p:childTnLst>
-                              <p:par>
-                                <p:cTn id="20" presetID="10" presetClass="entr" presetSubtype="0" fill="hold" grpId="0" nodeType="clickEffect">
-                                  <p:stCondLst>
-                                    <p:cond delay="0"/>
-                                  </p:stCondLst>
-                                  <p:childTnLst>
-                                    <p:set>
-                                      <p:cBhvr>
-                                        <p:cTn id="21" dur="1" fill="hold">
-                                          <p:stCondLst>
-                                            <p:cond delay="0"/>
-                                          </p:stCondLst>
-                                        </p:cTn>
-                                        <p:tgtEl>
-                                          <p:spTgt spid="4"/>
-                                        </p:tgtEl>
-                                        <p:attrNameLst>
-                                          <p:attrName>style.visibility</p:attrName>
-                                        </p:attrNameLst>
-                                      </p:cBhvr>
-                                      <p:to>
-                                        <p:strVal val="visible"/>
-                                      </p:to>
-                                    </p:set>
-                                    <p:animEffect transition="in" filter="fade">
-                                      <p:cBhvr>
-                                        <p:cTn id="22" dur="500"/>
-                                        <p:tgtEl>
-                                          <p:spTgt spid="4"/>
-                                        </p:tgtEl>
-                                      </p:cBhvr>
-                                    </p:animEffect>
-                                  </p:childTnLst>
-                                </p:cTn>
-                              </p:par>
-                            </p:childTnLst>
-                          </p:cTn>
-                        </p:par>
-                      </p:childTnLst>
-                    </p:cTn>
-                  </p:par>
-                  <p:par>
-                    <p:cTn id="23" fill="hold">
-                      <p:stCondLst>
-                        <p:cond delay="indefinite"/>
-                      </p:stCondLst>
-                      <p:childTnLst>
-                        <p:par>
-                          <p:cTn id="24" fill="hold">
-                            <p:stCondLst>
-                              <p:cond delay="0"/>
-                            </p:stCondLst>
-                            <p:childTnLst>
-                              <p:par>
-                                <p:cTn id="25" presetID="10" presetClass="entr" presetSubtype="0" fill="hold" grpId="0" nodeType="clickEffect">
-                                  <p:stCondLst>
-                                    <p:cond delay="0"/>
-                                  </p:stCondLst>
-                                  <p:childTnLst>
-                                    <p:set>
-                                      <p:cBhvr>
-                                        <p:cTn id="26" dur="1" fill="hold">
-                                          <p:stCondLst>
-                                            <p:cond delay="0"/>
-                                          </p:stCondLst>
-                                        </p:cTn>
-                                        <p:tgtEl>
-                                          <p:spTgt spid="6"/>
-                                        </p:tgtEl>
-                                        <p:attrNameLst>
-                                          <p:attrName>style.visibility</p:attrName>
-                                        </p:attrNameLst>
-                                      </p:cBhvr>
-                                      <p:to>
-                                        <p:strVal val="visible"/>
-                                      </p:to>
-                                    </p:set>
-                                    <p:animEffect transition="in" filter="fade">
-                                      <p:cBhvr>
-                                        <p:cTn id="27" dur="500"/>
-                                        <p:tgtEl>
-                                          <p:spTgt spid="6"/>
-                                        </p:tgtEl>
-                                      </p:cBhvr>
-                                    </p:animEffect>
-                                  </p:childTnLst>
-                                </p:cTn>
-                              </p:par>
-                            </p:childTnLst>
-                          </p:cTn>
-                        </p:par>
-                      </p:childTnLst>
-                    </p:cTn>
-                  </p:par>
-                </p:childTnLst>
-              </p:cTn>
-              <p:prevCondLst>
-                <p:cond evt="onPrev" delay="0">
-                  <p:tgtEl>
-                    <p:sldTgt/>
-                  </p:tgtEl>
-                </p:cond>
-              </p:prevCondLst>
-              <p:nextCondLst>
-                <p:cond evt="onNext" delay="0">
-                  <p:tgtEl>
-                    <p:sldTgt/>
-                  </p:tgtEl>
-                </p:cond>
-              </p:nextCondLst>
-            </p:seq>
-          </p:childTnLst>
-        </p:cTn>
+        <p:cTn id="1" dur="indefinite" restart="never" nodeType="tmRoot"/>
       </p:par>
     </p:tnLst>
-    <p:bldLst>
-      <p:bldP spid="4" grpId="0"/>
-      <p:bldP spid="6" grpId="0"/>
-    </p:bldLst>
   </p:timing>
 </p:sld>
 </file>
@@ -37955,7 +37272,7 @@
           <a:p>
             <a:r>
               <a:rPr lang="en-US" dirty="0" smtClean="0"/>
-              <a:t>So what?</a:t>
+              <a:t>Image File Formats</a:t>
             </a:r>
             <a:endParaRPr lang="en-US" dirty="0"/>
           </a:p>
@@ -38011,13 +37328,8 @@
             <a:pPr lvl="1"/>
             <a:r>
               <a:rPr lang="en-US" dirty="0" smtClean="0"/>
-              <a:t>Vector or </a:t>
-            </a:r>
-            <a:r>
-              <a:rPr lang="en-US" dirty="0" smtClean="0"/>
-              <a:t>Raster</a:t>
-            </a:r>
-            <a:endParaRPr lang="en-US" dirty="0" smtClean="0"/>
+              <a:t>Vector or Raster</a:t>
+            </a:r>
           </a:p>
         </p:txBody>
       </p:sp>
@@ -38034,7 +37346,7 @@
   <p:timing>
     <p:tnLst>
       <p:par>
-        <p:cTn xmlns:p14="http://schemas.microsoft.com/office/powerpoint/2010/main" id="1" dur="indefinite" restart="never" nodeType="tmRoot"/>
+        <p:cTn id="1" dur="indefinite" restart="never" nodeType="tmRoot"/>
       </p:par>
     </p:tnLst>
   </p:timing>
@@ -38213,7 +37525,7 @@
   <p:timing>
     <p:tnLst>
       <p:par>
-        <p:cTn xmlns:p14="http://schemas.microsoft.com/office/powerpoint/2010/main" id="1" dur="indefinite" restart="never" nodeType="tmRoot"/>
+        <p:cTn id="1" dur="indefinite" restart="never" nodeType="tmRoot"/>
       </p:par>
     </p:tnLst>
   </p:timing>
@@ -38267,7 +37579,7 @@
           <a:noFill/>
           <a:extLst>
             <a:ext uri="{909E8E84-426E-40dd-AFC4-6F175D3DCCD1}">
-              <a14:hiddenFill xmlns:a14="http://schemas.microsoft.com/office/drawing/2010/main">
+              <a14:hiddenFill xmlns:a14="http://schemas.microsoft.com/office/drawing/2010/main" xmlns="">
                 <a:solidFill>
                   <a:srgbClr val="FFFFFF"/>
                 </a:solidFill>
@@ -38554,7 +37866,7 @@
   <p:timing>
     <p:tnLst>
       <p:par>
-        <p:cTn xmlns:p14="http://schemas.microsoft.com/office/powerpoint/2010/main" id="1" dur="indefinite" restart="never" nodeType="tmRoot">
+        <p:cTn id="1" dur="indefinite" restart="never" nodeType="tmRoot">
           <p:childTnLst>
             <p:seq concurrent="1" nextAc="seek">
               <p:cTn id="2" dur="indefinite" nodeType="mainSeq">
@@ -38887,7 +38199,7 @@
   <p:timing>
     <p:tnLst>
       <p:par>
-        <p:cTn xmlns:p14="http://schemas.microsoft.com/office/powerpoint/2010/main" id="1" dur="indefinite" restart="never" nodeType="tmRoot"/>
+        <p:cTn id="1" dur="indefinite" restart="never" nodeType="tmRoot"/>
       </p:par>
     </p:tnLst>
   </p:timing>
@@ -38928,7 +38240,7 @@
           <a:p>
             <a:r>
               <a:rPr lang="en-US" dirty="0" smtClean="0"/>
-              <a:t>The benefits of consistent data file labeling are:</a:t>
+              <a:t>So . . .</a:t>
             </a:r>
             <a:endParaRPr lang="en-US" dirty="0"/>
           </a:p>
@@ -38944,159 +38256,63 @@
             <p:ph idx="1"/>
           </p:nvPr>
         </p:nvSpPr>
-        <p:spPr>
-          <a:xfrm>
-            <a:off x="838200" y="1703705"/>
-            <a:ext cx="10515600" cy="4351338"/>
-          </a:xfrm>
-        </p:spPr>
+        <p:spPr/>
         <p:txBody>
-          <a:bodyPr>
-            <a:normAutofit fontScale="92500" lnSpcReduction="20000"/>
-          </a:bodyPr>
+          <a:bodyPr/>
           <a:lstStyle/>
           <a:p>
-            <a:pPr>
-              <a:buNone/>
-            </a:pPr>
             <a:r>
               <a:rPr lang="en-US" dirty="0" smtClean="0"/>
-              <a:t/>
-            </a:r>
-            <a:br>
+              <a:t>Take a moment, think about your file naming for your articles that you save</a:t>
+            </a:r>
+          </a:p>
+          <a:p>
+            <a:pPr lvl="1"/>
+            <a:r>
               <a:rPr lang="en-US" dirty="0" smtClean="0"/>
-            </a:br>
+              <a:t>Are you consistent?</a:t>
+            </a:r>
+          </a:p>
+          <a:p>
+            <a:pPr lvl="1"/>
             <a:r>
               <a:rPr lang="en-US" dirty="0" smtClean="0"/>
-              <a:t>- Data files are distinguishable from each other within their containing folder</a:t>
-            </a:r>
-            <a:br>
+              <a:t>Is it easy to find what you want several months later?</a:t>
+            </a:r>
+          </a:p>
+          <a:p>
+            <a:pPr lvl="1"/>
+            <a:endParaRPr lang="en-US" dirty="0" smtClean="0"/>
+          </a:p>
+          <a:p>
+            <a:r>
               <a:rPr lang="en-US" dirty="0" smtClean="0"/>
-            </a:br>
+              <a:t>Now think about your file structure for your downloaded articles</a:t>
+            </a:r>
+          </a:p>
+          <a:p>
+            <a:pPr lvl="1"/>
             <a:r>
               <a:rPr lang="en-US" dirty="0" smtClean="0"/>
-              <a:t/>
-            </a:r>
-            <a:br>
+              <a:t>Where are the actual files on the computer?</a:t>
+            </a:r>
+          </a:p>
+          <a:p>
+            <a:pPr lvl="1"/>
+            <a:r>
               <a:rPr lang="en-US" dirty="0" smtClean="0"/>
-            </a:br>
+              <a:t>How many folders are you using?</a:t>
+            </a:r>
+          </a:p>
+          <a:p>
+            <a:pPr lvl="1"/>
             <a:r>
               <a:rPr lang="en-US" dirty="0" smtClean="0"/>
-              <a:t>- Data file naming prevents confusion when multiple people are working on shared files</a:t>
-            </a:r>
-            <a:br>
-              <a:rPr lang="en-US" dirty="0" smtClean="0"/>
-            </a:br>
-            <a:r>
-              <a:rPr lang="en-US" dirty="0" smtClean="0"/>
-              <a:t/>
-            </a:r>
-            <a:br>
-              <a:rPr lang="en-US" dirty="0" smtClean="0"/>
-            </a:br>
-            <a:r>
-              <a:rPr lang="en-US" dirty="0" smtClean="0"/>
-              <a:t>- Data files are easier to locate and browse</a:t>
-            </a:r>
-            <a:br>
-              <a:rPr lang="en-US" dirty="0" smtClean="0"/>
-            </a:br>
-            <a:r>
-              <a:rPr lang="en-US" dirty="0" smtClean="0"/>
-              <a:t/>
-            </a:r>
-            <a:br>
-              <a:rPr lang="en-US" dirty="0" smtClean="0"/>
-            </a:br>
-            <a:r>
-              <a:rPr lang="en-US" dirty="0" smtClean="0"/>
-              <a:t>- Data files can be retrieved not only by the creator but by other users</a:t>
-            </a:r>
-            <a:br>
-              <a:rPr lang="en-US" dirty="0" smtClean="0"/>
-            </a:br>
-            <a:r>
-              <a:rPr lang="en-US" dirty="0" smtClean="0"/>
-              <a:t/>
-            </a:r>
-            <a:br>
-              <a:rPr lang="en-US" dirty="0" smtClean="0"/>
-            </a:br>
-            <a:r>
-              <a:rPr lang="en-US" dirty="0" smtClean="0"/>
-              <a:t>- Data files can be sorted in logical sequence</a:t>
-            </a:r>
-            <a:br>
-              <a:rPr lang="en-US" dirty="0" smtClean="0"/>
-            </a:br>
-            <a:r>
-              <a:rPr lang="en-US" dirty="0" smtClean="0"/>
-              <a:t/>
-            </a:r>
-            <a:br>
-              <a:rPr lang="en-US" dirty="0" smtClean="0"/>
-            </a:br>
-            <a:r>
-              <a:rPr lang="en-US" dirty="0" smtClean="0"/>
-              <a:t>- Data files are not accidentally overwritten or deleted</a:t>
-            </a:r>
-            <a:br>
-              <a:rPr lang="en-US" dirty="0" smtClean="0"/>
-            </a:br>
-            <a:r>
-              <a:rPr lang="en-US" dirty="0" smtClean="0"/>
-              <a:t/>
-            </a:r>
-            <a:br>
-              <a:rPr lang="en-US" dirty="0" smtClean="0"/>
-            </a:br>
-            <a:r>
-              <a:rPr lang="en-US" dirty="0" smtClean="0"/>
-              <a:t>- Different versions of data files can be identified</a:t>
-            </a:r>
-            <a:br>
-              <a:rPr lang="en-US" dirty="0" smtClean="0"/>
-            </a:br>
-            <a:r>
-              <a:rPr lang="en-US" dirty="0" smtClean="0"/>
-              <a:t/>
-            </a:r>
-            <a:br>
-              <a:rPr lang="en-US" dirty="0" smtClean="0"/>
-            </a:br>
-            <a:r>
-              <a:rPr lang="en-US" dirty="0" smtClean="0"/>
-              <a:t>- If data files are moved to other storage platform their names will retain useful context </a:t>
-            </a:r>
-            <a:endParaRPr lang="en-US" dirty="0"/>
-          </a:p>
-        </p:txBody>
-      </p:sp>
-      <p:sp>
-        <p:nvSpPr>
-          <p:cNvPr id="4" name="Rectangle 3"/>
-          <p:cNvSpPr/>
-          <p:nvPr/>
-        </p:nvSpPr>
-        <p:spPr>
-          <a:xfrm>
-            <a:off x="5043113" y="5926574"/>
-            <a:ext cx="4909934" cy="369332"/>
-          </a:xfrm>
-          <a:prstGeom prst="rect">
-            <a:avLst/>
-          </a:prstGeom>
-        </p:spPr>
-        <p:txBody>
-          <a:bodyPr wrap="none">
-            <a:spAutoFit/>
-          </a:bodyPr>
-          <a:lstStyle/>
-          <a:p>
-            <a:r>
-              <a:rPr lang="en-US" dirty="0" smtClean="0"/>
-              <a:t>http://datalib.edina.ac.uk/mantra/organisingdata/</a:t>
-            </a:r>
+              <a:t>Are they logically organized?</a:t>
+            </a:r>
+          </a:p>
+          <a:p>
+            <a:pPr lvl="1"/>
             <a:endParaRPr lang="en-US" dirty="0"/>
           </a:p>
         </p:txBody>
@@ -39109,7 +38325,7 @@
   <p:timing>
     <p:tnLst>
       <p:par>
-        <p:cTn xmlns:p14="http://schemas.microsoft.com/office/powerpoint/2010/main" id="1" dur="indefinite" restart="never" nodeType="tmRoot"/>
+        <p:cTn id="1" dur="indefinite" restart="never" nodeType="tmRoot"/>
       </p:par>
     </p:tnLst>
   </p:timing>
@@ -39371,7 +38587,7 @@
   <a:extraClrSchemeLst/>
   <a:extLst>
     <a:ext uri="{05A4C25C-085E-4340-85A3-A5531E510DB2}">
-      <thm15:themeFamily xmlns="" xmlns:thm15="http://schemas.microsoft.com/office/thememl/2012/main" name="Office Theme" id="{62F939B6-93AF-4DB8-9C6B-D6C7DFDC589F}" vid="{4A3C46E8-61CC-4603-A589-7422A47A8E4A}"/>
+      <thm15:themeFamily xmlns:thm15="http://schemas.microsoft.com/office/thememl/2012/main" name="Office Theme" id="{62F939B6-93AF-4DB8-9C6B-D6C7DFDC589F}" vid="{4A3C46E8-61CC-4603-A589-7422A47A8E4A}"/>
     </a:ext>
   </a:extLst>
 </a:theme>
@@ -39632,7 +38848,7 @@
   <a:extraClrSchemeLst/>
   <a:extLst>
     <a:ext uri="{05A4C25C-085E-4340-85A3-A5531E510DB2}">
-      <thm15:themeFamily xmlns="" xmlns:thm15="http://schemas.microsoft.com/office/thememl/2012/main" name="Office Theme" id="{62F939B6-93AF-4DB8-9C6B-D6C7DFDC589F}" vid="{4A3C46E8-61CC-4603-A589-7422A47A8E4A}"/>
+      <thm15:themeFamily xmlns:thm15="http://schemas.microsoft.com/office/thememl/2012/main" name="Office Theme" id="{62F939B6-93AF-4DB8-9C6B-D6C7DFDC589F}" vid="{4A3C46E8-61CC-4603-A589-7422A47A8E4A}"/>
     </a:ext>
   </a:extLst>
 </a:theme>

--- a/UM_DataManagementClass/Lessons/04/04_FirstMeeting.pptx
+++ b/UM_DataManagementClass/Lessons/04/04_FirstMeeting.pptx
@@ -147,7 +147,7 @@
   </p:defaultTextStyle>
   <p:extLst>
     <p:ext uri="{EFAFB233-063F-42B5-8137-9DF3F51BA10A}">
-      <p15:sldGuideLst xmlns:p15="http://schemas.microsoft.com/office/powerpoint/2012/main">
+      <p15:sldGuideLst xmlns="" xmlns:p15="http://schemas.microsoft.com/office/powerpoint/2012/main">
         <p15:guide id="1" orient="horz" pos="2160" userDrawn="1">
           <p15:clr>
             <a:srgbClr val="A4A3A4"/>
@@ -416,7 +416,7 @@
     </p:spTree>
     <p:extLst>
       <p:ext uri="{BB962C8B-B14F-4D97-AF65-F5344CB8AC3E}">
-        <p14:creationId xmlns:p14="http://schemas.microsoft.com/office/powerpoint/2010/main" val="2616926588"/>
+        <p14:creationId xmlns="" xmlns:p14="http://schemas.microsoft.com/office/powerpoint/2010/main" val="2616926588"/>
       </p:ext>
     </p:extLst>
   </p:cSld>
@@ -591,7 +591,7 @@
     </p:spTree>
     <p:extLst>
       <p:ext uri="{BB962C8B-B14F-4D97-AF65-F5344CB8AC3E}">
-        <p14:creationId xmlns:p14="http://schemas.microsoft.com/office/powerpoint/2010/main" val="111020371"/>
+        <p14:creationId xmlns="" xmlns:p14="http://schemas.microsoft.com/office/powerpoint/2010/main" val="111020371"/>
       </p:ext>
     </p:extLst>
   </p:cSld>
@@ -684,7 +684,7 @@
     </p:spTree>
     <p:extLst>
       <p:ext uri="{BB962C8B-B14F-4D97-AF65-F5344CB8AC3E}">
-        <p14:creationId xmlns:p14="http://schemas.microsoft.com/office/powerpoint/2010/main" val="1214568317"/>
+        <p14:creationId xmlns="" xmlns:p14="http://schemas.microsoft.com/office/powerpoint/2010/main" val="1214568317"/>
       </p:ext>
     </p:extLst>
   </p:cSld>
@@ -789,7 +789,7 @@
     </p:spTree>
     <p:extLst>
       <p:ext uri="{BB962C8B-B14F-4D97-AF65-F5344CB8AC3E}">
-        <p14:creationId xmlns:p14="http://schemas.microsoft.com/office/powerpoint/2010/main" val="2233036527"/>
+        <p14:creationId xmlns="" xmlns:p14="http://schemas.microsoft.com/office/powerpoint/2010/main" val="2233036527"/>
       </p:ext>
     </p:extLst>
   </p:cSld>
@@ -886,7 +886,7 @@
     </p:spTree>
     <p:extLst>
       <p:ext uri="{BB962C8B-B14F-4D97-AF65-F5344CB8AC3E}">
-        <p14:creationId xmlns:p14="http://schemas.microsoft.com/office/powerpoint/2010/main" val="1673628171"/>
+        <p14:creationId xmlns="" xmlns:p14="http://schemas.microsoft.com/office/powerpoint/2010/main" val="1673628171"/>
       </p:ext>
     </p:extLst>
   </p:cSld>
@@ -975,7 +975,7 @@
     </p:spTree>
     <p:extLst>
       <p:ext uri="{BB962C8B-B14F-4D97-AF65-F5344CB8AC3E}">
-        <p14:creationId xmlns:p14="http://schemas.microsoft.com/office/powerpoint/2010/main" val="2168064235"/>
+        <p14:creationId xmlns="" xmlns:p14="http://schemas.microsoft.com/office/powerpoint/2010/main" val="2168064235"/>
       </p:ext>
     </p:extLst>
   </p:cSld>
@@ -1060,7 +1060,7 @@
     </p:spTree>
     <p:extLst>
       <p:ext uri="{BB962C8B-B14F-4D97-AF65-F5344CB8AC3E}">
-        <p14:creationId xmlns:p14="http://schemas.microsoft.com/office/powerpoint/2010/main" val="3850637182"/>
+        <p14:creationId xmlns="" xmlns:p14="http://schemas.microsoft.com/office/powerpoint/2010/main" val="3850637182"/>
       </p:ext>
     </p:extLst>
   </p:cSld>
@@ -1185,7 +1185,7 @@
     </p:spTree>
     <p:extLst>
       <p:ext uri="{BB962C8B-B14F-4D97-AF65-F5344CB8AC3E}">
-        <p14:creationId xmlns:p14="http://schemas.microsoft.com/office/powerpoint/2010/main" val="3633018203"/>
+        <p14:creationId xmlns="" xmlns:p14="http://schemas.microsoft.com/office/powerpoint/2010/main" val="3633018203"/>
       </p:ext>
     </p:extLst>
   </p:cSld>
@@ -1270,7 +1270,7 @@
     </p:spTree>
     <p:extLst>
       <p:ext uri="{BB962C8B-B14F-4D97-AF65-F5344CB8AC3E}">
-        <p14:creationId xmlns:p14="http://schemas.microsoft.com/office/powerpoint/2010/main" val="469845863"/>
+        <p14:creationId xmlns="" xmlns:p14="http://schemas.microsoft.com/office/powerpoint/2010/main" val="469845863"/>
       </p:ext>
     </p:extLst>
   </p:cSld>
@@ -1367,7 +1367,7 @@
     </p:spTree>
     <p:extLst>
       <p:ext uri="{BB962C8B-B14F-4D97-AF65-F5344CB8AC3E}">
-        <p14:creationId xmlns:p14="http://schemas.microsoft.com/office/powerpoint/2010/main" val="390379272"/>
+        <p14:creationId xmlns="" xmlns:p14="http://schemas.microsoft.com/office/powerpoint/2010/main" val="390379272"/>
       </p:ext>
     </p:extLst>
   </p:cSld>
@@ -1452,7 +1452,7 @@
     </p:spTree>
     <p:extLst>
       <p:ext uri="{BB962C8B-B14F-4D97-AF65-F5344CB8AC3E}">
-        <p14:creationId xmlns:p14="http://schemas.microsoft.com/office/powerpoint/2010/main" val="2954931761"/>
+        <p14:creationId xmlns="" xmlns:p14="http://schemas.microsoft.com/office/powerpoint/2010/main" val="2954931761"/>
       </p:ext>
     </p:extLst>
   </p:cSld>
@@ -1556,7 +1556,7 @@
     </p:spTree>
     <p:extLst>
       <p:ext uri="{BB962C8B-B14F-4D97-AF65-F5344CB8AC3E}">
-        <p14:creationId xmlns:p14="http://schemas.microsoft.com/office/powerpoint/2010/main" val="771351121"/>
+        <p14:creationId xmlns="" xmlns:p14="http://schemas.microsoft.com/office/powerpoint/2010/main" val="771351121"/>
       </p:ext>
     </p:extLst>
   </p:cSld>
@@ -1660,7 +1660,7 @@
     </p:spTree>
     <p:extLst>
       <p:ext uri="{BB962C8B-B14F-4D97-AF65-F5344CB8AC3E}">
-        <p14:creationId xmlns:p14="http://schemas.microsoft.com/office/powerpoint/2010/main" val="771351121"/>
+        <p14:creationId xmlns="" xmlns:p14="http://schemas.microsoft.com/office/powerpoint/2010/main" val="771351121"/>
       </p:ext>
     </p:extLst>
   </p:cSld>
@@ -1753,7 +1753,7 @@
     </p:spTree>
     <p:extLst>
       <p:ext uri="{BB962C8B-B14F-4D97-AF65-F5344CB8AC3E}">
-        <p14:creationId xmlns:p14="http://schemas.microsoft.com/office/powerpoint/2010/main" val="3360870633"/>
+        <p14:creationId xmlns="" xmlns:p14="http://schemas.microsoft.com/office/powerpoint/2010/main" val="3360870633"/>
       </p:ext>
     </p:extLst>
   </p:cSld>
@@ -1864,7 +1864,7 @@
     </p:spTree>
     <p:extLst>
       <p:ext uri="{BB962C8B-B14F-4D97-AF65-F5344CB8AC3E}">
-        <p14:creationId xmlns:p14="http://schemas.microsoft.com/office/powerpoint/2010/main" val="1696276712"/>
+        <p14:creationId xmlns="" xmlns:p14="http://schemas.microsoft.com/office/powerpoint/2010/main" val="1696276712"/>
       </p:ext>
     </p:extLst>
   </p:cSld>
@@ -1957,7 +1957,7 @@
     </p:spTree>
     <p:extLst>
       <p:ext uri="{BB962C8B-B14F-4D97-AF65-F5344CB8AC3E}">
-        <p14:creationId xmlns:p14="http://schemas.microsoft.com/office/powerpoint/2010/main" val="1861884742"/>
+        <p14:creationId xmlns="" xmlns:p14="http://schemas.microsoft.com/office/powerpoint/2010/main" val="1861884742"/>
       </p:ext>
     </p:extLst>
   </p:cSld>
@@ -2050,7 +2050,7 @@
     </p:spTree>
     <p:extLst>
       <p:ext uri="{BB962C8B-B14F-4D97-AF65-F5344CB8AC3E}">
-        <p14:creationId xmlns:p14="http://schemas.microsoft.com/office/powerpoint/2010/main" val="1632383171"/>
+        <p14:creationId xmlns="" xmlns:p14="http://schemas.microsoft.com/office/powerpoint/2010/main" val="1632383171"/>
       </p:ext>
     </p:extLst>
   </p:cSld>
@@ -2287,7 +2287,7 @@
     </p:spTree>
     <p:extLst>
       <p:ext uri="{BB962C8B-B14F-4D97-AF65-F5344CB8AC3E}">
-        <p14:creationId xmlns:p14="http://schemas.microsoft.com/office/powerpoint/2010/main" val="588844449"/>
+        <p14:creationId xmlns="" xmlns:p14="http://schemas.microsoft.com/office/powerpoint/2010/main" val="588844449"/>
       </p:ext>
     </p:extLst>
   </p:cSld>
@@ -2502,7 +2502,7 @@
     </p:spTree>
     <p:extLst>
       <p:ext uri="{BB962C8B-B14F-4D97-AF65-F5344CB8AC3E}">
-        <p14:creationId xmlns:p14="http://schemas.microsoft.com/office/powerpoint/2010/main" val="2374176888"/>
+        <p14:creationId xmlns="" xmlns:p14="http://schemas.microsoft.com/office/powerpoint/2010/main" val="2374176888"/>
       </p:ext>
     </p:extLst>
   </p:cSld>
@@ -2727,7 +2727,7 @@
     </p:spTree>
     <p:extLst>
       <p:ext uri="{BB962C8B-B14F-4D97-AF65-F5344CB8AC3E}">
-        <p14:creationId xmlns:p14="http://schemas.microsoft.com/office/powerpoint/2010/main" val="991584953"/>
+        <p14:creationId xmlns="" xmlns:p14="http://schemas.microsoft.com/office/powerpoint/2010/main" val="991584953"/>
       </p:ext>
     </p:extLst>
   </p:cSld>
@@ -2968,7 +2968,7 @@
     </p:spTree>
     <p:extLst>
       <p:ext uri="{BB962C8B-B14F-4D97-AF65-F5344CB8AC3E}">
-        <p14:creationId xmlns:p14="http://schemas.microsoft.com/office/powerpoint/2010/main" val="379613614"/>
+        <p14:creationId xmlns="" xmlns:p14="http://schemas.microsoft.com/office/powerpoint/2010/main" val="379613614"/>
       </p:ext>
     </p:extLst>
   </p:cSld>
@@ -3257,7 +3257,7 @@
     </p:spTree>
     <p:extLst>
       <p:ext uri="{BB962C8B-B14F-4D97-AF65-F5344CB8AC3E}">
-        <p14:creationId xmlns:p14="http://schemas.microsoft.com/office/powerpoint/2010/main" val="1749530271"/>
+        <p14:creationId xmlns="" xmlns:p14="http://schemas.microsoft.com/office/powerpoint/2010/main" val="1749530271"/>
       </p:ext>
     </p:extLst>
   </p:cSld>
@@ -3578,7 +3578,7 @@
     </p:spTree>
     <p:extLst>
       <p:ext uri="{BB962C8B-B14F-4D97-AF65-F5344CB8AC3E}">
-        <p14:creationId xmlns:p14="http://schemas.microsoft.com/office/powerpoint/2010/main" val="4117643888"/>
+        <p14:creationId xmlns="" xmlns:p14="http://schemas.microsoft.com/office/powerpoint/2010/main" val="4117643888"/>
       </p:ext>
     </p:extLst>
   </p:cSld>
@@ -4038,7 +4038,7 @@
     </p:spTree>
     <p:extLst>
       <p:ext uri="{BB962C8B-B14F-4D97-AF65-F5344CB8AC3E}">
-        <p14:creationId xmlns:p14="http://schemas.microsoft.com/office/powerpoint/2010/main" val="3305394207"/>
+        <p14:creationId xmlns="" xmlns:p14="http://schemas.microsoft.com/office/powerpoint/2010/main" val="3305394207"/>
       </p:ext>
     </p:extLst>
   </p:cSld>
@@ -4209,7 +4209,7 @@
     </p:spTree>
     <p:extLst>
       <p:ext uri="{BB962C8B-B14F-4D97-AF65-F5344CB8AC3E}">
-        <p14:creationId xmlns:p14="http://schemas.microsoft.com/office/powerpoint/2010/main" val="2564282291"/>
+        <p14:creationId xmlns="" xmlns:p14="http://schemas.microsoft.com/office/powerpoint/2010/main" val="2564282291"/>
       </p:ext>
     </p:extLst>
   </p:cSld>
@@ -4349,7 +4349,7 @@
     </p:spTree>
     <p:extLst>
       <p:ext uri="{BB962C8B-B14F-4D97-AF65-F5344CB8AC3E}">
-        <p14:creationId xmlns:p14="http://schemas.microsoft.com/office/powerpoint/2010/main" val="2633152322"/>
+        <p14:creationId xmlns="" xmlns:p14="http://schemas.microsoft.com/office/powerpoint/2010/main" val="2633152322"/>
       </p:ext>
     </p:extLst>
   </p:cSld>
@@ -4671,7 +4671,7 @@
     </p:spTree>
     <p:extLst>
       <p:ext uri="{BB962C8B-B14F-4D97-AF65-F5344CB8AC3E}">
-        <p14:creationId xmlns:p14="http://schemas.microsoft.com/office/powerpoint/2010/main" val="4283600683"/>
+        <p14:creationId xmlns="" xmlns:p14="http://schemas.microsoft.com/office/powerpoint/2010/main" val="4283600683"/>
       </p:ext>
     </p:extLst>
   </p:cSld>
@@ -4973,7 +4973,7 @@
     </p:spTree>
     <p:extLst>
       <p:ext uri="{BB962C8B-B14F-4D97-AF65-F5344CB8AC3E}">
-        <p14:creationId xmlns:p14="http://schemas.microsoft.com/office/powerpoint/2010/main" val="3406240267"/>
+        <p14:creationId xmlns="" xmlns:p14="http://schemas.microsoft.com/office/powerpoint/2010/main" val="3406240267"/>
       </p:ext>
     </p:extLst>
   </p:cSld>
@@ -5267,7 +5267,7 @@
     </p:spTree>
     <p:extLst>
       <p:ext uri="{BB962C8B-B14F-4D97-AF65-F5344CB8AC3E}">
-        <p14:creationId xmlns:p14="http://schemas.microsoft.com/office/powerpoint/2010/main" val="1652920772"/>
+        <p14:creationId xmlns="" xmlns:p14="http://schemas.microsoft.com/office/powerpoint/2010/main" val="1652920772"/>
       </p:ext>
     </p:extLst>
   </p:cSld>
@@ -5597,7 +5597,7 @@
           <a:blip r:embed="rId3" cstate="print">
             <a:extLst>
               <a:ext uri="{28A0092B-C50C-407E-A947-70E740481C1C}">
-                <a14:useLocalDpi xmlns:a14="http://schemas.microsoft.com/office/drawing/2010/main" val="0"/>
+                <a14:useLocalDpi xmlns="" xmlns:a14="http://schemas.microsoft.com/office/drawing/2010/main" val="0"/>
               </a:ext>
             </a:extLst>
           </a:blip>
@@ -5760,7 +5760,7 @@
     </p:spTree>
     <p:extLst>
       <p:ext uri="{BB962C8B-B14F-4D97-AF65-F5344CB8AC3E}">
-        <p14:creationId xmlns:p14="http://schemas.microsoft.com/office/powerpoint/2010/main" val="1875680063"/>
+        <p14:creationId xmlns="" xmlns:p14="http://schemas.microsoft.com/office/powerpoint/2010/main" val="1875680063"/>
       </p:ext>
     </p:extLst>
   </p:cSld>
@@ -6150,7 +6150,7 @@
           <a:blip r:embed="rId2" cstate="print">
             <a:extLst>
               <a:ext uri="{28A0092B-C50C-407E-A947-70E740481C1C}">
-                <a14:useLocalDpi xmlns:a14="http://schemas.microsoft.com/office/drawing/2010/main" val="0"/>
+                <a14:useLocalDpi xmlns="" xmlns:a14="http://schemas.microsoft.com/office/drawing/2010/main" val="0"/>
               </a:ext>
             </a:extLst>
           </a:blip>
@@ -6897,7 +6897,7 @@
           <a:blip r:embed="rId3" cstate="print">
             <a:extLst>
               <a:ext uri="{28A0092B-C50C-407E-A947-70E740481C1C}">
-                <a14:useLocalDpi xmlns:a14="http://schemas.microsoft.com/office/drawing/2010/main" val="0"/>
+                <a14:useLocalDpi xmlns="" xmlns:a14="http://schemas.microsoft.com/office/drawing/2010/main" val="0"/>
               </a:ext>
             </a:extLst>
           </a:blip>
@@ -7122,7 +7122,7 @@
     </p:spTree>
     <p:extLst>
       <p:ext uri="{BB962C8B-B14F-4D97-AF65-F5344CB8AC3E}">
-        <p14:creationId xmlns:p14="http://schemas.microsoft.com/office/powerpoint/2010/main" val="3685091312"/>
+        <p14:creationId xmlns="" xmlns:p14="http://schemas.microsoft.com/office/powerpoint/2010/main" val="3685091312"/>
       </p:ext>
     </p:extLst>
   </p:cSld>
@@ -8233,7 +8233,7 @@
           <a:blip r:embed="rId3" cstate="print">
             <a:extLst>
               <a:ext uri="{28A0092B-C50C-407E-A947-70E740481C1C}">
-                <a14:useLocalDpi xmlns:a14="http://schemas.microsoft.com/office/drawing/2010/main" val="0"/>
+                <a14:useLocalDpi xmlns="" xmlns:a14="http://schemas.microsoft.com/office/drawing/2010/main" val="0"/>
               </a:ext>
             </a:extLst>
           </a:blip>
@@ -8465,7 +8465,7 @@
     </p:spTree>
     <p:extLst>
       <p:ext uri="{BB962C8B-B14F-4D97-AF65-F5344CB8AC3E}">
-        <p14:creationId xmlns:p14="http://schemas.microsoft.com/office/powerpoint/2010/main" val="3685091312"/>
+        <p14:creationId xmlns="" xmlns:p14="http://schemas.microsoft.com/office/powerpoint/2010/main" val="3685091312"/>
       </p:ext>
     </p:extLst>
   </p:cSld>
@@ -8974,7 +8974,7 @@
           <a:blip r:embed="rId2" cstate="print">
             <a:extLst>
               <a:ext uri="{28A0092B-C50C-407E-A947-70E740481C1C}">
-                <a14:useLocalDpi xmlns:a14="http://schemas.microsoft.com/office/drawing/2010/main" val="0"/>
+                <a14:useLocalDpi xmlns="" xmlns:a14="http://schemas.microsoft.com/office/drawing/2010/main" val="0"/>
               </a:ext>
             </a:extLst>
           </a:blip>
@@ -8992,7 +8992,7 @@
     </p:spTree>
     <p:extLst>
       <p:ext uri="{BB962C8B-B14F-4D97-AF65-F5344CB8AC3E}">
-        <p14:creationId xmlns:p14="http://schemas.microsoft.com/office/powerpoint/2010/main" val="103526934"/>
+        <p14:creationId xmlns="" xmlns:p14="http://schemas.microsoft.com/office/powerpoint/2010/main" val="103526934"/>
       </p:ext>
     </p:extLst>
   </p:cSld>
@@ -9083,11 +9083,7 @@
           <a:p>
             <a:r>
               <a:rPr lang="en-US" dirty="0" smtClean="0"/>
-              <a:t>Command </a:t>
-            </a:r>
-            <a:r>
-              <a:rPr lang="en-US" dirty="0" smtClean="0"/>
-              <a:t>Line </a:t>
+              <a:t>Command Line </a:t>
             </a:r>
             <a:endParaRPr lang="en-US" dirty="0"/>
           </a:p>
@@ -9096,7 +9092,7 @@
     </p:spTree>
     <p:extLst>
       <p:ext uri="{BB962C8B-B14F-4D97-AF65-F5344CB8AC3E}">
-        <p14:creationId xmlns:p14="http://schemas.microsoft.com/office/powerpoint/2010/main" val="4075626601"/>
+        <p14:creationId xmlns="" xmlns:p14="http://schemas.microsoft.com/office/powerpoint/2010/main" val="4075626601"/>
       </p:ext>
     </p:extLst>
   </p:cSld>
@@ -9163,7 +9159,7 @@
           <a:blip r:embed="rId2" cstate="print">
             <a:extLst>
               <a:ext uri="{28A0092B-C50C-407E-A947-70E740481C1C}">
-                <a14:useLocalDpi xmlns:a14="http://schemas.microsoft.com/office/drawing/2010/main" val="0"/>
+                <a14:useLocalDpi xmlns="" xmlns:a14="http://schemas.microsoft.com/office/drawing/2010/main" val="0"/>
               </a:ext>
             </a:extLst>
           </a:blip>
@@ -9181,7 +9177,7 @@
     </p:spTree>
     <p:extLst>
       <p:ext uri="{BB962C8B-B14F-4D97-AF65-F5344CB8AC3E}">
-        <p14:creationId xmlns:p14="http://schemas.microsoft.com/office/powerpoint/2010/main" val="2681831660"/>
+        <p14:creationId xmlns="" xmlns:p14="http://schemas.microsoft.com/office/powerpoint/2010/main" val="2681831660"/>
       </p:ext>
     </p:extLst>
   </p:cSld>
@@ -9248,7 +9244,7 @@
           <a:blip r:embed="rId2" cstate="print">
             <a:extLst>
               <a:ext uri="{28A0092B-C50C-407E-A947-70E740481C1C}">
-                <a14:useLocalDpi xmlns:a14="http://schemas.microsoft.com/office/drawing/2010/main" val="0"/>
+                <a14:useLocalDpi xmlns="" xmlns:a14="http://schemas.microsoft.com/office/drawing/2010/main" val="0"/>
               </a:ext>
             </a:extLst>
           </a:blip>
@@ -9266,7 +9262,7 @@
     </p:spTree>
     <p:extLst>
       <p:ext uri="{BB962C8B-B14F-4D97-AF65-F5344CB8AC3E}">
-        <p14:creationId xmlns:p14="http://schemas.microsoft.com/office/powerpoint/2010/main" val="3538705512"/>
+        <p14:creationId xmlns="" xmlns:p14="http://schemas.microsoft.com/office/powerpoint/2010/main" val="3538705512"/>
       </p:ext>
     </p:extLst>
   </p:cSld>
@@ -9333,7 +9329,7 @@
           <a:blip r:embed="rId2" cstate="print">
             <a:extLst>
               <a:ext uri="{28A0092B-C50C-407E-A947-70E740481C1C}">
-                <a14:useLocalDpi xmlns:a14="http://schemas.microsoft.com/office/drawing/2010/main" val="0"/>
+                <a14:useLocalDpi xmlns="" xmlns:a14="http://schemas.microsoft.com/office/drawing/2010/main" val="0"/>
               </a:ext>
             </a:extLst>
           </a:blip>
@@ -9351,7 +9347,7 @@
     </p:spTree>
     <p:extLst>
       <p:ext uri="{BB962C8B-B14F-4D97-AF65-F5344CB8AC3E}">
-        <p14:creationId xmlns:p14="http://schemas.microsoft.com/office/powerpoint/2010/main" val="2967652158"/>
+        <p14:creationId xmlns="" xmlns:p14="http://schemas.microsoft.com/office/powerpoint/2010/main" val="2967652158"/>
       </p:ext>
     </p:extLst>
   </p:cSld>
@@ -9807,7 +9803,7 @@
     </p:spTree>
     <p:extLst>
       <p:ext uri="{BB962C8B-B14F-4D97-AF65-F5344CB8AC3E}">
-        <p14:creationId xmlns:p14="http://schemas.microsoft.com/office/powerpoint/2010/main" val="971149483"/>
+        <p14:creationId xmlns="" xmlns:p14="http://schemas.microsoft.com/office/powerpoint/2010/main" val="971149483"/>
       </p:ext>
     </p:extLst>
   </p:cSld>
@@ -9850,7 +9846,7 @@
           <p:nvPr>
             <p:extLst>
               <p:ext uri="{D42A27DB-BD31-4B8C-83A1-F6EECF244321}">
-                <p14:modId xmlns:p14="http://schemas.microsoft.com/office/powerpoint/2010/main" val="3513484322"/>
+                <p14:modId xmlns="" xmlns:p14="http://schemas.microsoft.com/office/powerpoint/2010/main" val="3513484322"/>
               </p:ext>
             </p:extLst>
           </p:nvPr>
@@ -15111,7 +15107,7 @@
     </p:spTree>
     <p:extLst>
       <p:ext uri="{BB962C8B-B14F-4D97-AF65-F5344CB8AC3E}">
-        <p14:creationId xmlns:p14="http://schemas.microsoft.com/office/powerpoint/2010/main" val="686520366"/>
+        <p14:creationId xmlns="" xmlns:p14="http://schemas.microsoft.com/office/powerpoint/2010/main" val="686520366"/>
       </p:ext>
     </p:extLst>
   </p:cSld>
@@ -15154,7 +15150,7 @@
           <p:nvPr>
             <p:extLst>
               <p:ext uri="{D42A27DB-BD31-4B8C-83A1-F6EECF244321}">
-                <p14:modId xmlns:p14="http://schemas.microsoft.com/office/powerpoint/2010/main" val="336710148"/>
+                <p14:modId xmlns="" xmlns:p14="http://schemas.microsoft.com/office/powerpoint/2010/main" val="336710148"/>
               </p:ext>
             </p:extLst>
           </p:nvPr>
@@ -20400,7 +20396,7 @@
     </p:spTree>
     <p:extLst>
       <p:ext uri="{BB962C8B-B14F-4D97-AF65-F5344CB8AC3E}">
-        <p14:creationId xmlns:p14="http://schemas.microsoft.com/office/powerpoint/2010/main" val="3616459688"/>
+        <p14:creationId xmlns="" xmlns:p14="http://schemas.microsoft.com/office/powerpoint/2010/main" val="3616459688"/>
       </p:ext>
     </p:extLst>
   </p:cSld>
@@ -20443,7 +20439,7 @@
           <p:nvPr>
             <p:extLst>
               <p:ext uri="{D42A27DB-BD31-4B8C-83A1-F6EECF244321}">
-                <p14:modId xmlns:p14="http://schemas.microsoft.com/office/powerpoint/2010/main" val="1393859299"/>
+                <p14:modId xmlns="" xmlns:p14="http://schemas.microsoft.com/office/powerpoint/2010/main" val="1393859299"/>
               </p:ext>
             </p:extLst>
           </p:nvPr>
@@ -25689,7 +25685,7 @@
     </p:spTree>
     <p:extLst>
       <p:ext uri="{BB962C8B-B14F-4D97-AF65-F5344CB8AC3E}">
-        <p14:creationId xmlns:p14="http://schemas.microsoft.com/office/powerpoint/2010/main" val="2974007464"/>
+        <p14:creationId xmlns="" xmlns:p14="http://schemas.microsoft.com/office/powerpoint/2010/main" val="2974007464"/>
       </p:ext>
     </p:extLst>
   </p:cSld>
@@ -25732,7 +25728,7 @@
           <p:nvPr>
             <p:extLst>
               <p:ext uri="{D42A27DB-BD31-4B8C-83A1-F6EECF244321}">
-                <p14:modId xmlns:p14="http://schemas.microsoft.com/office/powerpoint/2010/main" val="4090914501"/>
+                <p14:modId xmlns="" xmlns:p14="http://schemas.microsoft.com/office/powerpoint/2010/main" val="4090914501"/>
               </p:ext>
             </p:extLst>
           </p:nvPr>
@@ -31023,7 +31019,7 @@
     </p:spTree>
     <p:extLst>
       <p:ext uri="{BB962C8B-B14F-4D97-AF65-F5344CB8AC3E}">
-        <p14:creationId xmlns:p14="http://schemas.microsoft.com/office/powerpoint/2010/main" val="151268023"/>
+        <p14:creationId xmlns="" xmlns:p14="http://schemas.microsoft.com/office/powerpoint/2010/main" val="151268023"/>
       </p:ext>
     </p:extLst>
   </p:cSld>
@@ -31137,7 +31133,7 @@
           <p:nvPr>
             <p:extLst>
               <p:ext uri="{D42A27DB-BD31-4B8C-83A1-F6EECF244321}">
-                <p14:modId xmlns:p14="http://schemas.microsoft.com/office/powerpoint/2010/main" val="4156333109"/>
+                <p14:modId xmlns="" xmlns:p14="http://schemas.microsoft.com/office/powerpoint/2010/main" val="4156333109"/>
               </p:ext>
             </p:extLst>
           </p:nvPr>
@@ -31148,59 +31144,9 @@
         </p:xfrm>
         <a:graphic>
           <a:graphicData uri="http://schemas.openxmlformats.org/presentationml/2006/ole">
-            <mc:AlternateContent xmlns:mc="http://schemas.openxmlformats.org/markup-compatibility/2006">
-              <mc:Choice xmlns:v="urn:schemas-microsoft-com:vml" Requires="v">
-                <p:oleObj spid="_x0000_s1031" name="Document" r:id="rId4" imgW="5638592" imgH="6464062" progId="Word.Document.12">
-                  <p:embed/>
-                </p:oleObj>
-              </mc:Choice>
-              <mc:Fallback>
-                <p:oleObj name="Document" r:id="rId4" imgW="5638592" imgH="6464062" progId="Word.Document.12">
-                  <p:embed/>
-                  <p:pic>
-                    <p:nvPicPr>
-                      <p:cNvPr id="0" name="Picture 2"/>
-                      <p:cNvPicPr>
-                        <a:picLocks noChangeAspect="1" noChangeArrowheads="1"/>
-                      </p:cNvPicPr>
-                      <p:nvPr/>
-                    </p:nvPicPr>
-                    <p:blipFill>
-                      <a:blip r:embed="rId5">
-                        <a:extLst>
-                          <a:ext uri="{28A0092B-C50C-407E-A947-70E740481C1C}">
-                            <a14:useLocalDpi xmlns:a14="http://schemas.microsoft.com/office/drawing/2010/main" val="0"/>
-                          </a:ext>
-                        </a:extLst>
-                      </a:blip>
-                      <a:srcRect/>
-                      <a:stretch>
-                        <a:fillRect/>
-                      </a:stretch>
-                    </p:blipFill>
-                    <p:spPr bwMode="auto">
-                      <a:xfrm>
-                        <a:off x="5015904" y="55950"/>
-                        <a:ext cx="7976299" cy="6858000"/>
-                      </a:xfrm>
-                      <a:prstGeom prst="rect">
-                        <a:avLst/>
-                      </a:prstGeom>
-                      <a:noFill/>
-                      <a:extLst>
-                        <a:ext uri="{909E8E84-426E-40dd-AFC4-6F175D3DCCD1}">
-                          <a14:hiddenFill xmlns:a14="http://schemas.microsoft.com/office/drawing/2010/main" xmlns="">
-                            <a:solidFill>
-                              <a:srgbClr val="FFFFFF"/>
-                            </a:solidFill>
-                          </a14:hiddenFill>
-                        </a:ext>
-                      </a:extLst>
-                    </p:spPr>
-                  </p:pic>
-                </p:oleObj>
-              </mc:Fallback>
-            </mc:AlternateContent>
+            <p:oleObj spid="_x0000_s1031" name="Document" r:id="rId4" imgW="5638592" imgH="6464062" progId="Word.Document.12">
+              <p:embed/>
+            </p:oleObj>
           </a:graphicData>
         </a:graphic>
       </p:graphicFrame>
@@ -31386,7 +31332,7 @@
     </p:spTree>
     <p:extLst>
       <p:ext uri="{BB962C8B-B14F-4D97-AF65-F5344CB8AC3E}">
-        <p14:creationId xmlns:p14="http://schemas.microsoft.com/office/powerpoint/2010/main" val="50583360"/>
+        <p14:creationId xmlns="" xmlns:p14="http://schemas.microsoft.com/office/powerpoint/2010/main" val="50583360"/>
       </p:ext>
     </p:extLst>
   </p:cSld>
@@ -31734,19 +31680,7 @@
             </a:r>
             <a:r>
               <a:rPr lang="en-US" dirty="0" smtClean="0"/>
-              <a:t> </a:t>
-            </a:r>
-            <a:r>
-              <a:rPr lang="en-US" dirty="0" smtClean="0"/>
-              <a:t>(</a:t>
-            </a:r>
-            <a:r>
-              <a:rPr lang="en-US" dirty="0" smtClean="0"/>
-              <a:t>Linus Torvalds</a:t>
-            </a:r>
-            <a:r>
-              <a:rPr lang="en-US" dirty="0" smtClean="0"/>
-              <a:t>), </a:t>
+              <a:t> (Linus Torvalds), </a:t>
             </a:r>
             <a:r>
               <a:rPr lang="en-US" dirty="0" err="1" smtClean="0"/>
@@ -31762,23 +31696,7 @@
             </a:r>
             <a:r>
               <a:rPr lang="en-US" dirty="0" smtClean="0"/>
-              <a:t> </a:t>
-            </a:r>
-            <a:r>
-              <a:rPr lang="en-US" dirty="0" smtClean="0"/>
-              <a:t>(</a:t>
-            </a:r>
-            <a:r>
-              <a:rPr lang="en-US" dirty="0" smtClean="0"/>
-              <a:t>really both </a:t>
-            </a:r>
-            <a:r>
-              <a:rPr lang="en-US" dirty="0" smtClean="0"/>
-              <a:t>commercial </a:t>
-            </a:r>
-            <a:r>
-              <a:rPr lang="en-US" dirty="0" smtClean="0"/>
-              <a:t>versions of </a:t>
+              <a:t> (really both commercial versions of </a:t>
             </a:r>
             <a:r>
               <a:rPr lang="en-US" dirty="0" err="1" smtClean="0"/>
@@ -33266,7 +33184,7 @@
     </p:spTree>
     <p:extLst>
       <p:ext uri="{BB962C8B-B14F-4D97-AF65-F5344CB8AC3E}">
-        <p14:creationId xmlns:p14="http://schemas.microsoft.com/office/powerpoint/2010/main" val="2792138171"/>
+        <p14:creationId xmlns="" xmlns:p14="http://schemas.microsoft.com/office/powerpoint/2010/main" val="2792138171"/>
       </p:ext>
     </p:extLst>
   </p:cSld>
@@ -34170,7 +34088,7 @@
     </p:spTree>
     <p:extLst>
       <p:ext uri="{BB962C8B-B14F-4D97-AF65-F5344CB8AC3E}">
-        <p14:creationId xmlns:p14="http://schemas.microsoft.com/office/powerpoint/2010/main" val="3530561644"/>
+        <p14:creationId xmlns="" xmlns:p14="http://schemas.microsoft.com/office/powerpoint/2010/main" val="3530561644"/>
       </p:ext>
     </p:extLst>
   </p:cSld>
@@ -34847,7 +34765,7 @@
     </p:spTree>
     <p:extLst>
       <p:ext uri="{BB962C8B-B14F-4D97-AF65-F5344CB8AC3E}">
-        <p14:creationId xmlns:p14="http://schemas.microsoft.com/office/powerpoint/2010/main" val="2085955048"/>
+        <p14:creationId xmlns="" xmlns:p14="http://schemas.microsoft.com/office/powerpoint/2010/main" val="2085955048"/>
       </p:ext>
     </p:extLst>
   </p:cSld>
@@ -35041,7 +34959,7 @@
     </p:spTree>
     <p:extLst>
       <p:ext uri="{BB962C8B-B14F-4D97-AF65-F5344CB8AC3E}">
-        <p14:creationId xmlns:p14="http://schemas.microsoft.com/office/powerpoint/2010/main" val="1265998686"/>
+        <p14:creationId xmlns="" xmlns:p14="http://schemas.microsoft.com/office/powerpoint/2010/main" val="1265998686"/>
       </p:ext>
     </p:extLst>
   </p:cSld>
@@ -35092,7 +35010,7 @@
           <a:p>
             <a:r>
               <a:rPr lang="en-US" dirty="0" smtClean="0"/>
-              <a:t>Wednesday</a:t>
+              <a:t>For Wednesday</a:t>
             </a:r>
             <a:endParaRPr lang="en-US" dirty="0"/>
           </a:p>
@@ -35110,8 +35028,8 @@
         </p:nvSpPr>
         <p:spPr>
           <a:xfrm>
-            <a:off x="838200" y="1402080"/>
-            <a:ext cx="10515600" cy="4937760"/>
+            <a:off x="655320" y="1402080"/>
+            <a:ext cx="11069320" cy="4937760"/>
           </a:xfrm>
         </p:spPr>
         <p:txBody>
@@ -35124,7 +35042,7 @@
               <a:buNone/>
             </a:pPr>
             <a:r>
-              <a:rPr lang="en-US" dirty="0"/>
+              <a:rPr lang="en-US" sz="2000" dirty="0"/>
               <a:t>Assignment #2: The Unix Shell. </a:t>
             </a:r>
           </a:p>
@@ -35133,39 +35051,173 @@
               <a:buNone/>
             </a:pPr>
             <a:r>
-              <a:rPr lang="en-US" dirty="0" smtClean="0"/>
+              <a:rPr lang="en-US" sz="2000" dirty="0" smtClean="0"/>
               <a:t>DO </a:t>
             </a:r>
             <a:r>
-              <a:rPr lang="en-US" dirty="0"/>
+              <a:rPr lang="en-US" sz="2000" dirty="0"/>
               <a:t>UP </a:t>
             </a:r>
             <a:r>
-              <a:rPr lang="en-US" dirty="0" smtClean="0"/>
+              <a:rPr lang="en-US" sz="2000" dirty="0" smtClean="0"/>
               <a:t>TO and INCLUDING </a:t>
             </a:r>
             <a:r>
-              <a:rPr lang="en-US" dirty="0"/>
+              <a:rPr lang="en-US" sz="2000" dirty="0"/>
               <a:t>“CREATING THINGS” UNDER TOPICS BEFORE COMING TO CLASS ON WEDNESDAY </a:t>
             </a:r>
-            <a:endParaRPr lang="en-US" dirty="0" smtClean="0"/>
+            <a:endParaRPr lang="en-US" sz="2000" dirty="0" smtClean="0"/>
           </a:p>
           <a:p>
             <a:pPr marL="0" indent="0">
               <a:buNone/>
             </a:pPr>
             <a:r>
-              <a:rPr lang="en-US" i="1" dirty="0" smtClean="0">
+              <a:rPr lang="en-US" sz="2000" i="1" dirty="0" smtClean="0">
                 <a:hlinkClick r:id="rId2"/>
               </a:rPr>
               <a:t>http</a:t>
             </a:r>
             <a:r>
-              <a:rPr lang="en-US" i="1" dirty="0">
+              <a:rPr lang="en-US" sz="2000" i="1" dirty="0">
                 <a:hlinkClick r:id="rId2"/>
               </a:rPr>
-              <a:t>://swcarpentry.github.io/shell-novice/</a:t>
-            </a:r>
+              <a:t>://swcarpentry.github.io/shell-novice</a:t>
+            </a:r>
+            <a:r>
+              <a:rPr lang="en-US" sz="2000" i="1" dirty="0" smtClean="0">
+                <a:hlinkClick r:id="rId2"/>
+              </a:rPr>
+              <a:t>/</a:t>
+            </a:r>
+            <a:endParaRPr lang="en-US" sz="2000" i="1" dirty="0" smtClean="0"/>
+          </a:p>
+          <a:p>
+            <a:pPr marL="0" indent="0">
+              <a:buNone/>
+            </a:pPr>
+            <a:endParaRPr lang="en-US" sz="1600" i="1" dirty="0" smtClean="0"/>
+          </a:p>
+          <a:p>
+            <a:pPr marL="0" indent="0">
+              <a:buNone/>
+            </a:pPr>
+            <a:r>
+              <a:rPr lang="en-US" sz="2000" i="1" dirty="0" smtClean="0"/>
+              <a:t>Specifically, do the following two lessons</a:t>
+            </a:r>
+            <a:endParaRPr lang="en-US" sz="2000" i="1" dirty="0" smtClean="0"/>
+          </a:p>
+          <a:p>
+            <a:pPr marL="0" indent="0">
+              <a:buNone/>
+            </a:pPr>
+            <a:r>
+              <a:rPr lang="en-US" sz="2000" dirty="0" smtClean="0">
+                <a:hlinkClick r:id="rId3"/>
+              </a:rPr>
+              <a:t>http://</a:t>
+            </a:r>
+            <a:r>
+              <a:rPr lang="en-US" sz="2000" dirty="0" smtClean="0">
+                <a:hlinkClick r:id="rId3"/>
+              </a:rPr>
+              <a:t>swcarpentry.github.io/shell-novice/01-filedir.html</a:t>
+            </a:r>
+            <a:endParaRPr lang="en-US" sz="2000" dirty="0" smtClean="0"/>
+          </a:p>
+          <a:p>
+            <a:pPr marL="0" indent="0">
+              <a:buNone/>
+            </a:pPr>
+            <a:r>
+              <a:rPr lang="en-US" sz="2000" dirty="0" smtClean="0">
+                <a:hlinkClick r:id="rId4"/>
+              </a:rPr>
+              <a:t>http://</a:t>
+            </a:r>
+            <a:r>
+              <a:rPr lang="en-US" sz="2000" dirty="0" smtClean="0">
+                <a:hlinkClick r:id="rId4"/>
+              </a:rPr>
+              <a:t>swcarpentry.github.io/shell-novice/02-create.html</a:t>
+            </a:r>
+            <a:endParaRPr lang="en-US" sz="2000" dirty="0" smtClean="0"/>
+          </a:p>
+          <a:p>
+            <a:pPr marL="0" indent="0">
+              <a:buNone/>
+            </a:pPr>
+            <a:endParaRPr lang="en-US" sz="2000" dirty="0" smtClean="0"/>
+          </a:p>
+          <a:p>
+            <a:pPr marL="0" indent="0">
+              <a:buNone/>
+            </a:pPr>
+            <a:r>
+              <a:rPr lang="en-US" sz="2000" dirty="0" smtClean="0"/>
+              <a:t>Make sure to create a word document: 20160203_&lt;</a:t>
+            </a:r>
+            <a:r>
+              <a:rPr lang="en-US" sz="2000" dirty="0" err="1" smtClean="0"/>
+              <a:t>yourLastName</a:t>
+            </a:r>
+            <a:r>
+              <a:rPr lang="en-US" sz="2000" dirty="0" smtClean="0"/>
+              <a:t>&gt;_RSM674.Assignment02.docx</a:t>
+            </a:r>
+          </a:p>
+          <a:p>
+            <a:pPr marL="508000" indent="-346075">
+              <a:buFontTx/>
+              <a:buChar char="-"/>
+            </a:pPr>
+            <a:r>
+              <a:rPr lang="en-US" sz="2000" dirty="0" smtClean="0"/>
+              <a:t>The document should contain the answers to the questions at the end of both lessons</a:t>
+            </a:r>
+          </a:p>
+          <a:p>
+            <a:pPr marL="508000" indent="-346075">
+              <a:buFontTx/>
+              <a:buChar char="-"/>
+            </a:pPr>
+            <a:r>
+              <a:rPr lang="en-US" sz="2000" dirty="0" smtClean="0"/>
+              <a:t>Please send the completed document to both </a:t>
+            </a:r>
+            <a:r>
+              <a:rPr lang="en-US" sz="2000" dirty="0" smtClean="0">
+                <a:hlinkClick r:id="rId5"/>
+              </a:rPr>
+              <a:t>tnorris@miami.edu</a:t>
+            </a:r>
+            <a:r>
+              <a:rPr lang="en-US" sz="2000" dirty="0" smtClean="0"/>
+              <a:t> and </a:t>
+            </a:r>
+            <a:r>
+              <a:rPr lang="en-US" sz="2000" dirty="0" smtClean="0">
+                <a:hlinkClick r:id="rId6"/>
+              </a:rPr>
+              <a:t>aclark@rsmas.miami.edu</a:t>
+            </a:r>
+            <a:r>
+              <a:rPr lang="en-US" sz="2000" dirty="0" smtClean="0"/>
+              <a:t> BEFORE class on Wednesday the 03 of February </a:t>
+            </a:r>
+          </a:p>
+          <a:p>
+            <a:pPr marL="0" indent="0">
+              <a:buFontTx/>
+              <a:buChar char="-"/>
+            </a:pPr>
+            <a:endParaRPr lang="en-US" sz="1800" dirty="0" smtClean="0"/>
+          </a:p>
+          <a:p>
+            <a:pPr marL="0" indent="0">
+              <a:buNone/>
+            </a:pPr>
             <a:endParaRPr lang="en-US" sz="1800" dirty="0"/>
           </a:p>
           <a:p>
@@ -35179,7 +35231,7 @@
     </p:spTree>
     <p:extLst>
       <p:ext uri="{BB962C8B-B14F-4D97-AF65-F5344CB8AC3E}">
-        <p14:creationId xmlns:p14="http://schemas.microsoft.com/office/powerpoint/2010/main" val="1659234959"/>
+        <p14:creationId xmlns="" xmlns:p14="http://schemas.microsoft.com/office/powerpoint/2010/main" val="1659234959"/>
       </p:ext>
     </p:extLst>
   </p:cSld>
@@ -35839,7 +35891,7 @@
     </p:spTree>
     <p:extLst>
       <p:ext uri="{BB962C8B-B14F-4D97-AF65-F5344CB8AC3E}">
-        <p14:creationId xmlns:p14="http://schemas.microsoft.com/office/powerpoint/2010/main" val="1658114441"/>
+        <p14:creationId xmlns="" xmlns:p14="http://schemas.microsoft.com/office/powerpoint/2010/main" val="1658114441"/>
       </p:ext>
     </p:extLst>
   </p:cSld>
@@ -36282,7 +36334,7 @@
     </p:spTree>
     <p:extLst>
       <p:ext uri="{BB962C8B-B14F-4D97-AF65-F5344CB8AC3E}">
-        <p14:creationId xmlns:p14="http://schemas.microsoft.com/office/powerpoint/2010/main" val="777789661"/>
+        <p14:creationId xmlns="" xmlns:p14="http://schemas.microsoft.com/office/powerpoint/2010/main" val="777789661"/>
       </p:ext>
     </p:extLst>
   </p:cSld>
@@ -37221,7 +37273,7 @@
     </p:spTree>
     <p:extLst>
       <p:ext uri="{BB962C8B-B14F-4D97-AF65-F5344CB8AC3E}">
-        <p14:creationId xmlns:p14="http://schemas.microsoft.com/office/powerpoint/2010/main" val="2427709017"/>
+        <p14:creationId xmlns="" xmlns:p14="http://schemas.microsoft.com/office/powerpoint/2010/main" val="2427709017"/>
       </p:ext>
     </p:extLst>
   </p:cSld>
@@ -37336,7 +37388,7 @@
     </p:spTree>
     <p:extLst>
       <p:ext uri="{BB962C8B-B14F-4D97-AF65-F5344CB8AC3E}">
-        <p14:creationId xmlns:p14="http://schemas.microsoft.com/office/powerpoint/2010/main" val="4186111645"/>
+        <p14:creationId xmlns="" xmlns:p14="http://schemas.microsoft.com/office/powerpoint/2010/main" val="4186111645"/>
       </p:ext>
     </p:extLst>
   </p:cSld>
@@ -37449,35 +37501,6 @@
           </a:p>
         </p:txBody>
       </p:sp>
-      <p:pic>
-        <p:nvPicPr>
-          <p:cNvPr id="5" name="Content Placeholder 4"/>
-          <p:cNvPicPr>
-            <a:picLocks noGrp="1" noChangeAspect="1"/>
-          </p:cNvPicPr>
-          <p:nvPr>
-            <p:ph sz="half" idx="2"/>
-          </p:nvPr>
-        </p:nvPicPr>
-        <p:blipFill>
-          <a:blip r:embed="rId2" cstate="print">
-            <a:extLst>
-              <a:ext uri="{28A0092B-C50C-407E-A947-70E740481C1C}">
-                <a14:useLocalDpi xmlns:a14="http://schemas.microsoft.com/office/drawing/2010/main" val="0"/>
-              </a:ext>
-            </a:extLst>
-          </a:blip>
-          <a:stretch>
-            <a:fillRect/>
-          </a:stretch>
-        </p:blipFill>
-        <p:spPr>
-          <a:xfrm>
-            <a:off x="6927851" y="2096294"/>
-            <a:ext cx="2752725" cy="3810000"/>
-          </a:xfrm>
-        </p:spPr>
-      </p:pic>
       <p:sp>
         <p:nvSpPr>
           <p:cNvPr id="6" name="Rectangle 5"/>
@@ -37512,10 +37535,29 @@
           </a:p>
         </p:txBody>
       </p:sp>
+      <p:sp>
+        <p:nvSpPr>
+          <p:cNvPr id="7" name="Content Placeholder 6"/>
+          <p:cNvSpPr>
+            <a:spLocks noGrp="1"/>
+          </p:cNvSpPr>
+          <p:nvPr>
+            <p:ph sz="half" idx="2"/>
+          </p:nvPr>
+        </p:nvSpPr>
+        <p:spPr/>
+        <p:txBody>
+          <a:bodyPr/>
+          <a:lstStyle/>
+          <a:p>
+            <a:endParaRPr lang="en-US"/>
+          </a:p>
+        </p:txBody>
+      </p:sp>
     </p:spTree>
     <p:extLst>
       <p:ext uri="{BB962C8B-B14F-4D97-AF65-F5344CB8AC3E}">
-        <p14:creationId xmlns:p14="http://schemas.microsoft.com/office/powerpoint/2010/main" val="374121597"/>
+        <p14:creationId xmlns="" xmlns:p14="http://schemas.microsoft.com/office/powerpoint/2010/main" val="374121597"/>
       </p:ext>
     </p:extLst>
   </p:cSld>
@@ -37561,7 +37603,7 @@
           <a:blip r:embed="rId3" cstate="print">
             <a:extLst>
               <a:ext uri="{28A0092B-C50C-407E-A947-70E740481C1C}">
-                <a14:useLocalDpi xmlns:a14="http://schemas.microsoft.com/office/drawing/2010/main" val="0"/>
+                <a14:useLocalDpi xmlns="" xmlns:a14="http://schemas.microsoft.com/office/drawing/2010/main" val="0"/>
               </a:ext>
             </a:extLst>
           </a:blip>
@@ -37856,7 +37898,7 @@
     </p:spTree>
     <p:extLst>
       <p:ext uri="{BB962C8B-B14F-4D97-AF65-F5344CB8AC3E}">
-        <p14:creationId xmlns:p14="http://schemas.microsoft.com/office/powerpoint/2010/main" val="147640595"/>
+        <p14:creationId xmlns="" xmlns:p14="http://schemas.microsoft.com/office/powerpoint/2010/main" val="147640595"/>
       </p:ext>
     </p:extLst>
   </p:cSld>
@@ -38587,7 +38629,7 @@
   <a:extraClrSchemeLst/>
   <a:extLst>
     <a:ext uri="{05A4C25C-085E-4340-85A3-A5531E510DB2}">
-      <thm15:themeFamily xmlns:thm15="http://schemas.microsoft.com/office/thememl/2012/main" name="Office Theme" id="{62F939B6-93AF-4DB8-9C6B-D6C7DFDC589F}" vid="{4A3C46E8-61CC-4603-A589-7422A47A8E4A}"/>
+      <thm15:themeFamily xmlns="" xmlns:thm15="http://schemas.microsoft.com/office/thememl/2012/main" name="Office Theme" id="{62F939B6-93AF-4DB8-9C6B-D6C7DFDC589F}" vid="{4A3C46E8-61CC-4603-A589-7422A47A8E4A}"/>
     </a:ext>
   </a:extLst>
 </a:theme>
@@ -38848,7 +38890,7 @@
   <a:extraClrSchemeLst/>
   <a:extLst>
     <a:ext uri="{05A4C25C-085E-4340-85A3-A5531E510DB2}">
-      <thm15:themeFamily xmlns:thm15="http://schemas.microsoft.com/office/thememl/2012/main" name="Office Theme" id="{62F939B6-93AF-4DB8-9C6B-D6C7DFDC589F}" vid="{4A3C46E8-61CC-4603-A589-7422A47A8E4A}"/>
+      <thm15:themeFamily xmlns="" xmlns:thm15="http://schemas.microsoft.com/office/thememl/2012/main" name="Office Theme" id="{62F939B6-93AF-4DB8-9C6B-D6C7DFDC589F}" vid="{4A3C46E8-61CC-4603-A589-7422A47A8E4A}"/>
     </a:ext>
   </a:extLst>
 </a:theme>
